--- a/lecture/Slides/01_Foundations_II.pptx
+++ b/lecture/Slides/01_Foundations_II.pptx
@@ -5,17 +5,21 @@
     <p:sldMasterId id="2147483648" r:id="rId1"/>
   </p:sldMasterIdLst>
   <p:notesMasterIdLst>
-    <p:notesMasterId r:id="rId10"/>
+    <p:notesMasterId r:id="rId14"/>
   </p:notesMasterIdLst>
   <p:sldIdLst>
     <p:sldId id="270" r:id="rId2"/>
     <p:sldId id="295" r:id="rId3"/>
-    <p:sldId id="292" r:id="rId4"/>
-    <p:sldId id="291" r:id="rId5"/>
-    <p:sldId id="296" r:id="rId6"/>
-    <p:sldId id="293" r:id="rId7"/>
-    <p:sldId id="294" r:id="rId8"/>
-    <p:sldId id="289" r:id="rId9"/>
+    <p:sldId id="291" r:id="rId4"/>
+    <p:sldId id="297" r:id="rId5"/>
+    <p:sldId id="298" r:id="rId6"/>
+    <p:sldId id="299" r:id="rId7"/>
+    <p:sldId id="296" r:id="rId8"/>
+    <p:sldId id="302" r:id="rId9"/>
+    <p:sldId id="300" r:id="rId10"/>
+    <p:sldId id="301" r:id="rId11"/>
+    <p:sldId id="293" r:id="rId12"/>
+    <p:sldId id="289" r:id="rId13"/>
   </p:sldIdLst>
   <p:sldSz cx="9144000" cy="6858000" type="screen4x3"/>
   <p:notesSz cx="6858000" cy="9144000"/>
@@ -597,6 +601,91 @@
     </a:lvl9pPr>
   </p:notesStyle>
 </p:notesMaster>
+</file>
+
+<file path=ppt/notesSlides/notesSlide1.xml><?xml version="1.0" encoding="utf-8"?>
+<p:notes xmlns:a="http://schemas.openxmlformats.org/drawingml/2006/main" xmlns:r="http://schemas.openxmlformats.org/officeDocument/2006/relationships" xmlns:p="http://schemas.openxmlformats.org/presentationml/2006/main">
+  <p:cSld>
+    <p:spTree>
+      <p:nvGrpSpPr>
+        <p:cNvPr id="1" name=""/>
+        <p:cNvGrpSpPr/>
+        <p:nvPr/>
+      </p:nvGrpSpPr>
+      <p:grpSpPr>
+        <a:xfrm>
+          <a:off x="0" y="0"/>
+          <a:ext cx="0" cy="0"/>
+          <a:chOff x="0" y="0"/>
+          <a:chExt cx="0" cy="0"/>
+        </a:xfrm>
+      </p:grpSpPr>
+      <p:sp>
+        <p:nvSpPr>
+          <p:cNvPr id="2" name="Slide Image Placeholder 1"/>
+          <p:cNvSpPr>
+            <a:spLocks noGrp="1" noRot="1" noChangeAspect="1"/>
+          </p:cNvSpPr>
+          <p:nvPr>
+            <p:ph type="sldImg"/>
+          </p:nvPr>
+        </p:nvSpPr>
+        <p:spPr/>
+      </p:sp>
+      <p:sp>
+        <p:nvSpPr>
+          <p:cNvPr id="3" name="Notes Placeholder 2"/>
+          <p:cNvSpPr>
+            <a:spLocks noGrp="1"/>
+          </p:cNvSpPr>
+          <p:nvPr>
+            <p:ph type="body" idx="1"/>
+          </p:nvPr>
+        </p:nvSpPr>
+        <p:spPr/>
+        <p:txBody>
+          <a:bodyPr/>
+          <a:lstStyle/>
+          <a:p>
+            <a:endParaRPr lang="en-US" dirty="0"/>
+          </a:p>
+        </p:txBody>
+      </p:sp>
+      <p:sp>
+        <p:nvSpPr>
+          <p:cNvPr id="4" name="Slide Number Placeholder 3"/>
+          <p:cNvSpPr>
+            <a:spLocks noGrp="1"/>
+          </p:cNvSpPr>
+          <p:nvPr>
+            <p:ph type="sldNum" sz="quarter" idx="10"/>
+          </p:nvPr>
+        </p:nvSpPr>
+        <p:spPr/>
+        <p:txBody>
+          <a:bodyPr/>
+          <a:lstStyle/>
+          <a:p>
+            <a:fld id="{BC9E8EDF-0127-4EC6-9EAB-1F714CFFAC7B}" type="slidenum">
+              <a:rPr lang="en-US" smtClean="0"/>
+              <a:pPr/>
+              <a:t>5</a:t>
+            </a:fld>
+            <a:endParaRPr lang="en-US"/>
+          </a:p>
+        </p:txBody>
+      </p:sp>
+    </p:spTree>
+    <p:extLst>
+      <p:ext uri="{BB962C8B-B14F-4D97-AF65-F5344CB8AC3E}">
+        <p14:creationId xmlns:p14="http://schemas.microsoft.com/office/powerpoint/2010/main" val="255002082"/>
+      </p:ext>
+    </p:extLst>
+  </p:cSld>
+  <p:clrMapOvr>
+    <a:masterClrMapping/>
+  </p:clrMapOvr>
+</p:notes>
 </file>
 
 <file path=ppt/slideLayouts/slideLayout1.xml><?xml version="1.0" encoding="utf-8"?>
@@ -3815,7 +3904,7 @@
           <a:p>
             <a:r>
               <a:rPr lang="en-US" dirty="0" smtClean="0"/>
-              <a:t>Basic Concepts &amp; Definitions</a:t>
+              <a:t>Foundational Definitions</a:t>
             </a:r>
             <a:endParaRPr lang="en-US" dirty="0"/>
           </a:p>
@@ -3833,6 +3922,1704 @@
         <p:cTn id="1" dur="indefinite" restart="never" nodeType="tmRoot"/>
       </p:par>
     </p:tnLst>
+  </p:timing>
+</p:sld>
+</file>
+
+<file path=ppt/slides/slide10.xml><?xml version="1.0" encoding="utf-8"?>
+<p:sld xmlns:a="http://schemas.openxmlformats.org/drawingml/2006/main" xmlns:r="http://schemas.openxmlformats.org/officeDocument/2006/relationships" xmlns:p="http://schemas.openxmlformats.org/presentationml/2006/main" showMasterPhAnim="0">
+  <p:cSld>
+    <p:spTree>
+      <p:nvGrpSpPr>
+        <p:cNvPr id="1" name=""/>
+        <p:cNvGrpSpPr/>
+        <p:nvPr/>
+      </p:nvGrpSpPr>
+      <p:grpSpPr>
+        <a:xfrm>
+          <a:off x="0" y="0"/>
+          <a:ext cx="0" cy="0"/>
+          <a:chOff x="0" y="0"/>
+          <a:chExt cx="0" cy="0"/>
+        </a:xfrm>
+      </p:grpSpPr>
+      <p:sp>
+        <p:nvSpPr>
+          <p:cNvPr id="4" name="Footer Placeholder 4"/>
+          <p:cNvSpPr>
+            <a:spLocks noGrp="1"/>
+          </p:cNvSpPr>
+          <p:nvPr>
+            <p:ph type="ftr" sz="quarter" idx="11"/>
+          </p:nvPr>
+        </p:nvSpPr>
+        <p:spPr/>
+        <p:txBody>
+          <a:bodyPr/>
+          <a:lstStyle/>
+          <a:p>
+            <a:r>
+              <a:rPr lang="en-US"/>
+              <a:t>Variable Types</a:t>
+            </a:r>
+          </a:p>
+        </p:txBody>
+      </p:sp>
+      <p:sp>
+        <p:nvSpPr>
+          <p:cNvPr id="5" name="Slide Number Placeholder 5"/>
+          <p:cNvSpPr>
+            <a:spLocks noGrp="1"/>
+          </p:cNvSpPr>
+          <p:nvPr>
+            <p:ph type="sldNum" sz="quarter" idx="12"/>
+          </p:nvPr>
+        </p:nvSpPr>
+        <p:spPr/>
+        <p:txBody>
+          <a:bodyPr/>
+          <a:lstStyle/>
+          <a:p>
+            <a:r>
+              <a:rPr lang="en-US"/>
+              <a:t>Slide #</a:t>
+            </a:r>
+            <a:fld id="{D1D48E10-8F06-4E69-86DC-E81E3E6D434E}" type="slidenum">
+              <a:rPr lang="en-US"/>
+              <a:pPr/>
+              <a:t>10</a:t>
+            </a:fld>
+            <a:endParaRPr lang="en-US"/>
+          </a:p>
+        </p:txBody>
+      </p:sp>
+      <p:sp>
+        <p:nvSpPr>
+          <p:cNvPr id="36866" name="Rectangle 2"/>
+          <p:cNvSpPr>
+            <a:spLocks noGrp="1" noChangeArrowheads="1"/>
+          </p:cNvSpPr>
+          <p:nvPr>
+            <p:ph type="title"/>
+          </p:nvPr>
+        </p:nvSpPr>
+        <p:spPr>
+          <a:xfrm>
+            <a:off x="533400" y="0"/>
+            <a:ext cx="8153400" cy="609600"/>
+          </a:xfrm>
+        </p:spPr>
+        <p:txBody>
+          <a:bodyPr/>
+          <a:lstStyle/>
+          <a:p>
+            <a:r>
+              <a:rPr lang="en-US" sz="4000" dirty="0" smtClean="0"/>
+              <a:t>Variable Types</a:t>
+            </a:r>
+            <a:endParaRPr lang="en-US" sz="4000" dirty="0"/>
+          </a:p>
+        </p:txBody>
+      </p:sp>
+      <p:sp>
+        <p:nvSpPr>
+          <p:cNvPr id="36867" name="Rectangle 3"/>
+          <p:cNvSpPr>
+            <a:spLocks noGrp="1" noChangeArrowheads="1"/>
+          </p:cNvSpPr>
+          <p:nvPr>
+            <p:ph type="body" idx="1"/>
+          </p:nvPr>
+        </p:nvSpPr>
+        <p:spPr>
+          <a:xfrm>
+            <a:off x="152400" y="838200"/>
+            <a:ext cx="8839200" cy="5638800"/>
+          </a:xfrm>
+        </p:spPr>
+        <p:txBody>
+          <a:bodyPr/>
+          <a:lstStyle/>
+          <a:p>
+            <a:pPr>
+              <a:lnSpc>
+                <a:spcPct val="90000"/>
+              </a:lnSpc>
+            </a:pPr>
+            <a:r>
+              <a:rPr lang="en-US" sz="2800" b="1" dirty="0">
+                <a:solidFill>
+                  <a:schemeClr val="accent1"/>
+                </a:solidFill>
+              </a:rPr>
+              <a:t>Quantitative</a:t>
+            </a:r>
+            <a:r>
+              <a:rPr lang="en-US" sz="2800" dirty="0"/>
+              <a:t> </a:t>
+            </a:r>
+            <a:r>
+              <a:rPr lang="en-US" sz="2800" dirty="0" smtClean="0"/>
+              <a:t>… </a:t>
+            </a:r>
+            <a:r>
+              <a:rPr lang="en-US" sz="2800" dirty="0" smtClean="0"/>
+              <a:t>measurements </a:t>
+            </a:r>
+            <a:r>
+              <a:rPr lang="en-US" sz="2800" dirty="0"/>
+              <a:t>or </a:t>
+            </a:r>
+            <a:r>
+              <a:rPr lang="en-US" sz="2800" dirty="0" smtClean="0"/>
+              <a:t>counts</a:t>
+            </a:r>
+            <a:endParaRPr lang="en-US" sz="2800" dirty="0"/>
+          </a:p>
+          <a:p>
+            <a:pPr lvl="1">
+              <a:lnSpc>
+                <a:spcPct val="90000"/>
+              </a:lnSpc>
+            </a:pPr>
+            <a:r>
+              <a:rPr lang="en-US" sz="2400" b="1" dirty="0" smtClean="0">
+                <a:solidFill>
+                  <a:schemeClr val="accent1"/>
+                </a:solidFill>
+              </a:rPr>
+              <a:t>Continuous</a:t>
+            </a:r>
+            <a:endParaRPr lang="en-US" sz="2400" dirty="0"/>
+          </a:p>
+          <a:p>
+            <a:pPr lvl="2">
+              <a:lnSpc>
+                <a:spcPct val="90000"/>
+              </a:lnSpc>
+            </a:pPr>
+            <a:r>
+              <a:rPr lang="en-US" dirty="0"/>
+              <a:t>a potential value exists between all pairs of </a:t>
+            </a:r>
+            <a:r>
+              <a:rPr lang="en-US" dirty="0" smtClean="0"/>
+              <a:t>values</a:t>
+            </a:r>
+          </a:p>
+          <a:p>
+            <a:pPr lvl="2">
+              <a:lnSpc>
+                <a:spcPct val="90000"/>
+              </a:lnSpc>
+            </a:pPr>
+            <a:r>
+              <a:rPr lang="en-US" dirty="0" smtClean="0"/>
+              <a:t>e.g., amount of rainfall</a:t>
+            </a:r>
+            <a:endParaRPr lang="en-US" dirty="0"/>
+          </a:p>
+          <a:p>
+            <a:pPr lvl="1">
+              <a:lnSpc>
+                <a:spcPct val="90000"/>
+              </a:lnSpc>
+            </a:pPr>
+            <a:r>
+              <a:rPr lang="en-US" sz="2400" b="1" dirty="0" smtClean="0">
+                <a:solidFill>
+                  <a:schemeClr val="accent1"/>
+                </a:solidFill>
+              </a:rPr>
+              <a:t>Discrete</a:t>
+            </a:r>
+            <a:endParaRPr lang="en-US" sz="2400" dirty="0"/>
+          </a:p>
+          <a:p>
+            <a:pPr lvl="2">
+              <a:lnSpc>
+                <a:spcPct val="90000"/>
+              </a:lnSpc>
+            </a:pPr>
+            <a:r>
+              <a:rPr lang="en-US" dirty="0"/>
+              <a:t>a potential value does not exist between all pairs of values</a:t>
+            </a:r>
+          </a:p>
+          <a:p>
+            <a:pPr lvl="2">
+              <a:lnSpc>
+                <a:spcPct val="90000"/>
+              </a:lnSpc>
+            </a:pPr>
+            <a:r>
+              <a:rPr lang="en-US" dirty="0"/>
+              <a:t>typically (but not always) counts of </a:t>
+            </a:r>
+            <a:r>
+              <a:rPr lang="en-US" dirty="0" smtClean="0"/>
+              <a:t>things</a:t>
+            </a:r>
+          </a:p>
+          <a:p>
+            <a:pPr lvl="2">
+              <a:lnSpc>
+                <a:spcPct val="90000"/>
+              </a:lnSpc>
+            </a:pPr>
+            <a:r>
+              <a:rPr lang="en-US" dirty="0" smtClean="0"/>
+              <a:t>e.g., number of days that it rained</a:t>
+            </a:r>
+            <a:r>
+              <a:rPr lang="en-US" dirty="0"/>
+              <a:t> in a </a:t>
+            </a:r>
+            <a:r>
+              <a:rPr lang="en-US" dirty="0" smtClean="0"/>
+              <a:t>year</a:t>
+            </a:r>
+            <a:endParaRPr lang="en-US" dirty="0"/>
+          </a:p>
+          <a:p>
+            <a:pPr lvl="2">
+              <a:lnSpc>
+                <a:spcPct val="90000"/>
+              </a:lnSpc>
+              <a:buFontTx/>
+              <a:buNone/>
+            </a:pPr>
+            <a:endParaRPr lang="en-US" dirty="0"/>
+          </a:p>
+          <a:p>
+            <a:pPr>
+              <a:lnSpc>
+                <a:spcPct val="90000"/>
+              </a:lnSpc>
+            </a:pPr>
+            <a:r>
+              <a:rPr lang="en-US" sz="2800" b="1" dirty="0">
+                <a:solidFill>
+                  <a:schemeClr val="bg2">
+                    <a:lumMod val="60000"/>
+                    <a:lumOff val="40000"/>
+                  </a:schemeClr>
+                </a:solidFill>
+              </a:rPr>
+              <a:t>Categorical</a:t>
+            </a:r>
+            <a:r>
+              <a:rPr lang="en-US" sz="2800" dirty="0">
+                <a:solidFill>
+                  <a:schemeClr val="bg2">
+                    <a:lumMod val="60000"/>
+                    <a:lumOff val="40000"/>
+                  </a:schemeClr>
+                </a:solidFill>
+              </a:rPr>
+              <a:t> (Qualitative</a:t>
+            </a:r>
+            <a:r>
+              <a:rPr lang="en-US" sz="2800" dirty="0" smtClean="0">
+                <a:solidFill>
+                  <a:schemeClr val="bg2">
+                    <a:lumMod val="60000"/>
+                    <a:lumOff val="40000"/>
+                  </a:schemeClr>
+                </a:solidFill>
+              </a:rPr>
+              <a:t>) </a:t>
+            </a:r>
+            <a:r>
+              <a:rPr lang="en-US" sz="2800" dirty="0" smtClean="0">
+                <a:solidFill>
+                  <a:schemeClr val="bg2">
+                    <a:lumMod val="60000"/>
+                    <a:lumOff val="40000"/>
+                  </a:schemeClr>
+                </a:solidFill>
+              </a:rPr>
+              <a:t>… </a:t>
+            </a:r>
+            <a:r>
+              <a:rPr lang="en-US" sz="2800" dirty="0">
+                <a:solidFill>
+                  <a:schemeClr val="bg2">
+                    <a:lumMod val="60000"/>
+                    <a:lumOff val="40000"/>
+                  </a:schemeClr>
+                </a:solidFill>
+              </a:rPr>
+              <a:t>g</a:t>
+            </a:r>
+            <a:r>
+              <a:rPr lang="en-US" sz="2800" dirty="0" smtClean="0">
+                <a:solidFill>
+                  <a:schemeClr val="bg2">
+                    <a:lumMod val="60000"/>
+                    <a:lumOff val="40000"/>
+                  </a:schemeClr>
+                </a:solidFill>
+              </a:rPr>
+              <a:t>roup </a:t>
+            </a:r>
+            <a:r>
+              <a:rPr lang="en-US" sz="2800" dirty="0" smtClean="0">
+                <a:solidFill>
+                  <a:schemeClr val="bg2">
+                    <a:lumMod val="60000"/>
+                    <a:lumOff val="40000"/>
+                  </a:schemeClr>
+                </a:solidFill>
+              </a:rPr>
+              <a:t>membership</a:t>
+            </a:r>
+            <a:endParaRPr lang="en-US" sz="2800" dirty="0">
+              <a:solidFill>
+                <a:schemeClr val="bg2">
+                  <a:lumMod val="60000"/>
+                  <a:lumOff val="40000"/>
+                </a:schemeClr>
+              </a:solidFill>
+            </a:endParaRPr>
+          </a:p>
+        </p:txBody>
+      </p:sp>
+    </p:spTree>
+    <p:extLst>
+      <p:ext uri="{BB962C8B-B14F-4D97-AF65-F5344CB8AC3E}">
+        <p14:creationId xmlns:p14="http://schemas.microsoft.com/office/powerpoint/2010/main" val="3869248978"/>
+      </p:ext>
+    </p:extLst>
+  </p:cSld>
+  <p:clrMapOvr>
+    <a:masterClrMapping/>
+  </p:clrMapOvr>
+  <p:timing>
+    <p:tnLst>
+      <p:par>
+        <p:cTn id="1" dur="indefinite" restart="never" nodeType="tmRoot">
+          <p:childTnLst>
+            <p:seq concurrent="1" nextAc="seek">
+              <p:cTn id="2" dur="indefinite" nodeType="mainSeq">
+                <p:childTnLst>
+                  <p:par>
+                    <p:cTn id="3" fill="hold">
+                      <p:stCondLst>
+                        <p:cond delay="indefinite"/>
+                      </p:stCondLst>
+                      <p:childTnLst>
+                        <p:par>
+                          <p:cTn id="4" fill="hold">
+                            <p:stCondLst>
+                              <p:cond delay="0"/>
+                            </p:stCondLst>
+                            <p:childTnLst>
+                              <p:par>
+                                <p:cTn id="5" presetID="1" presetClass="entr" presetSubtype="0" fill="hold" grpId="0" nodeType="clickEffect">
+                                  <p:stCondLst>
+                                    <p:cond delay="0"/>
+                                  </p:stCondLst>
+                                  <p:childTnLst>
+                                    <p:set>
+                                      <p:cBhvr>
+                                        <p:cTn id="6" dur="1" fill="hold">
+                                          <p:stCondLst>
+                                            <p:cond delay="0"/>
+                                          </p:stCondLst>
+                                        </p:cTn>
+                                        <p:tgtEl>
+                                          <p:spTgt spid="36867">
+                                            <p:txEl>
+                                              <p:pRg st="3" end="3"/>
+                                            </p:txEl>
+                                          </p:spTgt>
+                                        </p:tgtEl>
+                                        <p:attrNameLst>
+                                          <p:attrName>style.visibility</p:attrName>
+                                        </p:attrNameLst>
+                                      </p:cBhvr>
+                                      <p:to>
+                                        <p:strVal val="visible"/>
+                                      </p:to>
+                                    </p:set>
+                                  </p:childTnLst>
+                                </p:cTn>
+                              </p:par>
+                            </p:childTnLst>
+                          </p:cTn>
+                        </p:par>
+                      </p:childTnLst>
+                    </p:cTn>
+                  </p:par>
+                  <p:par>
+                    <p:cTn id="7" fill="hold">
+                      <p:stCondLst>
+                        <p:cond delay="indefinite"/>
+                      </p:stCondLst>
+                      <p:childTnLst>
+                        <p:par>
+                          <p:cTn id="8" fill="hold">
+                            <p:stCondLst>
+                              <p:cond delay="0"/>
+                            </p:stCondLst>
+                            <p:childTnLst>
+                              <p:par>
+                                <p:cTn id="9" presetID="1" presetClass="entr" presetSubtype="0" fill="hold" grpId="0" nodeType="clickEffect">
+                                  <p:stCondLst>
+                                    <p:cond delay="0"/>
+                                  </p:stCondLst>
+                                  <p:childTnLst>
+                                    <p:set>
+                                      <p:cBhvr>
+                                        <p:cTn id="10" dur="1" fill="hold">
+                                          <p:stCondLst>
+                                            <p:cond delay="0"/>
+                                          </p:stCondLst>
+                                        </p:cTn>
+                                        <p:tgtEl>
+                                          <p:spTgt spid="36867">
+                                            <p:txEl>
+                                              <p:pRg st="4" end="4"/>
+                                            </p:txEl>
+                                          </p:spTgt>
+                                        </p:tgtEl>
+                                        <p:attrNameLst>
+                                          <p:attrName>style.visibility</p:attrName>
+                                        </p:attrNameLst>
+                                      </p:cBhvr>
+                                      <p:to>
+                                        <p:strVal val="visible"/>
+                                      </p:to>
+                                    </p:set>
+                                  </p:childTnLst>
+                                </p:cTn>
+                              </p:par>
+                              <p:par>
+                                <p:cTn id="11" presetID="1" presetClass="entr" presetSubtype="0" fill="hold" grpId="0" nodeType="withEffect">
+                                  <p:stCondLst>
+                                    <p:cond delay="0"/>
+                                  </p:stCondLst>
+                                  <p:childTnLst>
+                                    <p:set>
+                                      <p:cBhvr>
+                                        <p:cTn id="12" dur="1" fill="hold">
+                                          <p:stCondLst>
+                                            <p:cond delay="0"/>
+                                          </p:stCondLst>
+                                        </p:cTn>
+                                        <p:tgtEl>
+                                          <p:spTgt spid="36867">
+                                            <p:txEl>
+                                              <p:pRg st="5" end="5"/>
+                                            </p:txEl>
+                                          </p:spTgt>
+                                        </p:tgtEl>
+                                        <p:attrNameLst>
+                                          <p:attrName>style.visibility</p:attrName>
+                                        </p:attrNameLst>
+                                      </p:cBhvr>
+                                      <p:to>
+                                        <p:strVal val="visible"/>
+                                      </p:to>
+                                    </p:set>
+                                  </p:childTnLst>
+                                </p:cTn>
+                              </p:par>
+                              <p:par>
+                                <p:cTn id="13" presetID="1" presetClass="entr" presetSubtype="0" fill="hold" grpId="0" nodeType="withEffect">
+                                  <p:stCondLst>
+                                    <p:cond delay="0"/>
+                                  </p:stCondLst>
+                                  <p:childTnLst>
+                                    <p:set>
+                                      <p:cBhvr>
+                                        <p:cTn id="14" dur="1" fill="hold">
+                                          <p:stCondLst>
+                                            <p:cond delay="0"/>
+                                          </p:stCondLst>
+                                        </p:cTn>
+                                        <p:tgtEl>
+                                          <p:spTgt spid="36867">
+                                            <p:txEl>
+                                              <p:pRg st="6" end="6"/>
+                                            </p:txEl>
+                                          </p:spTgt>
+                                        </p:tgtEl>
+                                        <p:attrNameLst>
+                                          <p:attrName>style.visibility</p:attrName>
+                                        </p:attrNameLst>
+                                      </p:cBhvr>
+                                      <p:to>
+                                        <p:strVal val="visible"/>
+                                      </p:to>
+                                    </p:set>
+                                  </p:childTnLst>
+                                </p:cTn>
+                              </p:par>
+                            </p:childTnLst>
+                          </p:cTn>
+                        </p:par>
+                      </p:childTnLst>
+                    </p:cTn>
+                  </p:par>
+                  <p:par>
+                    <p:cTn id="15" fill="hold">
+                      <p:stCondLst>
+                        <p:cond delay="indefinite"/>
+                      </p:stCondLst>
+                      <p:childTnLst>
+                        <p:par>
+                          <p:cTn id="16" fill="hold">
+                            <p:stCondLst>
+                              <p:cond delay="0"/>
+                            </p:stCondLst>
+                            <p:childTnLst>
+                              <p:par>
+                                <p:cTn id="17" presetID="1" presetClass="entr" presetSubtype="0" fill="hold" grpId="0" nodeType="clickEffect">
+                                  <p:stCondLst>
+                                    <p:cond delay="0"/>
+                                  </p:stCondLst>
+                                  <p:childTnLst>
+                                    <p:set>
+                                      <p:cBhvr>
+                                        <p:cTn id="18" dur="1" fill="hold">
+                                          <p:stCondLst>
+                                            <p:cond delay="0"/>
+                                          </p:stCondLst>
+                                        </p:cTn>
+                                        <p:tgtEl>
+                                          <p:spTgt spid="36867">
+                                            <p:txEl>
+                                              <p:pRg st="7" end="7"/>
+                                            </p:txEl>
+                                          </p:spTgt>
+                                        </p:tgtEl>
+                                        <p:attrNameLst>
+                                          <p:attrName>style.visibility</p:attrName>
+                                        </p:attrNameLst>
+                                      </p:cBhvr>
+                                      <p:to>
+                                        <p:strVal val="visible"/>
+                                      </p:to>
+                                    </p:set>
+                                  </p:childTnLst>
+                                </p:cTn>
+                              </p:par>
+                            </p:childTnLst>
+                          </p:cTn>
+                        </p:par>
+                      </p:childTnLst>
+                    </p:cTn>
+                  </p:par>
+                </p:childTnLst>
+              </p:cTn>
+              <p:prevCondLst>
+                <p:cond evt="onPrev" delay="0">
+                  <p:tgtEl>
+                    <p:sldTgt/>
+                  </p:tgtEl>
+                </p:cond>
+              </p:prevCondLst>
+              <p:nextCondLst>
+                <p:cond evt="onNext" delay="0">
+                  <p:tgtEl>
+                    <p:sldTgt/>
+                  </p:tgtEl>
+                </p:cond>
+              </p:nextCondLst>
+            </p:seq>
+          </p:childTnLst>
+        </p:cTn>
+      </p:par>
+    </p:tnLst>
+    <p:bldLst>
+      <p:bldP spid="36867" grpId="0" uiExpand="1" build="p" bldLvl="2" autoUpdateAnimBg="0"/>
+    </p:bldLst>
+  </p:timing>
+</p:sld>
+</file>
+
+<file path=ppt/slides/slide11.xml><?xml version="1.0" encoding="utf-8"?>
+<p:sld xmlns:a="http://schemas.openxmlformats.org/drawingml/2006/main" xmlns:r="http://schemas.openxmlformats.org/officeDocument/2006/relationships" xmlns:p="http://schemas.openxmlformats.org/presentationml/2006/main" showMasterPhAnim="0">
+  <p:cSld>
+    <p:spTree>
+      <p:nvGrpSpPr>
+        <p:cNvPr id="1" name=""/>
+        <p:cNvGrpSpPr/>
+        <p:nvPr/>
+      </p:nvGrpSpPr>
+      <p:grpSpPr>
+        <a:xfrm>
+          <a:off x="0" y="0"/>
+          <a:ext cx="0" cy="0"/>
+          <a:chOff x="0" y="0"/>
+          <a:chExt cx="0" cy="0"/>
+        </a:xfrm>
+      </p:grpSpPr>
+      <p:sp>
+        <p:nvSpPr>
+          <p:cNvPr id="4" name="Footer Placeholder 4"/>
+          <p:cNvSpPr>
+            <a:spLocks noGrp="1"/>
+          </p:cNvSpPr>
+          <p:nvPr>
+            <p:ph type="ftr" sz="quarter" idx="11"/>
+          </p:nvPr>
+        </p:nvSpPr>
+        <p:spPr/>
+        <p:txBody>
+          <a:bodyPr/>
+          <a:lstStyle/>
+          <a:p>
+            <a:r>
+              <a:rPr lang="en-US"/>
+              <a:t>Variable Types</a:t>
+            </a:r>
+          </a:p>
+        </p:txBody>
+      </p:sp>
+      <p:sp>
+        <p:nvSpPr>
+          <p:cNvPr id="5" name="Slide Number Placeholder 5"/>
+          <p:cNvSpPr>
+            <a:spLocks noGrp="1"/>
+          </p:cNvSpPr>
+          <p:nvPr>
+            <p:ph type="sldNum" sz="quarter" idx="12"/>
+          </p:nvPr>
+        </p:nvSpPr>
+        <p:spPr/>
+        <p:txBody>
+          <a:bodyPr/>
+          <a:lstStyle/>
+          <a:p>
+            <a:r>
+              <a:rPr lang="en-US"/>
+              <a:t>Slide #</a:t>
+            </a:r>
+            <a:fld id="{D1D48E10-8F06-4E69-86DC-E81E3E6D434E}" type="slidenum">
+              <a:rPr lang="en-US"/>
+              <a:pPr/>
+              <a:t>11</a:t>
+            </a:fld>
+            <a:endParaRPr lang="en-US"/>
+          </a:p>
+        </p:txBody>
+      </p:sp>
+      <p:sp>
+        <p:nvSpPr>
+          <p:cNvPr id="36866" name="Rectangle 2"/>
+          <p:cNvSpPr>
+            <a:spLocks noGrp="1" noChangeArrowheads="1"/>
+          </p:cNvSpPr>
+          <p:nvPr>
+            <p:ph type="title"/>
+          </p:nvPr>
+        </p:nvSpPr>
+        <p:spPr>
+          <a:xfrm>
+            <a:off x="533400" y="0"/>
+            <a:ext cx="8153400" cy="609600"/>
+          </a:xfrm>
+        </p:spPr>
+        <p:txBody>
+          <a:bodyPr/>
+          <a:lstStyle/>
+          <a:p>
+            <a:r>
+              <a:rPr lang="en-US" sz="4000" dirty="0" smtClean="0"/>
+              <a:t>Variable Types</a:t>
+            </a:r>
+            <a:endParaRPr lang="en-US" sz="4000" dirty="0"/>
+          </a:p>
+        </p:txBody>
+      </p:sp>
+      <p:sp>
+        <p:nvSpPr>
+          <p:cNvPr id="36867" name="Rectangle 3"/>
+          <p:cNvSpPr>
+            <a:spLocks noGrp="1" noChangeArrowheads="1"/>
+          </p:cNvSpPr>
+          <p:nvPr>
+            <p:ph type="body" idx="1"/>
+          </p:nvPr>
+        </p:nvSpPr>
+        <p:spPr>
+          <a:xfrm>
+            <a:off x="152400" y="838200"/>
+            <a:ext cx="8839200" cy="5638800"/>
+          </a:xfrm>
+        </p:spPr>
+        <p:txBody>
+          <a:bodyPr/>
+          <a:lstStyle/>
+          <a:p>
+            <a:pPr>
+              <a:lnSpc>
+                <a:spcPct val="90000"/>
+              </a:lnSpc>
+            </a:pPr>
+            <a:r>
+              <a:rPr lang="en-US" sz="2800" b="1" dirty="0">
+                <a:solidFill>
+                  <a:schemeClr val="bg2">
+                    <a:lumMod val="60000"/>
+                    <a:lumOff val="40000"/>
+                  </a:schemeClr>
+                </a:solidFill>
+              </a:rPr>
+              <a:t>Quantitative</a:t>
+            </a:r>
+            <a:r>
+              <a:rPr lang="en-US" sz="2800" dirty="0">
+                <a:solidFill>
+                  <a:schemeClr val="bg2">
+                    <a:lumMod val="60000"/>
+                    <a:lumOff val="40000"/>
+                  </a:schemeClr>
+                </a:solidFill>
+              </a:rPr>
+              <a:t> </a:t>
+            </a:r>
+            <a:r>
+              <a:rPr lang="en-US" sz="2800" dirty="0" smtClean="0">
+                <a:solidFill>
+                  <a:schemeClr val="bg2">
+                    <a:lumMod val="60000"/>
+                    <a:lumOff val="40000"/>
+                  </a:schemeClr>
+                </a:solidFill>
+              </a:rPr>
+              <a:t>… measurements or counts</a:t>
+            </a:r>
+            <a:endParaRPr lang="en-US" sz="2800" dirty="0">
+              <a:solidFill>
+                <a:schemeClr val="bg2">
+                  <a:lumMod val="60000"/>
+                  <a:lumOff val="40000"/>
+                </a:schemeClr>
+              </a:solidFill>
+            </a:endParaRPr>
+          </a:p>
+          <a:p>
+            <a:pPr lvl="2">
+              <a:lnSpc>
+                <a:spcPct val="90000"/>
+              </a:lnSpc>
+              <a:buFontTx/>
+              <a:buNone/>
+            </a:pPr>
+            <a:endParaRPr lang="en-US" dirty="0"/>
+          </a:p>
+          <a:p>
+            <a:pPr>
+              <a:lnSpc>
+                <a:spcPct val="90000"/>
+              </a:lnSpc>
+            </a:pPr>
+            <a:r>
+              <a:rPr lang="en-US" sz="2800" b="1" dirty="0">
+                <a:solidFill>
+                  <a:schemeClr val="accent1"/>
+                </a:solidFill>
+              </a:rPr>
+              <a:t>Categorical</a:t>
+            </a:r>
+            <a:r>
+              <a:rPr lang="en-US" sz="2800" dirty="0"/>
+              <a:t> (Qualitative</a:t>
+            </a:r>
+            <a:r>
+              <a:rPr lang="en-US" sz="2800" dirty="0" smtClean="0"/>
+              <a:t>) </a:t>
+            </a:r>
+            <a:r>
+              <a:rPr lang="en-US" sz="2800" dirty="0" smtClean="0"/>
+              <a:t>… </a:t>
+            </a:r>
+            <a:r>
+              <a:rPr lang="en-US" sz="2800" dirty="0"/>
+              <a:t>g</a:t>
+            </a:r>
+            <a:r>
+              <a:rPr lang="en-US" sz="2800" dirty="0" smtClean="0"/>
+              <a:t>roup membership</a:t>
+            </a:r>
+            <a:endParaRPr lang="en-US" sz="2800" dirty="0"/>
+          </a:p>
+          <a:p>
+            <a:pPr lvl="1">
+              <a:lnSpc>
+                <a:spcPct val="90000"/>
+              </a:lnSpc>
+            </a:pPr>
+            <a:r>
+              <a:rPr lang="en-US" sz="2400" b="1" dirty="0" smtClean="0">
+                <a:solidFill>
+                  <a:schemeClr val="accent1"/>
+                </a:solidFill>
+              </a:rPr>
+              <a:t>Ordinal</a:t>
+            </a:r>
+            <a:endParaRPr lang="en-US" sz="2400" dirty="0"/>
+          </a:p>
+          <a:p>
+            <a:pPr lvl="2">
+              <a:lnSpc>
+                <a:spcPct val="90000"/>
+              </a:lnSpc>
+            </a:pPr>
+            <a:r>
+              <a:rPr lang="en-US" dirty="0"/>
+              <a:t>a natural order exists among the </a:t>
+            </a:r>
+            <a:r>
+              <a:rPr lang="en-US" dirty="0" smtClean="0"/>
+              <a:t>categories</a:t>
+            </a:r>
+          </a:p>
+          <a:p>
+            <a:pPr lvl="2">
+              <a:lnSpc>
+                <a:spcPct val="90000"/>
+              </a:lnSpc>
+            </a:pPr>
+            <a:r>
+              <a:rPr lang="en-US" dirty="0" smtClean="0"/>
+              <a:t>e.g., cloud cover (sunny, part. sunny, part. cloudy, cloudy)</a:t>
+            </a:r>
+            <a:endParaRPr lang="en-US" dirty="0"/>
+          </a:p>
+          <a:p>
+            <a:pPr lvl="1">
+              <a:lnSpc>
+                <a:spcPct val="90000"/>
+              </a:lnSpc>
+            </a:pPr>
+            <a:r>
+              <a:rPr lang="en-US" sz="2400" b="1" dirty="0" smtClean="0">
+                <a:solidFill>
+                  <a:schemeClr val="accent1"/>
+                </a:solidFill>
+              </a:rPr>
+              <a:t>Nominal</a:t>
+            </a:r>
+            <a:endParaRPr lang="en-US" sz="2400" dirty="0"/>
+          </a:p>
+          <a:p>
+            <a:pPr lvl="2">
+              <a:lnSpc>
+                <a:spcPct val="90000"/>
+              </a:lnSpc>
+            </a:pPr>
+            <a:r>
+              <a:rPr lang="en-US" dirty="0"/>
+              <a:t>no natural order exists among the </a:t>
+            </a:r>
+            <a:r>
+              <a:rPr lang="en-US" dirty="0" smtClean="0"/>
+              <a:t>categories</a:t>
+            </a:r>
+          </a:p>
+          <a:p>
+            <a:pPr lvl="2">
+              <a:lnSpc>
+                <a:spcPct val="90000"/>
+              </a:lnSpc>
+            </a:pPr>
+            <a:r>
+              <a:rPr lang="en-US" dirty="0" smtClean="0"/>
+              <a:t>e.g., type of cloud (cumulus, cirrus, …)</a:t>
+            </a:r>
+            <a:endParaRPr lang="en-US" dirty="0"/>
+          </a:p>
+        </p:txBody>
+      </p:sp>
+    </p:spTree>
+    <p:extLst>
+      <p:ext uri="{BB962C8B-B14F-4D97-AF65-F5344CB8AC3E}">
+        <p14:creationId xmlns:p14="http://schemas.microsoft.com/office/powerpoint/2010/main" val="4097060047"/>
+      </p:ext>
+    </p:extLst>
+  </p:cSld>
+  <p:clrMapOvr>
+    <a:masterClrMapping/>
+  </p:clrMapOvr>
+  <p:timing>
+    <p:tnLst>
+      <p:par>
+        <p:cTn id="1" dur="indefinite" restart="never" nodeType="tmRoot">
+          <p:childTnLst>
+            <p:seq concurrent="1" nextAc="seek">
+              <p:cTn id="2" dur="indefinite" nodeType="mainSeq">
+                <p:childTnLst>
+                  <p:par>
+                    <p:cTn id="3" fill="hold">
+                      <p:stCondLst>
+                        <p:cond delay="indefinite"/>
+                      </p:stCondLst>
+                      <p:childTnLst>
+                        <p:par>
+                          <p:cTn id="4" fill="hold">
+                            <p:stCondLst>
+                              <p:cond delay="0"/>
+                            </p:stCondLst>
+                            <p:childTnLst>
+                              <p:par>
+                                <p:cTn id="5" presetID="1" presetClass="entr" presetSubtype="0" fill="hold" grpId="0" nodeType="clickEffect">
+                                  <p:stCondLst>
+                                    <p:cond delay="0"/>
+                                  </p:stCondLst>
+                                  <p:childTnLst>
+                                    <p:set>
+                                      <p:cBhvr>
+                                        <p:cTn id="6" dur="1" fill="hold">
+                                          <p:stCondLst>
+                                            <p:cond delay="0"/>
+                                          </p:stCondLst>
+                                        </p:cTn>
+                                        <p:tgtEl>
+                                          <p:spTgt spid="36867">
+                                            <p:txEl>
+                                              <p:pRg st="5" end="5"/>
+                                            </p:txEl>
+                                          </p:spTgt>
+                                        </p:tgtEl>
+                                        <p:attrNameLst>
+                                          <p:attrName>style.visibility</p:attrName>
+                                        </p:attrNameLst>
+                                      </p:cBhvr>
+                                      <p:to>
+                                        <p:strVal val="visible"/>
+                                      </p:to>
+                                    </p:set>
+                                  </p:childTnLst>
+                                </p:cTn>
+                              </p:par>
+                            </p:childTnLst>
+                          </p:cTn>
+                        </p:par>
+                      </p:childTnLst>
+                    </p:cTn>
+                  </p:par>
+                  <p:par>
+                    <p:cTn id="7" fill="hold">
+                      <p:stCondLst>
+                        <p:cond delay="indefinite"/>
+                      </p:stCondLst>
+                      <p:childTnLst>
+                        <p:par>
+                          <p:cTn id="8" fill="hold">
+                            <p:stCondLst>
+                              <p:cond delay="0"/>
+                            </p:stCondLst>
+                            <p:childTnLst>
+                              <p:par>
+                                <p:cTn id="9" presetID="1" presetClass="entr" presetSubtype="0" fill="hold" grpId="0" nodeType="clickEffect">
+                                  <p:stCondLst>
+                                    <p:cond delay="0"/>
+                                  </p:stCondLst>
+                                  <p:childTnLst>
+                                    <p:set>
+                                      <p:cBhvr>
+                                        <p:cTn id="10" dur="1" fill="hold">
+                                          <p:stCondLst>
+                                            <p:cond delay="0"/>
+                                          </p:stCondLst>
+                                        </p:cTn>
+                                        <p:tgtEl>
+                                          <p:spTgt spid="36867">
+                                            <p:txEl>
+                                              <p:pRg st="6" end="6"/>
+                                            </p:txEl>
+                                          </p:spTgt>
+                                        </p:tgtEl>
+                                        <p:attrNameLst>
+                                          <p:attrName>style.visibility</p:attrName>
+                                        </p:attrNameLst>
+                                      </p:cBhvr>
+                                      <p:to>
+                                        <p:strVal val="visible"/>
+                                      </p:to>
+                                    </p:set>
+                                  </p:childTnLst>
+                                </p:cTn>
+                              </p:par>
+                              <p:par>
+                                <p:cTn id="11" presetID="1" presetClass="entr" presetSubtype="0" fill="hold" grpId="0" nodeType="withEffect">
+                                  <p:stCondLst>
+                                    <p:cond delay="0"/>
+                                  </p:stCondLst>
+                                  <p:childTnLst>
+                                    <p:set>
+                                      <p:cBhvr>
+                                        <p:cTn id="12" dur="1" fill="hold">
+                                          <p:stCondLst>
+                                            <p:cond delay="0"/>
+                                          </p:stCondLst>
+                                        </p:cTn>
+                                        <p:tgtEl>
+                                          <p:spTgt spid="36867">
+                                            <p:txEl>
+                                              <p:pRg st="7" end="7"/>
+                                            </p:txEl>
+                                          </p:spTgt>
+                                        </p:tgtEl>
+                                        <p:attrNameLst>
+                                          <p:attrName>style.visibility</p:attrName>
+                                        </p:attrNameLst>
+                                      </p:cBhvr>
+                                      <p:to>
+                                        <p:strVal val="visible"/>
+                                      </p:to>
+                                    </p:set>
+                                  </p:childTnLst>
+                                </p:cTn>
+                              </p:par>
+                            </p:childTnLst>
+                          </p:cTn>
+                        </p:par>
+                      </p:childTnLst>
+                    </p:cTn>
+                  </p:par>
+                  <p:par>
+                    <p:cTn id="13" fill="hold">
+                      <p:stCondLst>
+                        <p:cond delay="indefinite"/>
+                      </p:stCondLst>
+                      <p:childTnLst>
+                        <p:par>
+                          <p:cTn id="14" fill="hold">
+                            <p:stCondLst>
+                              <p:cond delay="0"/>
+                            </p:stCondLst>
+                            <p:childTnLst>
+                              <p:par>
+                                <p:cTn id="15" presetID="1" presetClass="entr" presetSubtype="0" fill="hold" grpId="0" nodeType="clickEffect">
+                                  <p:stCondLst>
+                                    <p:cond delay="0"/>
+                                  </p:stCondLst>
+                                  <p:childTnLst>
+                                    <p:set>
+                                      <p:cBhvr>
+                                        <p:cTn id="16" dur="1" fill="hold">
+                                          <p:stCondLst>
+                                            <p:cond delay="0"/>
+                                          </p:stCondLst>
+                                        </p:cTn>
+                                        <p:tgtEl>
+                                          <p:spTgt spid="36867">
+                                            <p:txEl>
+                                              <p:pRg st="8" end="8"/>
+                                            </p:txEl>
+                                          </p:spTgt>
+                                        </p:tgtEl>
+                                        <p:attrNameLst>
+                                          <p:attrName>style.visibility</p:attrName>
+                                        </p:attrNameLst>
+                                      </p:cBhvr>
+                                      <p:to>
+                                        <p:strVal val="visible"/>
+                                      </p:to>
+                                    </p:set>
+                                  </p:childTnLst>
+                                </p:cTn>
+                              </p:par>
+                            </p:childTnLst>
+                          </p:cTn>
+                        </p:par>
+                      </p:childTnLst>
+                    </p:cTn>
+                  </p:par>
+                </p:childTnLst>
+              </p:cTn>
+              <p:prevCondLst>
+                <p:cond evt="onPrev" delay="0">
+                  <p:tgtEl>
+                    <p:sldTgt/>
+                  </p:tgtEl>
+                </p:cond>
+              </p:prevCondLst>
+              <p:nextCondLst>
+                <p:cond evt="onNext" delay="0">
+                  <p:tgtEl>
+                    <p:sldTgt/>
+                  </p:tgtEl>
+                </p:cond>
+              </p:nextCondLst>
+            </p:seq>
+          </p:childTnLst>
+        </p:cTn>
+      </p:par>
+    </p:tnLst>
+    <p:bldLst>
+      <p:bldP spid="36867" grpId="0" uiExpand="1" build="p" bldLvl="2" autoUpdateAnimBg="0"/>
+    </p:bldLst>
+  </p:timing>
+</p:sld>
+</file>
+
+<file path=ppt/slides/slide12.xml><?xml version="1.0" encoding="utf-8"?>
+<p:sld xmlns:a="http://schemas.openxmlformats.org/drawingml/2006/main" xmlns:r="http://schemas.openxmlformats.org/officeDocument/2006/relationships" xmlns:p="http://schemas.openxmlformats.org/presentationml/2006/main">
+  <p:cSld>
+    <p:spTree>
+      <p:nvGrpSpPr>
+        <p:cNvPr id="1" name=""/>
+        <p:cNvGrpSpPr/>
+        <p:nvPr/>
+      </p:nvGrpSpPr>
+      <p:grpSpPr>
+        <a:xfrm>
+          <a:off x="0" y="0"/>
+          <a:ext cx="0" cy="0"/>
+          <a:chOff x="0" y="0"/>
+          <a:chExt cx="0" cy="0"/>
+        </a:xfrm>
+      </p:grpSpPr>
+      <p:sp>
+        <p:nvSpPr>
+          <p:cNvPr id="7" name="Oval 6"/>
+          <p:cNvSpPr/>
+          <p:nvPr/>
+        </p:nvSpPr>
+        <p:spPr bwMode="auto">
+          <a:xfrm>
+            <a:off x="2743200" y="4097215"/>
+            <a:ext cx="1828800" cy="609600"/>
+          </a:xfrm>
+          <a:prstGeom prst="ellipse">
+            <a:avLst/>
+          </a:prstGeom>
+          <a:solidFill>
+            <a:srgbClr val="FF0000">
+              <a:alpha val="49020"/>
+            </a:srgbClr>
+          </a:solidFill>
+          <a:ln w="9525" cap="flat" cmpd="sng" algn="ctr">
+            <a:solidFill>
+              <a:schemeClr val="tx1"/>
+            </a:solidFill>
+            <a:prstDash val="solid"/>
+            <a:round/>
+            <a:headEnd type="none" w="med" len="med"/>
+            <a:tailEnd type="none" w="med" len="med"/>
+          </a:ln>
+          <a:effectLst/>
+        </p:spPr>
+        <p:txBody>
+          <a:bodyPr vert="horz" wrap="square" lIns="91440" tIns="45720" rIns="91440" bIns="45720" numCol="1" rtlCol="0" anchor="t" anchorCtr="0" compatLnSpc="1">
+            <a:prstTxWarp prst="textNoShape">
+              <a:avLst/>
+            </a:prstTxWarp>
+          </a:bodyPr>
+          <a:lstStyle/>
+          <a:p>
+            <a:pPr marL="0" marR="0" indent="0" algn="l" defTabSz="914400" rtl="0" eaLnBrk="0" fontAlgn="base" latinLnBrk="0" hangingPunct="0">
+              <a:lnSpc>
+                <a:spcPct val="100000"/>
+              </a:lnSpc>
+              <a:spcBef>
+                <a:spcPct val="0"/>
+              </a:spcBef>
+              <a:spcAft>
+                <a:spcPct val="0"/>
+              </a:spcAft>
+              <a:buClrTx/>
+              <a:buSzTx/>
+              <a:buFontTx/>
+              <a:buNone/>
+              <a:tabLst/>
+            </a:pPr>
+            <a:endParaRPr kumimoji="0" lang="en-US" sz="2400" b="0" i="0" u="none" strike="noStrike" cap="none" normalizeH="0" baseline="0" smtClean="0">
+              <a:ln>
+                <a:noFill/>
+              </a:ln>
+              <a:solidFill>
+                <a:schemeClr val="tx1"/>
+              </a:solidFill>
+              <a:effectLst/>
+              <a:latin typeface="Times New Roman" pitchFamily="18" charset="0"/>
+            </a:endParaRPr>
+          </a:p>
+        </p:txBody>
+      </p:sp>
+      <p:sp>
+        <p:nvSpPr>
+          <p:cNvPr id="6" name="Oval 5"/>
+          <p:cNvSpPr/>
+          <p:nvPr/>
+        </p:nvSpPr>
+        <p:spPr bwMode="auto">
+          <a:xfrm>
+            <a:off x="2743200" y="2895600"/>
+            <a:ext cx="1447800" cy="609600"/>
+          </a:xfrm>
+          <a:prstGeom prst="ellipse">
+            <a:avLst/>
+          </a:prstGeom>
+          <a:solidFill>
+            <a:srgbClr val="FF0000">
+              <a:alpha val="49020"/>
+            </a:srgbClr>
+          </a:solidFill>
+          <a:ln w="9525" cap="flat" cmpd="sng" algn="ctr">
+            <a:solidFill>
+              <a:schemeClr val="tx1"/>
+            </a:solidFill>
+            <a:prstDash val="solid"/>
+            <a:round/>
+            <a:headEnd type="none" w="med" len="med"/>
+            <a:tailEnd type="none" w="med" len="med"/>
+          </a:ln>
+          <a:effectLst/>
+        </p:spPr>
+        <p:txBody>
+          <a:bodyPr vert="horz" wrap="square" lIns="91440" tIns="45720" rIns="91440" bIns="45720" numCol="1" rtlCol="0" anchor="t" anchorCtr="0" compatLnSpc="1">
+            <a:prstTxWarp prst="textNoShape">
+              <a:avLst/>
+            </a:prstTxWarp>
+          </a:bodyPr>
+          <a:lstStyle/>
+          <a:p>
+            <a:pPr marL="0" marR="0" indent="0" algn="l" defTabSz="914400" rtl="0" eaLnBrk="0" fontAlgn="base" latinLnBrk="0" hangingPunct="0">
+              <a:lnSpc>
+                <a:spcPct val="100000"/>
+              </a:lnSpc>
+              <a:spcBef>
+                <a:spcPct val="0"/>
+              </a:spcBef>
+              <a:spcAft>
+                <a:spcPct val="0"/>
+              </a:spcAft>
+              <a:buClrTx/>
+              <a:buSzTx/>
+              <a:buFontTx/>
+              <a:buNone/>
+              <a:tabLst/>
+            </a:pPr>
+            <a:endParaRPr kumimoji="0" lang="en-US" sz="2400" b="0" i="0" u="none" strike="noStrike" cap="none" normalizeH="0" baseline="0" smtClean="0">
+              <a:ln>
+                <a:noFill/>
+              </a:ln>
+              <a:solidFill>
+                <a:schemeClr val="tx1"/>
+              </a:solidFill>
+              <a:effectLst/>
+              <a:latin typeface="Times New Roman" pitchFamily="18" charset="0"/>
+            </a:endParaRPr>
+          </a:p>
+        </p:txBody>
+      </p:sp>
+      <p:sp>
+        <p:nvSpPr>
+          <p:cNvPr id="2" name="Title 1"/>
+          <p:cNvSpPr>
+            <a:spLocks noGrp="1"/>
+          </p:cNvSpPr>
+          <p:nvPr>
+            <p:ph type="title"/>
+          </p:nvPr>
+        </p:nvSpPr>
+        <p:spPr>
+          <a:xfrm>
+            <a:off x="685800" y="0"/>
+            <a:ext cx="7772400" cy="1143000"/>
+          </a:xfrm>
+        </p:spPr>
+        <p:txBody>
+          <a:bodyPr/>
+          <a:lstStyle/>
+          <a:p>
+            <a:r>
+              <a:rPr lang="en-US" dirty="0" smtClean="0"/>
+              <a:t>Important Distinction</a:t>
+            </a:r>
+            <a:endParaRPr lang="en-US" dirty="0"/>
+          </a:p>
+        </p:txBody>
+      </p:sp>
+      <p:sp>
+        <p:nvSpPr>
+          <p:cNvPr id="3" name="Content Placeholder 2"/>
+          <p:cNvSpPr>
+            <a:spLocks noGrp="1"/>
+          </p:cNvSpPr>
+          <p:nvPr>
+            <p:ph idx="1"/>
+          </p:nvPr>
+        </p:nvSpPr>
+        <p:spPr>
+          <a:xfrm>
+            <a:off x="152400" y="1219200"/>
+            <a:ext cx="8915400" cy="5029200"/>
+          </a:xfrm>
+        </p:spPr>
+        <p:txBody>
+          <a:bodyPr/>
+          <a:lstStyle/>
+          <a:p>
+            <a:pPr marL="0" indent="0">
+              <a:buNone/>
+            </a:pPr>
+            <a:r>
+              <a:rPr lang="en-US" i="1" dirty="0" smtClean="0"/>
+              <a:t>What are the possible answers for the following two question types?</a:t>
+            </a:r>
+          </a:p>
+          <a:p>
+            <a:endParaRPr lang="en-US" dirty="0"/>
+          </a:p>
+          <a:p>
+            <a:r>
+              <a:rPr lang="en-US" dirty="0" smtClean="0"/>
+              <a:t>What type of variable is blah-blah-blah?</a:t>
+            </a:r>
+          </a:p>
+          <a:p>
+            <a:endParaRPr lang="en-US" dirty="0"/>
+          </a:p>
+          <a:p>
+            <a:r>
+              <a:rPr lang="en-US" dirty="0" smtClean="0"/>
+              <a:t>What type of variability explains the fact that </a:t>
+            </a:r>
+            <a:r>
+              <a:rPr lang="en-US" dirty="0" err="1" smtClean="0"/>
+              <a:t>yada-yada-yada</a:t>
+            </a:r>
+            <a:r>
+              <a:rPr lang="en-US" dirty="0" smtClean="0"/>
+              <a:t>?</a:t>
+            </a:r>
+            <a:endParaRPr lang="en-US" dirty="0"/>
+          </a:p>
+        </p:txBody>
+      </p:sp>
+      <p:sp>
+        <p:nvSpPr>
+          <p:cNvPr id="4" name="Footer Placeholder 3"/>
+          <p:cNvSpPr>
+            <a:spLocks noGrp="1"/>
+          </p:cNvSpPr>
+          <p:nvPr>
+            <p:ph type="ftr" sz="quarter" idx="11"/>
+          </p:nvPr>
+        </p:nvSpPr>
+        <p:spPr/>
+        <p:txBody>
+          <a:bodyPr/>
+          <a:lstStyle/>
+          <a:p>
+            <a:r>
+              <a:rPr lang="en-US" smtClean="0"/>
+              <a:t>Foundations I</a:t>
+            </a:r>
+            <a:endParaRPr lang="en-US"/>
+          </a:p>
+        </p:txBody>
+      </p:sp>
+      <p:sp>
+        <p:nvSpPr>
+          <p:cNvPr id="5" name="Slide Number Placeholder 4"/>
+          <p:cNvSpPr>
+            <a:spLocks noGrp="1"/>
+          </p:cNvSpPr>
+          <p:nvPr>
+            <p:ph type="sldNum" sz="quarter" idx="12"/>
+          </p:nvPr>
+        </p:nvSpPr>
+        <p:spPr/>
+        <p:txBody>
+          <a:bodyPr/>
+          <a:lstStyle/>
+          <a:p>
+            <a:r>
+              <a:rPr lang="en-US" smtClean="0"/>
+              <a:t>Slide #</a:t>
+            </a:r>
+            <a:fld id="{D642A5D2-8297-4C2E-A455-795C6C5351AF}" type="slidenum">
+              <a:rPr lang="en-US" smtClean="0"/>
+              <a:pPr/>
+              <a:t>12</a:t>
+            </a:fld>
+            <a:endParaRPr lang="en-US"/>
+          </a:p>
+        </p:txBody>
+      </p:sp>
+    </p:spTree>
+    <p:extLst>
+      <p:ext uri="{BB962C8B-B14F-4D97-AF65-F5344CB8AC3E}">
+        <p14:creationId xmlns:p14="http://schemas.microsoft.com/office/powerpoint/2010/main" val="1000770872"/>
+      </p:ext>
+    </p:extLst>
+  </p:cSld>
+  <p:clrMapOvr>
+    <a:masterClrMapping/>
+  </p:clrMapOvr>
+  <p:timing>
+    <p:tnLst>
+      <p:par>
+        <p:cTn id="1" dur="indefinite" restart="never" nodeType="tmRoot">
+          <p:childTnLst>
+            <p:seq concurrent="1" nextAc="seek">
+              <p:cTn id="2" dur="indefinite" nodeType="mainSeq">
+                <p:childTnLst>
+                  <p:par>
+                    <p:cTn id="3" fill="hold">
+                      <p:stCondLst>
+                        <p:cond delay="indefinite"/>
+                      </p:stCondLst>
+                      <p:childTnLst>
+                        <p:par>
+                          <p:cTn id="4" fill="hold">
+                            <p:stCondLst>
+                              <p:cond delay="0"/>
+                            </p:stCondLst>
+                            <p:childTnLst>
+                              <p:par>
+                                <p:cTn id="5" presetID="1" presetClass="entr" presetSubtype="0" fill="hold" grpId="0" nodeType="clickEffect">
+                                  <p:stCondLst>
+                                    <p:cond delay="0"/>
+                                  </p:stCondLst>
+                                  <p:childTnLst>
+                                    <p:set>
+                                      <p:cBhvr>
+                                        <p:cTn id="6" dur="1" fill="hold">
+                                          <p:stCondLst>
+                                            <p:cond delay="0"/>
+                                          </p:stCondLst>
+                                        </p:cTn>
+                                        <p:tgtEl>
+                                          <p:spTgt spid="3">
+                                            <p:txEl>
+                                              <p:pRg st="4" end="4"/>
+                                            </p:txEl>
+                                          </p:spTgt>
+                                        </p:tgtEl>
+                                        <p:attrNameLst>
+                                          <p:attrName>style.visibility</p:attrName>
+                                        </p:attrNameLst>
+                                      </p:cBhvr>
+                                      <p:to>
+                                        <p:strVal val="visible"/>
+                                      </p:to>
+                                    </p:set>
+                                  </p:childTnLst>
+                                </p:cTn>
+                              </p:par>
+                            </p:childTnLst>
+                          </p:cTn>
+                        </p:par>
+                      </p:childTnLst>
+                    </p:cTn>
+                  </p:par>
+                  <p:par>
+                    <p:cTn id="7" fill="hold">
+                      <p:stCondLst>
+                        <p:cond delay="indefinite"/>
+                      </p:stCondLst>
+                      <p:childTnLst>
+                        <p:par>
+                          <p:cTn id="8" fill="hold">
+                            <p:stCondLst>
+                              <p:cond delay="0"/>
+                            </p:stCondLst>
+                            <p:childTnLst>
+                              <p:par>
+                                <p:cTn id="9" presetID="45" presetClass="entr" presetSubtype="0" fill="hold" grpId="0" nodeType="clickEffect">
+                                  <p:stCondLst>
+                                    <p:cond delay="0"/>
+                                  </p:stCondLst>
+                                  <p:childTnLst>
+                                    <p:set>
+                                      <p:cBhvr>
+                                        <p:cTn id="10" dur="1" fill="hold">
+                                          <p:stCondLst>
+                                            <p:cond delay="0"/>
+                                          </p:stCondLst>
+                                        </p:cTn>
+                                        <p:tgtEl>
+                                          <p:spTgt spid="7"/>
+                                        </p:tgtEl>
+                                        <p:attrNameLst>
+                                          <p:attrName>style.visibility</p:attrName>
+                                        </p:attrNameLst>
+                                      </p:cBhvr>
+                                      <p:to>
+                                        <p:strVal val="visible"/>
+                                      </p:to>
+                                    </p:set>
+                                    <p:animEffect transition="in" filter="fade">
+                                      <p:cBhvr>
+                                        <p:cTn id="11" dur="2000"/>
+                                        <p:tgtEl>
+                                          <p:spTgt spid="7"/>
+                                        </p:tgtEl>
+                                      </p:cBhvr>
+                                    </p:animEffect>
+                                    <p:anim calcmode="lin" valueType="num">
+                                      <p:cBhvr>
+                                        <p:cTn id="12" dur="2000" fill="hold"/>
+                                        <p:tgtEl>
+                                          <p:spTgt spid="7"/>
+                                        </p:tgtEl>
+                                        <p:attrNameLst>
+                                          <p:attrName>ppt_w</p:attrName>
+                                        </p:attrNameLst>
+                                      </p:cBhvr>
+                                      <p:tavLst>
+                                        <p:tav tm="0" fmla="#ppt_w*sin(2.5*pi*$)">
+                                          <p:val>
+                                            <p:fltVal val="0"/>
+                                          </p:val>
+                                        </p:tav>
+                                        <p:tav tm="100000">
+                                          <p:val>
+                                            <p:fltVal val="1"/>
+                                          </p:val>
+                                        </p:tav>
+                                      </p:tavLst>
+                                    </p:anim>
+                                    <p:anim calcmode="lin" valueType="num">
+                                      <p:cBhvr>
+                                        <p:cTn id="13" dur="2000" fill="hold"/>
+                                        <p:tgtEl>
+                                          <p:spTgt spid="7"/>
+                                        </p:tgtEl>
+                                        <p:attrNameLst>
+                                          <p:attrName>ppt_h</p:attrName>
+                                        </p:attrNameLst>
+                                      </p:cBhvr>
+                                      <p:tavLst>
+                                        <p:tav tm="0">
+                                          <p:val>
+                                            <p:strVal val="#ppt_h"/>
+                                          </p:val>
+                                        </p:tav>
+                                        <p:tav tm="100000">
+                                          <p:val>
+                                            <p:strVal val="#ppt_h"/>
+                                          </p:val>
+                                        </p:tav>
+                                      </p:tavLst>
+                                    </p:anim>
+                                  </p:childTnLst>
+                                </p:cTn>
+                              </p:par>
+                              <p:par>
+                                <p:cTn id="14" presetID="45" presetClass="entr" presetSubtype="0" fill="hold" grpId="0" nodeType="withEffect">
+                                  <p:stCondLst>
+                                    <p:cond delay="0"/>
+                                  </p:stCondLst>
+                                  <p:childTnLst>
+                                    <p:set>
+                                      <p:cBhvr>
+                                        <p:cTn id="15" dur="1" fill="hold">
+                                          <p:stCondLst>
+                                            <p:cond delay="0"/>
+                                          </p:stCondLst>
+                                        </p:cTn>
+                                        <p:tgtEl>
+                                          <p:spTgt spid="6"/>
+                                        </p:tgtEl>
+                                        <p:attrNameLst>
+                                          <p:attrName>style.visibility</p:attrName>
+                                        </p:attrNameLst>
+                                      </p:cBhvr>
+                                      <p:to>
+                                        <p:strVal val="visible"/>
+                                      </p:to>
+                                    </p:set>
+                                    <p:animEffect transition="in" filter="fade">
+                                      <p:cBhvr>
+                                        <p:cTn id="16" dur="2000"/>
+                                        <p:tgtEl>
+                                          <p:spTgt spid="6"/>
+                                        </p:tgtEl>
+                                      </p:cBhvr>
+                                    </p:animEffect>
+                                    <p:anim calcmode="lin" valueType="num">
+                                      <p:cBhvr>
+                                        <p:cTn id="17" dur="2000" fill="hold"/>
+                                        <p:tgtEl>
+                                          <p:spTgt spid="6"/>
+                                        </p:tgtEl>
+                                        <p:attrNameLst>
+                                          <p:attrName>ppt_w</p:attrName>
+                                        </p:attrNameLst>
+                                      </p:cBhvr>
+                                      <p:tavLst>
+                                        <p:tav tm="0" fmla="#ppt_w*sin(2.5*pi*$)">
+                                          <p:val>
+                                            <p:fltVal val="0"/>
+                                          </p:val>
+                                        </p:tav>
+                                        <p:tav tm="100000">
+                                          <p:val>
+                                            <p:fltVal val="1"/>
+                                          </p:val>
+                                        </p:tav>
+                                      </p:tavLst>
+                                    </p:anim>
+                                    <p:anim calcmode="lin" valueType="num">
+                                      <p:cBhvr>
+                                        <p:cTn id="18" dur="2000" fill="hold"/>
+                                        <p:tgtEl>
+                                          <p:spTgt spid="6"/>
+                                        </p:tgtEl>
+                                        <p:attrNameLst>
+                                          <p:attrName>ppt_h</p:attrName>
+                                        </p:attrNameLst>
+                                      </p:cBhvr>
+                                      <p:tavLst>
+                                        <p:tav tm="0">
+                                          <p:val>
+                                            <p:strVal val="#ppt_h"/>
+                                          </p:val>
+                                        </p:tav>
+                                        <p:tav tm="100000">
+                                          <p:val>
+                                            <p:strVal val="#ppt_h"/>
+                                          </p:val>
+                                        </p:tav>
+                                      </p:tavLst>
+                                    </p:anim>
+                                  </p:childTnLst>
+                                </p:cTn>
+                              </p:par>
+                            </p:childTnLst>
+                          </p:cTn>
+                        </p:par>
+                      </p:childTnLst>
+                    </p:cTn>
+                  </p:par>
+                </p:childTnLst>
+              </p:cTn>
+              <p:prevCondLst>
+                <p:cond evt="onPrev" delay="0">
+                  <p:tgtEl>
+                    <p:sldTgt/>
+                  </p:tgtEl>
+                </p:cond>
+              </p:prevCondLst>
+              <p:nextCondLst>
+                <p:cond evt="onNext" delay="0">
+                  <p:tgtEl>
+                    <p:sldTgt/>
+                  </p:tgtEl>
+                </p:cond>
+              </p:nextCondLst>
+            </p:seq>
+          </p:childTnLst>
+        </p:cTn>
+      </p:par>
+    </p:tnLst>
+    <p:bldLst>
+      <p:bldP spid="7" grpId="0" animBg="1"/>
+      <p:bldP spid="6" grpId="0" animBg="1"/>
+      <p:bldP spid="3" grpId="0" uiExpand="1" build="p"/>
+    </p:bldLst>
   </p:timing>
 </p:sld>
 </file>
@@ -3926,7 +5713,7 @@
           <a:p>
             <a:r>
               <a:rPr lang="en-US" dirty="0" smtClean="0"/>
-              <a:t>What are the Following Items?</a:t>
+              <a:t>Foundational Items</a:t>
             </a:r>
             <a:endParaRPr lang="en-US" dirty="0"/>
           </a:p>
@@ -3953,12 +5740,12 @@
           <a:lstStyle/>
           <a:p>
             <a:pPr>
-              <a:lnSpc>
-                <a:spcPct val="115000"/>
-              </a:lnSpc>
               <a:spcBef>
                 <a:spcPct val="0"/>
               </a:spcBef>
+              <a:spcAft>
+                <a:spcPts val="900"/>
+              </a:spcAft>
             </a:pPr>
             <a:r>
               <a:rPr lang="en-US" b="1" dirty="0" smtClean="0">
@@ -3976,12 +5763,12 @@
           </a:p>
           <a:p>
             <a:pPr>
-              <a:lnSpc>
-                <a:spcPct val="115000"/>
-              </a:lnSpc>
               <a:spcBef>
                 <a:spcPct val="0"/>
               </a:spcBef>
+              <a:spcAft>
+                <a:spcPts val="900"/>
+              </a:spcAft>
             </a:pPr>
             <a:r>
               <a:rPr lang="en-US" b="1" dirty="0" smtClean="0">
@@ -3999,12 +5786,12 @@
           </a:p>
           <a:p>
             <a:pPr>
-              <a:lnSpc>
-                <a:spcPct val="115000"/>
-              </a:lnSpc>
               <a:spcBef>
                 <a:spcPct val="0"/>
               </a:spcBef>
+              <a:spcAft>
+                <a:spcPts val="900"/>
+              </a:spcAft>
             </a:pPr>
             <a:r>
               <a:rPr lang="en-US" b="1" dirty="0" smtClean="0">
@@ -4022,12 +5809,12 @@
           </a:p>
           <a:p>
             <a:pPr>
-              <a:lnSpc>
-                <a:spcPct val="115000"/>
-              </a:lnSpc>
               <a:spcBef>
                 <a:spcPct val="0"/>
               </a:spcBef>
+              <a:spcAft>
+                <a:spcPts val="900"/>
+              </a:spcAft>
             </a:pPr>
             <a:r>
               <a:rPr lang="en-US" b="1" dirty="0" smtClean="0">
@@ -4045,12 +5832,12 @@
           </a:p>
           <a:p>
             <a:pPr>
-              <a:lnSpc>
-                <a:spcPct val="115000"/>
-              </a:lnSpc>
               <a:spcBef>
                 <a:spcPct val="0"/>
               </a:spcBef>
+              <a:spcAft>
+                <a:spcPts val="900"/>
+              </a:spcAft>
             </a:pPr>
             <a:endParaRPr lang="en-US" b="1" dirty="0" smtClean="0">
               <a:solidFill>
@@ -4060,12 +5847,12 @@
           </a:p>
           <a:p>
             <a:pPr>
-              <a:lnSpc>
-                <a:spcPct val="115000"/>
-              </a:lnSpc>
               <a:spcBef>
                 <a:spcPct val="0"/>
               </a:spcBef>
+              <a:spcAft>
+                <a:spcPts val="900"/>
+              </a:spcAft>
             </a:pPr>
             <a:r>
               <a:rPr lang="en-US" b="1" dirty="0" smtClean="0">
@@ -4075,16 +5862,6 @@
               </a:rPr>
               <a:t>S</a:t>
             </a:r>
-          </a:p>
-          <a:p>
-            <a:pPr>
-              <a:lnSpc>
-                <a:spcPct val="115000"/>
-              </a:lnSpc>
-              <a:spcBef>
-                <a:spcPct val="0"/>
-              </a:spcBef>
-            </a:pPr>
             <a:endParaRPr lang="en-US" b="1" dirty="0">
               <a:solidFill>
                 <a:schemeClr val="accent1"/>
@@ -4093,12 +5870,12 @@
           </a:p>
           <a:p>
             <a:pPr>
-              <a:lnSpc>
-                <a:spcPct val="115000"/>
-              </a:lnSpc>
               <a:spcBef>
                 <a:spcPct val="0"/>
               </a:spcBef>
+              <a:spcAft>
+                <a:spcPts val="900"/>
+              </a:spcAft>
             </a:pPr>
             <a:r>
               <a:rPr lang="en-US" b="1" dirty="0" smtClean="0">
@@ -4120,7 +5897,7 @@
         </p:nvSpPr>
         <p:spPr>
           <a:xfrm>
-            <a:off x="533400" y="1447800"/>
+            <a:off x="533400" y="1398758"/>
             <a:ext cx="6781800" cy="658642"/>
           </a:xfrm>
           <a:prstGeom prst="rect">
@@ -4148,7 +5925,11 @@
             </a:r>
             <a:r>
               <a:rPr lang="en-US" sz="3200" dirty="0"/>
-              <a:t> - items that we will observe</a:t>
+              <a:t> - items </a:t>
+            </a:r>
+            <a:r>
+              <a:rPr lang="en-US" sz="3200" dirty="0" smtClean="0"/>
+              <a:t>that are observed</a:t>
             </a:r>
             <a:endParaRPr lang="en-US" sz="3200" dirty="0"/>
           </a:p>
@@ -4192,7 +5973,6 @@
               <a:rPr lang="en-US" sz="3200" dirty="0"/>
               <a:t> - characteristic of the individuals observed</a:t>
             </a:r>
-            <a:endParaRPr lang="en-US" sz="3200" dirty="0"/>
           </a:p>
         </p:txBody>
       </p:sp>
@@ -4204,7 +5984,7 @@
         </p:nvSpPr>
         <p:spPr>
           <a:xfrm>
-            <a:off x="609600" y="2565204"/>
+            <a:off x="609600" y="2617958"/>
             <a:ext cx="7315200" cy="658642"/>
           </a:xfrm>
           <a:prstGeom prst="rect">
@@ -4234,7 +6014,6 @@
               <a:rPr lang="en-US" sz="3200" dirty="0"/>
               <a:t> - all of the individuals of interest</a:t>
             </a:r>
-            <a:endParaRPr lang="en-US" sz="3200" dirty="0"/>
           </a:p>
         </p:txBody>
       </p:sp>
@@ -4246,7 +6025,7 @@
         </p:nvSpPr>
         <p:spPr>
           <a:xfrm>
-            <a:off x="609600" y="3118449"/>
+            <a:off x="609600" y="3200400"/>
             <a:ext cx="8411308" cy="1224951"/>
           </a:xfrm>
           <a:prstGeom prst="rect">
@@ -4276,7 +6055,6 @@
               <a:rPr lang="en-US" sz="3200" dirty="0"/>
               <a:t> - summary (numerical or graphical) of the variable for the population</a:t>
             </a:r>
-            <a:endParaRPr lang="en-US" sz="3200" dirty="0"/>
           </a:p>
         </p:txBody>
       </p:sp>
@@ -4288,8 +6066,8 @@
         </p:nvSpPr>
         <p:spPr>
           <a:xfrm>
-            <a:off x="597877" y="4249726"/>
-            <a:ext cx="8364416" cy="1224951"/>
+            <a:off x="597876" y="4404232"/>
+            <a:ext cx="8546123" cy="613245"/>
           </a:xfrm>
           <a:prstGeom prst="rect">
             <a:avLst/>
@@ -4316,7 +6094,19 @@
             </a:r>
             <a:r>
               <a:rPr lang="en-US" sz="3200" dirty="0"/>
-              <a:t> - portion of the population we actually examine</a:t>
+              <a:t> - portion </a:t>
+            </a:r>
+            <a:r>
+              <a:rPr lang="en-US" sz="3200" dirty="0" smtClean="0"/>
+              <a:t>of population </a:t>
+            </a:r>
+            <a:r>
+              <a:rPr lang="en-US" sz="3200" dirty="0"/>
+              <a:t>actually </a:t>
+            </a:r>
+            <a:r>
+              <a:rPr lang="en-US" sz="3200" dirty="0" smtClean="0"/>
+              <a:t>examined</a:t>
             </a:r>
             <a:endParaRPr lang="en-US" sz="3200" dirty="0"/>
           </a:p>
@@ -4330,7 +6120,7 @@
         </p:nvSpPr>
         <p:spPr>
           <a:xfrm>
-            <a:off x="597878" y="5369169"/>
+            <a:off x="597878" y="5023449"/>
             <a:ext cx="8423030" cy="1224951"/>
           </a:xfrm>
           <a:prstGeom prst="rect">
@@ -4360,7 +6150,6 @@
               <a:rPr lang="en-US" sz="3200" dirty="0"/>
               <a:t> - summary of the variable for the individuals in the sample</a:t>
             </a:r>
-            <a:endParaRPr lang="en-US" sz="3200" dirty="0"/>
           </a:p>
         </p:txBody>
       </p:sp>
@@ -4704,7 +6493,7 @@
       </p:grpSpPr>
       <p:sp>
         <p:nvSpPr>
-          <p:cNvPr id="16" name="Footer Placeholder 2"/>
+          <p:cNvPr id="5" name="Footer Placeholder 2"/>
           <p:cNvSpPr>
             <a:spLocks noGrp="1"/>
           </p:cNvSpPr>
@@ -4726,7 +6515,7 @@
       </p:sp>
       <p:sp>
         <p:nvSpPr>
-          <p:cNvPr id="17" name="Slide Number Placeholder 3"/>
+          <p:cNvPr id="6" name="Slide Number Placeholder 3"/>
           <p:cNvSpPr>
             <a:spLocks noGrp="1"/>
           </p:cNvSpPr>
@@ -4743,614 +6532,10 @@
               <a:rPr lang="en-US"/>
               <a:t>Slide #</a:t>
             </a:r>
-            <a:fld id="{6C73CDC4-71A6-422A-A61F-FC8DB97D5D66}" type="slidenum">
+            <a:fld id="{CAFB318B-2E22-4434-A15F-E6ACCB4E6EB7}" type="slidenum">
               <a:rPr lang="en-US"/>
               <a:pPr/>
               <a:t>3</a:t>
-            </a:fld>
-            <a:endParaRPr lang="en-US"/>
-          </a:p>
-        </p:txBody>
-      </p:sp>
-      <p:sp>
-        <p:nvSpPr>
-          <p:cNvPr id="28675" name="Rectangle 3"/>
-          <p:cNvSpPr>
-            <a:spLocks noGrp="1" noChangeArrowheads="1"/>
-          </p:cNvSpPr>
-          <p:nvPr>
-            <p:ph type="subTitle" idx="4294967295"/>
-          </p:nvPr>
-        </p:nvSpPr>
-        <p:spPr>
-          <a:xfrm>
-            <a:off x="0" y="1082675"/>
-            <a:ext cx="9144000" cy="2057400"/>
-          </a:xfrm>
-        </p:spPr>
-        <p:txBody>
-          <a:bodyPr/>
-          <a:lstStyle/>
-          <a:p>
-            <a:pPr marL="0" indent="0">
-              <a:buFontTx/>
-              <a:buNone/>
-            </a:pPr>
-            <a:r>
-              <a:rPr lang="en-US" dirty="0"/>
-              <a:t>The </a:t>
-            </a:r>
-            <a:r>
-              <a:rPr lang="en-US" dirty="0" smtClean="0"/>
-              <a:t>Sustainability </a:t>
-            </a:r>
-            <a:r>
-              <a:rPr lang="en-US" dirty="0"/>
-              <a:t>C</a:t>
-            </a:r>
-            <a:r>
-              <a:rPr lang="en-US" dirty="0" smtClean="0"/>
-              <a:t>oordinator </a:t>
-            </a:r>
-            <a:r>
-              <a:rPr lang="en-US" dirty="0"/>
-              <a:t>surveyed 147 randomly selected Northland students in Fall, </a:t>
-            </a:r>
-            <a:r>
-              <a:rPr lang="en-US" dirty="0" smtClean="0"/>
-              <a:t>2013 </a:t>
-            </a:r>
-            <a:r>
-              <a:rPr lang="en-US" dirty="0"/>
-              <a:t>to determine (among other things) the average number of miles </a:t>
-            </a:r>
-            <a:r>
-              <a:rPr lang="en-US" dirty="0" smtClean="0"/>
-              <a:t>that Northland students drove </a:t>
-            </a:r>
-            <a:r>
-              <a:rPr lang="en-US" dirty="0"/>
-              <a:t>per week.</a:t>
-            </a:r>
-            <a:endParaRPr lang="en-US" b="1" baseline="30000" dirty="0">
-              <a:solidFill>
-                <a:schemeClr val="accent2"/>
-              </a:solidFill>
-            </a:endParaRPr>
-          </a:p>
-        </p:txBody>
-      </p:sp>
-      <p:sp>
-        <p:nvSpPr>
-          <p:cNvPr id="18" name="Rectangle 3"/>
-          <p:cNvSpPr txBox="1">
-            <a:spLocks noChangeArrowheads="1"/>
-          </p:cNvSpPr>
-          <p:nvPr/>
-        </p:nvSpPr>
-        <p:spPr bwMode="auto">
-          <a:xfrm>
-            <a:off x="0" y="4114800"/>
-            <a:ext cx="9144000" cy="2057400"/>
-          </a:xfrm>
-          <a:prstGeom prst="rect">
-            <a:avLst/>
-          </a:prstGeom>
-          <a:noFill/>
-          <a:ln w="9525">
-            <a:noFill/>
-            <a:miter lim="800000"/>
-            <a:headEnd/>
-            <a:tailEnd/>
-          </a:ln>
-          <a:effectLst/>
-        </p:spPr>
-        <p:txBody>
-          <a:bodyPr vert="horz" wrap="square" lIns="91440" tIns="45720" rIns="91440" bIns="45720" numCol="1" anchor="t" anchorCtr="0" compatLnSpc="1">
-            <a:prstTxWarp prst="textNoShape">
-              <a:avLst/>
-            </a:prstTxWarp>
-          </a:bodyPr>
-          <a:lstStyle>
-            <a:lvl1pPr marL="342900" indent="-342900" algn="l" rtl="0" eaLnBrk="0" fontAlgn="base" hangingPunct="0">
-              <a:spcBef>
-                <a:spcPct val="20000"/>
-              </a:spcBef>
-              <a:spcAft>
-                <a:spcPct val="0"/>
-              </a:spcAft>
-              <a:buChar char="•"/>
-              <a:defRPr sz="3200">
-                <a:solidFill>
-                  <a:schemeClr val="tx1"/>
-                </a:solidFill>
-                <a:latin typeface="+mn-lt"/>
-                <a:ea typeface="+mn-ea"/>
-                <a:cs typeface="+mn-cs"/>
-              </a:defRPr>
-            </a:lvl1pPr>
-            <a:lvl2pPr marL="742950" indent="-285750" algn="l" rtl="0" eaLnBrk="0" fontAlgn="base" hangingPunct="0">
-              <a:spcBef>
-                <a:spcPct val="20000"/>
-              </a:spcBef>
-              <a:spcAft>
-                <a:spcPct val="0"/>
-              </a:spcAft>
-              <a:buChar char="–"/>
-              <a:defRPr sz="2800">
-                <a:solidFill>
-                  <a:schemeClr val="tx1"/>
-                </a:solidFill>
-                <a:latin typeface="+mn-lt"/>
-              </a:defRPr>
-            </a:lvl2pPr>
-            <a:lvl3pPr marL="1143000" indent="-228600" algn="l" rtl="0" eaLnBrk="0" fontAlgn="base" hangingPunct="0">
-              <a:spcBef>
-                <a:spcPct val="20000"/>
-              </a:spcBef>
-              <a:spcAft>
-                <a:spcPct val="0"/>
-              </a:spcAft>
-              <a:buChar char="•"/>
-              <a:defRPr sz="2400">
-                <a:solidFill>
-                  <a:schemeClr val="tx1"/>
-                </a:solidFill>
-                <a:latin typeface="+mn-lt"/>
-              </a:defRPr>
-            </a:lvl3pPr>
-            <a:lvl4pPr marL="1600200" indent="-228600" algn="l" rtl="0" eaLnBrk="0" fontAlgn="base" hangingPunct="0">
-              <a:spcBef>
-                <a:spcPct val="20000"/>
-              </a:spcBef>
-              <a:spcAft>
-                <a:spcPct val="0"/>
-              </a:spcAft>
-              <a:buChar char="–"/>
-              <a:defRPr sz="2000">
-                <a:solidFill>
-                  <a:schemeClr val="tx1"/>
-                </a:solidFill>
-                <a:latin typeface="+mn-lt"/>
-              </a:defRPr>
-            </a:lvl4pPr>
-            <a:lvl5pPr marL="2057400" indent="-228600" algn="l" rtl="0" eaLnBrk="0" fontAlgn="base" hangingPunct="0">
-              <a:spcBef>
-                <a:spcPct val="20000"/>
-              </a:spcBef>
-              <a:spcAft>
-                <a:spcPct val="0"/>
-              </a:spcAft>
-              <a:buChar char="»"/>
-              <a:defRPr sz="2000">
-                <a:solidFill>
-                  <a:schemeClr val="tx1"/>
-                </a:solidFill>
-                <a:latin typeface="+mn-lt"/>
-              </a:defRPr>
-            </a:lvl5pPr>
-            <a:lvl6pPr marL="2514600" indent="-228600" algn="l" rtl="0" eaLnBrk="0" fontAlgn="base" hangingPunct="0">
-              <a:spcBef>
-                <a:spcPct val="20000"/>
-              </a:spcBef>
-              <a:spcAft>
-                <a:spcPct val="0"/>
-              </a:spcAft>
-              <a:buChar char="»"/>
-              <a:defRPr sz="2000">
-                <a:solidFill>
-                  <a:schemeClr val="tx1"/>
-                </a:solidFill>
-                <a:latin typeface="+mn-lt"/>
-              </a:defRPr>
-            </a:lvl6pPr>
-            <a:lvl7pPr marL="2971800" indent="-228600" algn="l" rtl="0" eaLnBrk="0" fontAlgn="base" hangingPunct="0">
-              <a:spcBef>
-                <a:spcPct val="20000"/>
-              </a:spcBef>
-              <a:spcAft>
-                <a:spcPct val="0"/>
-              </a:spcAft>
-              <a:buChar char="»"/>
-              <a:defRPr sz="2000">
-                <a:solidFill>
-                  <a:schemeClr val="tx1"/>
-                </a:solidFill>
-                <a:latin typeface="+mn-lt"/>
-              </a:defRPr>
-            </a:lvl7pPr>
-            <a:lvl8pPr marL="3429000" indent="-228600" algn="l" rtl="0" eaLnBrk="0" fontAlgn="base" hangingPunct="0">
-              <a:spcBef>
-                <a:spcPct val="20000"/>
-              </a:spcBef>
-              <a:spcAft>
-                <a:spcPct val="0"/>
-              </a:spcAft>
-              <a:buChar char="»"/>
-              <a:defRPr sz="2000">
-                <a:solidFill>
-                  <a:schemeClr val="tx1"/>
-                </a:solidFill>
-                <a:latin typeface="+mn-lt"/>
-              </a:defRPr>
-            </a:lvl8pPr>
-            <a:lvl9pPr marL="3886200" indent="-228600" algn="l" rtl="0" eaLnBrk="0" fontAlgn="base" hangingPunct="0">
-              <a:spcBef>
-                <a:spcPct val="20000"/>
-              </a:spcBef>
-              <a:spcAft>
-                <a:spcPct val="0"/>
-              </a:spcAft>
-              <a:buChar char="»"/>
-              <a:defRPr sz="2000">
-                <a:solidFill>
-                  <a:schemeClr val="tx1"/>
-                </a:solidFill>
-                <a:latin typeface="+mn-lt"/>
-              </a:defRPr>
-            </a:lvl9pPr>
-          </a:lstStyle>
-          <a:p>
-            <a:pPr marL="0" indent="0">
-              <a:buFontTx/>
-              <a:buNone/>
-            </a:pPr>
-            <a:r>
-              <a:rPr lang="en-US" kern="0" dirty="0" smtClean="0"/>
-              <a:t>A climatologist wanted to determine the average </a:t>
-            </a:r>
-            <a:r>
-              <a:rPr lang="en-US" kern="0" dirty="0" smtClean="0"/>
-              <a:t>amount of </a:t>
-            </a:r>
-            <a:r>
-              <a:rPr lang="en-US" kern="0" dirty="0" smtClean="0"/>
-              <a:t>snow </a:t>
-            </a:r>
-            <a:r>
-              <a:rPr lang="en-US" kern="0" dirty="0"/>
-              <a:t>for December </a:t>
-            </a:r>
-            <a:r>
-              <a:rPr lang="en-US" kern="0" dirty="0" smtClean="0"/>
-              <a:t>in </a:t>
-            </a:r>
-            <a:r>
-              <a:rPr lang="en-US" kern="0" dirty="0" smtClean="0"/>
-              <a:t>Duluth, MN.  She selected a random sample of 35 Decembers (from recorded history) and recorded the total snowfall for each.</a:t>
-            </a:r>
-            <a:endParaRPr lang="en-US" b="1" kern="0" baseline="30000" dirty="0">
-              <a:solidFill>
-                <a:schemeClr val="accent2"/>
-              </a:solidFill>
-            </a:endParaRPr>
-          </a:p>
-        </p:txBody>
-      </p:sp>
-      <p:sp>
-        <p:nvSpPr>
-          <p:cNvPr id="7" name="Rectangle 2"/>
-          <p:cNvSpPr txBox="1">
-            <a:spLocks noChangeArrowheads="1"/>
-          </p:cNvSpPr>
-          <p:nvPr/>
-        </p:nvSpPr>
-        <p:spPr bwMode="auto">
-          <a:xfrm>
-            <a:off x="0" y="0"/>
-            <a:ext cx="9144000" cy="946150"/>
-          </a:xfrm>
-          <a:prstGeom prst="rect">
-            <a:avLst/>
-          </a:prstGeom>
-          <a:noFill/>
-          <a:ln w="9525">
-            <a:noFill/>
-            <a:miter lim="800000"/>
-            <a:headEnd/>
-            <a:tailEnd/>
-          </a:ln>
-          <a:effectLst/>
-        </p:spPr>
-        <p:txBody>
-          <a:bodyPr vert="horz" wrap="square" lIns="91440" tIns="45720" rIns="91440" bIns="45720" numCol="1" anchor="ctr" anchorCtr="0" compatLnSpc="1">
-            <a:prstTxWarp prst="textNoShape">
-              <a:avLst/>
-            </a:prstTxWarp>
-          </a:bodyPr>
-          <a:lstStyle>
-            <a:lvl1pPr algn="ctr" rtl="0" eaLnBrk="0" fontAlgn="base" hangingPunct="0">
-              <a:spcBef>
-                <a:spcPct val="0"/>
-              </a:spcBef>
-              <a:spcAft>
-                <a:spcPct val="0"/>
-              </a:spcAft>
-              <a:defRPr sz="4400" b="1">
-                <a:solidFill>
-                  <a:schemeClr val="tx2"/>
-                </a:solidFill>
-                <a:latin typeface="+mj-lt"/>
-                <a:ea typeface="+mj-ea"/>
-                <a:cs typeface="+mj-cs"/>
-              </a:defRPr>
-            </a:lvl1pPr>
-            <a:lvl2pPr algn="ctr" rtl="0" eaLnBrk="0" fontAlgn="base" hangingPunct="0">
-              <a:spcBef>
-                <a:spcPct val="0"/>
-              </a:spcBef>
-              <a:spcAft>
-                <a:spcPct val="0"/>
-              </a:spcAft>
-              <a:defRPr sz="4400" b="1">
-                <a:solidFill>
-                  <a:schemeClr val="tx2"/>
-                </a:solidFill>
-                <a:latin typeface="Arial" charset="0"/>
-              </a:defRPr>
-            </a:lvl2pPr>
-            <a:lvl3pPr algn="ctr" rtl="0" eaLnBrk="0" fontAlgn="base" hangingPunct="0">
-              <a:spcBef>
-                <a:spcPct val="0"/>
-              </a:spcBef>
-              <a:spcAft>
-                <a:spcPct val="0"/>
-              </a:spcAft>
-              <a:defRPr sz="4400" b="1">
-                <a:solidFill>
-                  <a:schemeClr val="tx2"/>
-                </a:solidFill>
-                <a:latin typeface="Arial" charset="0"/>
-              </a:defRPr>
-            </a:lvl3pPr>
-            <a:lvl4pPr algn="ctr" rtl="0" eaLnBrk="0" fontAlgn="base" hangingPunct="0">
-              <a:spcBef>
-                <a:spcPct val="0"/>
-              </a:spcBef>
-              <a:spcAft>
-                <a:spcPct val="0"/>
-              </a:spcAft>
-              <a:defRPr sz="4400" b="1">
-                <a:solidFill>
-                  <a:schemeClr val="tx2"/>
-                </a:solidFill>
-                <a:latin typeface="Arial" charset="0"/>
-              </a:defRPr>
-            </a:lvl4pPr>
-            <a:lvl5pPr algn="ctr" rtl="0" eaLnBrk="0" fontAlgn="base" hangingPunct="0">
-              <a:spcBef>
-                <a:spcPct val="0"/>
-              </a:spcBef>
-              <a:spcAft>
-                <a:spcPct val="0"/>
-              </a:spcAft>
-              <a:defRPr sz="4400" b="1">
-                <a:solidFill>
-                  <a:schemeClr val="tx2"/>
-                </a:solidFill>
-                <a:latin typeface="Arial" charset="0"/>
-              </a:defRPr>
-            </a:lvl5pPr>
-            <a:lvl6pPr marL="457200" algn="ctr" rtl="0" eaLnBrk="0" fontAlgn="base" hangingPunct="0">
-              <a:spcBef>
-                <a:spcPct val="0"/>
-              </a:spcBef>
-              <a:spcAft>
-                <a:spcPct val="0"/>
-              </a:spcAft>
-              <a:defRPr sz="4400" b="1">
-                <a:solidFill>
-                  <a:schemeClr val="tx2"/>
-                </a:solidFill>
-                <a:latin typeface="Arial" charset="0"/>
-              </a:defRPr>
-            </a:lvl6pPr>
-            <a:lvl7pPr marL="914400" algn="ctr" rtl="0" eaLnBrk="0" fontAlgn="base" hangingPunct="0">
-              <a:spcBef>
-                <a:spcPct val="0"/>
-              </a:spcBef>
-              <a:spcAft>
-                <a:spcPct val="0"/>
-              </a:spcAft>
-              <a:defRPr sz="4400" b="1">
-                <a:solidFill>
-                  <a:schemeClr val="tx2"/>
-                </a:solidFill>
-                <a:latin typeface="Arial" charset="0"/>
-              </a:defRPr>
-            </a:lvl7pPr>
-            <a:lvl8pPr marL="1371600" algn="ctr" rtl="0" eaLnBrk="0" fontAlgn="base" hangingPunct="0">
-              <a:spcBef>
-                <a:spcPct val="0"/>
-              </a:spcBef>
-              <a:spcAft>
-                <a:spcPct val="0"/>
-              </a:spcAft>
-              <a:defRPr sz="4400" b="1">
-                <a:solidFill>
-                  <a:schemeClr val="tx2"/>
-                </a:solidFill>
-                <a:latin typeface="Arial" charset="0"/>
-              </a:defRPr>
-            </a:lvl8pPr>
-            <a:lvl9pPr marL="1828800" algn="ctr" rtl="0" eaLnBrk="0" fontAlgn="base" hangingPunct="0">
-              <a:spcBef>
-                <a:spcPct val="0"/>
-              </a:spcBef>
-              <a:spcAft>
-                <a:spcPct val="0"/>
-              </a:spcAft>
-              <a:defRPr sz="4400" b="1">
-                <a:solidFill>
-                  <a:schemeClr val="tx2"/>
-                </a:solidFill>
-                <a:latin typeface="Arial" charset="0"/>
-              </a:defRPr>
-            </a:lvl9pPr>
-          </a:lstStyle>
-          <a:p>
-            <a:r>
-              <a:rPr lang="en-US" kern="0" smtClean="0"/>
-              <a:t>Example IVPPSS</a:t>
-            </a:r>
-            <a:endParaRPr lang="en-US" kern="0" dirty="0"/>
-          </a:p>
-        </p:txBody>
-      </p:sp>
-    </p:spTree>
-    <p:extLst>
-      <p:ext uri="{BB962C8B-B14F-4D97-AF65-F5344CB8AC3E}">
-        <p14:creationId xmlns:p14="http://schemas.microsoft.com/office/powerpoint/2010/main" val="3622865408"/>
-      </p:ext>
-    </p:extLst>
-  </p:cSld>
-  <p:clrMapOvr>
-    <a:masterClrMapping/>
-  </p:clrMapOvr>
-  <p:transition/>
-  <p:timing>
-    <p:tnLst>
-      <p:par>
-        <p:cTn id="1" dur="indefinite" restart="never" nodeType="tmRoot">
-          <p:childTnLst>
-            <p:seq concurrent="1" nextAc="seek">
-              <p:cTn id="2" dur="indefinite" nodeType="mainSeq">
-                <p:childTnLst>
-                  <p:par>
-                    <p:cTn id="3" fill="hold">
-                      <p:stCondLst>
-                        <p:cond delay="indefinite"/>
-                      </p:stCondLst>
-                      <p:childTnLst>
-                        <p:par>
-                          <p:cTn id="4" fill="hold">
-                            <p:stCondLst>
-                              <p:cond delay="0"/>
-                            </p:stCondLst>
-                            <p:childTnLst>
-                              <p:par>
-                                <p:cTn id="5" presetID="1" presetClass="entr" presetSubtype="0" fill="hold" grpId="0" nodeType="clickEffect">
-                                  <p:stCondLst>
-                                    <p:cond delay="0"/>
-                                  </p:stCondLst>
-                                  <p:childTnLst>
-                                    <p:set>
-                                      <p:cBhvr>
-                                        <p:cTn id="6" dur="1" fill="hold">
-                                          <p:stCondLst>
-                                            <p:cond delay="0"/>
-                                          </p:stCondLst>
-                                        </p:cTn>
-                                        <p:tgtEl>
-                                          <p:spTgt spid="18"/>
-                                        </p:tgtEl>
-                                        <p:attrNameLst>
-                                          <p:attrName>style.visibility</p:attrName>
-                                        </p:attrNameLst>
-                                      </p:cBhvr>
-                                      <p:to>
-                                        <p:strVal val="visible"/>
-                                      </p:to>
-                                    </p:set>
-                                  </p:childTnLst>
-                                </p:cTn>
-                              </p:par>
-                            </p:childTnLst>
-                          </p:cTn>
-                        </p:par>
-                      </p:childTnLst>
-                    </p:cTn>
-                  </p:par>
-                </p:childTnLst>
-              </p:cTn>
-              <p:prevCondLst>
-                <p:cond evt="onPrev" delay="0">
-                  <p:tgtEl>
-                    <p:sldTgt/>
-                  </p:tgtEl>
-                </p:cond>
-              </p:prevCondLst>
-              <p:nextCondLst>
-                <p:cond evt="onNext" delay="0">
-                  <p:tgtEl>
-                    <p:sldTgt/>
-                  </p:tgtEl>
-                </p:cond>
-              </p:nextCondLst>
-            </p:seq>
-          </p:childTnLst>
-        </p:cTn>
-      </p:par>
-    </p:tnLst>
-    <p:bldLst>
-      <p:bldP spid="18" grpId="0"/>
-    </p:bldLst>
-  </p:timing>
-</p:sld>
-</file>
-
-<file path=ppt/slides/slide4.xml><?xml version="1.0" encoding="utf-8"?>
-<p:sld xmlns:a="http://schemas.openxmlformats.org/drawingml/2006/main" xmlns:r="http://schemas.openxmlformats.org/officeDocument/2006/relationships" xmlns:p="http://schemas.openxmlformats.org/presentationml/2006/main" showMasterPhAnim="0">
-  <p:cSld>
-    <p:spTree>
-      <p:nvGrpSpPr>
-        <p:cNvPr id="1" name=""/>
-        <p:cNvGrpSpPr/>
-        <p:nvPr/>
-      </p:nvGrpSpPr>
-      <p:grpSpPr>
-        <a:xfrm>
-          <a:off x="0" y="0"/>
-          <a:ext cx="0" cy="0"/>
-          <a:chOff x="0" y="0"/>
-          <a:chExt cx="0" cy="0"/>
-        </a:xfrm>
-      </p:grpSpPr>
-      <p:sp>
-        <p:nvSpPr>
-          <p:cNvPr id="5" name="Footer Placeholder 2"/>
-          <p:cNvSpPr>
-            <a:spLocks noGrp="1"/>
-          </p:cNvSpPr>
-          <p:nvPr>
-            <p:ph type="ftr" sz="quarter" idx="11"/>
-          </p:nvPr>
-        </p:nvSpPr>
-        <p:spPr/>
-        <p:txBody>
-          <a:bodyPr/>
-          <a:lstStyle/>
-          <a:p>
-            <a:r>
-              <a:rPr lang="en-US"/>
-              <a:t>IVPPSS</a:t>
-            </a:r>
-          </a:p>
-        </p:txBody>
-      </p:sp>
-      <p:sp>
-        <p:nvSpPr>
-          <p:cNvPr id="6" name="Slide Number Placeholder 3"/>
-          <p:cNvSpPr>
-            <a:spLocks noGrp="1"/>
-          </p:cNvSpPr>
-          <p:nvPr>
-            <p:ph type="sldNum" sz="quarter" idx="12"/>
-          </p:nvPr>
-        </p:nvSpPr>
-        <p:spPr/>
-        <p:txBody>
-          <a:bodyPr/>
-          <a:lstStyle/>
-          <a:p>
-            <a:r>
-              <a:rPr lang="en-US"/>
-              <a:t>Slide #</a:t>
-            </a:r>
-            <a:fld id="{CAFB318B-2E22-4434-A15F-E6ACCB4E6EB7}" type="slidenum">
-              <a:rPr lang="en-US"/>
-              <a:pPr/>
-              <a:t>4</a:t>
             </a:fld>
             <a:endParaRPr lang="en-US"/>
           </a:p>
@@ -5395,7 +6580,7 @@
         </p:nvSpPr>
         <p:spPr>
           <a:xfrm>
-            <a:off x="76200" y="1174750"/>
+            <a:off x="76200" y="914400"/>
             <a:ext cx="9067800" cy="3581400"/>
           </a:xfrm>
         </p:spPr>
@@ -5718,7 +6903,2440 @@
 </p:sld>
 </file>
 
+<file path=ppt/slides/slide4.xml><?xml version="1.0" encoding="utf-8"?>
+<p:sld xmlns:a="http://schemas.openxmlformats.org/drawingml/2006/main" xmlns:r="http://schemas.openxmlformats.org/officeDocument/2006/relationships" xmlns:p="http://schemas.openxmlformats.org/presentationml/2006/main" showMasterPhAnim="0">
+  <p:cSld>
+    <p:spTree>
+      <p:nvGrpSpPr>
+        <p:cNvPr id="1" name=""/>
+        <p:cNvGrpSpPr/>
+        <p:nvPr/>
+      </p:nvGrpSpPr>
+      <p:grpSpPr>
+        <a:xfrm>
+          <a:off x="0" y="0"/>
+          <a:ext cx="0" cy="0"/>
+          <a:chOff x="0" y="0"/>
+          <a:chExt cx="0" cy="0"/>
+        </a:xfrm>
+      </p:grpSpPr>
+      <p:sp>
+        <p:nvSpPr>
+          <p:cNvPr id="8" name="Footer Placeholder 2"/>
+          <p:cNvSpPr>
+            <a:spLocks noGrp="1"/>
+          </p:cNvSpPr>
+          <p:nvPr>
+            <p:ph type="ftr" sz="quarter" idx="11"/>
+          </p:nvPr>
+        </p:nvSpPr>
+        <p:spPr/>
+        <p:txBody>
+          <a:bodyPr/>
+          <a:lstStyle/>
+          <a:p>
+            <a:r>
+              <a:rPr lang="en-US"/>
+              <a:t>IVPPSS</a:t>
+            </a:r>
+          </a:p>
+        </p:txBody>
+      </p:sp>
+      <p:sp>
+        <p:nvSpPr>
+          <p:cNvPr id="9" name="Slide Number Placeholder 3"/>
+          <p:cNvSpPr>
+            <a:spLocks noGrp="1"/>
+          </p:cNvSpPr>
+          <p:nvPr>
+            <p:ph type="sldNum" sz="quarter" idx="12"/>
+          </p:nvPr>
+        </p:nvSpPr>
+        <p:spPr/>
+        <p:txBody>
+          <a:bodyPr/>
+          <a:lstStyle/>
+          <a:p>
+            <a:r>
+              <a:rPr lang="en-US"/>
+              <a:t>Slide #</a:t>
+            </a:r>
+            <a:fld id="{EBFCD26D-7B15-4EA4-98C3-C3923129D93B}" type="slidenum">
+              <a:rPr lang="en-US"/>
+              <a:pPr/>
+              <a:t>4</a:t>
+            </a:fld>
+            <a:endParaRPr lang="en-US"/>
+          </a:p>
+        </p:txBody>
+      </p:sp>
+      <p:sp>
+        <p:nvSpPr>
+          <p:cNvPr id="64517" name="Rectangle 5"/>
+          <p:cNvSpPr>
+            <a:spLocks noChangeArrowheads="1"/>
+          </p:cNvSpPr>
+          <p:nvPr/>
+        </p:nvSpPr>
+        <p:spPr bwMode="auto">
+          <a:xfrm>
+            <a:off x="152400" y="4419600"/>
+            <a:ext cx="990600" cy="641350"/>
+          </a:xfrm>
+          <a:prstGeom prst="rect">
+            <a:avLst/>
+          </a:prstGeom>
+          <a:noFill/>
+          <a:ln w="9525">
+            <a:noFill/>
+            <a:miter lim="800000"/>
+            <a:headEnd/>
+            <a:tailEnd/>
+          </a:ln>
+          <a:effectLst/>
+        </p:spPr>
+        <p:txBody>
+          <a:bodyPr>
+            <a:spAutoFit/>
+          </a:bodyPr>
+          <a:lstStyle/>
+          <a:p>
+            <a:r>
+              <a:rPr lang="en-US" sz="3600" b="1" dirty="0">
+                <a:solidFill>
+                  <a:schemeClr val="accent2"/>
+                </a:solidFill>
+              </a:rPr>
+              <a:t>I</a:t>
+            </a:r>
+            <a:r>
+              <a:rPr lang="en-US" sz="3600" dirty="0"/>
+              <a:t> --</a:t>
+            </a:r>
+          </a:p>
+        </p:txBody>
+      </p:sp>
+      <p:sp>
+        <p:nvSpPr>
+          <p:cNvPr id="64518" name="Rectangle 6"/>
+          <p:cNvSpPr>
+            <a:spLocks noChangeArrowheads="1"/>
+          </p:cNvSpPr>
+          <p:nvPr/>
+        </p:nvSpPr>
+        <p:spPr bwMode="auto">
+          <a:xfrm>
+            <a:off x="914400" y="4419600"/>
+            <a:ext cx="8077200" cy="1190625"/>
+          </a:xfrm>
+          <a:prstGeom prst="rect">
+            <a:avLst/>
+          </a:prstGeom>
+          <a:noFill/>
+          <a:ln w="9525">
+            <a:noFill/>
+            <a:miter lim="800000"/>
+            <a:headEnd/>
+            <a:tailEnd/>
+          </a:ln>
+          <a:effectLst/>
+        </p:spPr>
+        <p:txBody>
+          <a:bodyPr>
+            <a:spAutoFit/>
+          </a:bodyPr>
+          <a:lstStyle/>
+          <a:p>
+            <a:r>
+              <a:rPr lang="en-US" sz="3600" dirty="0">
+                <a:solidFill>
+                  <a:schemeClr val="hlink"/>
+                </a:solidFill>
+              </a:rPr>
+              <a:t>a rabbit carcass (on </a:t>
+            </a:r>
+            <a:r>
+              <a:rPr lang="en-US" sz="3600" dirty="0" err="1">
+                <a:solidFill>
+                  <a:schemeClr val="hlink"/>
+                </a:solidFill>
+              </a:rPr>
+              <a:t>Bridgets</a:t>
+            </a:r>
+            <a:r>
+              <a:rPr lang="en-US" sz="3600" dirty="0">
+                <a:solidFill>
+                  <a:schemeClr val="hlink"/>
+                </a:solidFill>
+              </a:rPr>
+              <a:t> Farm during the treatment period)</a:t>
+            </a:r>
+            <a:endParaRPr lang="en-US" sz="3600" dirty="0"/>
+          </a:p>
+        </p:txBody>
+      </p:sp>
+      <p:sp>
+        <p:nvSpPr>
+          <p:cNvPr id="64519" name="Rectangle 7"/>
+          <p:cNvSpPr>
+            <a:spLocks noChangeArrowheads="1"/>
+          </p:cNvSpPr>
+          <p:nvPr/>
+        </p:nvSpPr>
+        <p:spPr bwMode="auto">
+          <a:xfrm>
+            <a:off x="73152" y="5638800"/>
+            <a:ext cx="990600" cy="641350"/>
+          </a:xfrm>
+          <a:prstGeom prst="rect">
+            <a:avLst/>
+          </a:prstGeom>
+          <a:noFill/>
+          <a:ln w="9525">
+            <a:noFill/>
+            <a:miter lim="800000"/>
+            <a:headEnd/>
+            <a:tailEnd/>
+          </a:ln>
+          <a:effectLst/>
+        </p:spPr>
+        <p:txBody>
+          <a:bodyPr>
+            <a:spAutoFit/>
+          </a:bodyPr>
+          <a:lstStyle/>
+          <a:p>
+            <a:r>
+              <a:rPr lang="en-US" sz="3600" b="1" dirty="0">
+                <a:solidFill>
+                  <a:schemeClr val="accent2"/>
+                </a:solidFill>
+              </a:rPr>
+              <a:t>V</a:t>
+            </a:r>
+            <a:r>
+              <a:rPr lang="en-US" sz="3600" dirty="0"/>
+              <a:t> --</a:t>
+            </a:r>
+          </a:p>
+        </p:txBody>
+      </p:sp>
+      <p:sp>
+        <p:nvSpPr>
+          <p:cNvPr id="64520" name="Rectangle 8"/>
+          <p:cNvSpPr>
+            <a:spLocks noChangeArrowheads="1"/>
+          </p:cNvSpPr>
+          <p:nvPr/>
+        </p:nvSpPr>
+        <p:spPr bwMode="auto">
+          <a:xfrm>
+            <a:off x="838200" y="5638800"/>
+            <a:ext cx="7391400" cy="641350"/>
+          </a:xfrm>
+          <a:prstGeom prst="rect">
+            <a:avLst/>
+          </a:prstGeom>
+          <a:noFill/>
+          <a:ln w="9525">
+            <a:noFill/>
+            <a:miter lim="800000"/>
+            <a:headEnd/>
+            <a:tailEnd/>
+          </a:ln>
+          <a:effectLst/>
+        </p:spPr>
+        <p:txBody>
+          <a:bodyPr>
+            <a:spAutoFit/>
+          </a:bodyPr>
+          <a:lstStyle/>
+          <a:p>
+            <a:r>
+              <a:rPr lang="en-US" sz="3600" dirty="0">
+                <a:solidFill>
+                  <a:schemeClr val="hlink"/>
+                </a:solidFill>
+              </a:rPr>
+              <a:t>Signs of </a:t>
+            </a:r>
+            <a:r>
+              <a:rPr lang="en-US" sz="3600" dirty="0" err="1">
+                <a:solidFill>
+                  <a:schemeClr val="hlink"/>
+                </a:solidFill>
+              </a:rPr>
+              <a:t>myxomatosis</a:t>
+            </a:r>
+            <a:r>
+              <a:rPr lang="en-US" sz="3600" dirty="0">
+                <a:solidFill>
+                  <a:schemeClr val="hlink"/>
+                </a:solidFill>
+              </a:rPr>
+              <a:t> (Y/N)</a:t>
+            </a:r>
+            <a:endParaRPr lang="en-US" sz="3600" dirty="0"/>
+          </a:p>
+        </p:txBody>
+      </p:sp>
+      <p:sp>
+        <p:nvSpPr>
+          <p:cNvPr id="10" name="Rectangle 2"/>
+          <p:cNvSpPr txBox="1">
+            <a:spLocks noChangeArrowheads="1"/>
+          </p:cNvSpPr>
+          <p:nvPr/>
+        </p:nvSpPr>
+        <p:spPr bwMode="auto">
+          <a:xfrm>
+            <a:off x="0" y="0"/>
+            <a:ext cx="9144000" cy="946150"/>
+          </a:xfrm>
+          <a:prstGeom prst="rect">
+            <a:avLst/>
+          </a:prstGeom>
+          <a:noFill/>
+          <a:ln w="9525">
+            <a:noFill/>
+            <a:miter lim="800000"/>
+            <a:headEnd/>
+            <a:tailEnd/>
+          </a:ln>
+          <a:effectLst/>
+        </p:spPr>
+        <p:txBody>
+          <a:bodyPr vert="horz" wrap="square" lIns="91440" tIns="45720" rIns="91440" bIns="45720" numCol="1" anchor="ctr" anchorCtr="0" compatLnSpc="1">
+            <a:prstTxWarp prst="textNoShape">
+              <a:avLst/>
+            </a:prstTxWarp>
+          </a:bodyPr>
+          <a:lstStyle>
+            <a:lvl1pPr algn="ctr" rtl="0" eaLnBrk="0" fontAlgn="base" hangingPunct="0">
+              <a:spcBef>
+                <a:spcPct val="0"/>
+              </a:spcBef>
+              <a:spcAft>
+                <a:spcPct val="0"/>
+              </a:spcAft>
+              <a:defRPr sz="4400" b="1">
+                <a:solidFill>
+                  <a:schemeClr val="tx2"/>
+                </a:solidFill>
+                <a:latin typeface="+mj-lt"/>
+                <a:ea typeface="+mj-ea"/>
+                <a:cs typeface="+mj-cs"/>
+              </a:defRPr>
+            </a:lvl1pPr>
+            <a:lvl2pPr algn="ctr" rtl="0" eaLnBrk="0" fontAlgn="base" hangingPunct="0">
+              <a:spcBef>
+                <a:spcPct val="0"/>
+              </a:spcBef>
+              <a:spcAft>
+                <a:spcPct val="0"/>
+              </a:spcAft>
+              <a:defRPr sz="4400" b="1">
+                <a:solidFill>
+                  <a:schemeClr val="tx2"/>
+                </a:solidFill>
+                <a:latin typeface="Arial" charset="0"/>
+              </a:defRPr>
+            </a:lvl2pPr>
+            <a:lvl3pPr algn="ctr" rtl="0" eaLnBrk="0" fontAlgn="base" hangingPunct="0">
+              <a:spcBef>
+                <a:spcPct val="0"/>
+              </a:spcBef>
+              <a:spcAft>
+                <a:spcPct val="0"/>
+              </a:spcAft>
+              <a:defRPr sz="4400" b="1">
+                <a:solidFill>
+                  <a:schemeClr val="tx2"/>
+                </a:solidFill>
+                <a:latin typeface="Arial" charset="0"/>
+              </a:defRPr>
+            </a:lvl3pPr>
+            <a:lvl4pPr algn="ctr" rtl="0" eaLnBrk="0" fontAlgn="base" hangingPunct="0">
+              <a:spcBef>
+                <a:spcPct val="0"/>
+              </a:spcBef>
+              <a:spcAft>
+                <a:spcPct val="0"/>
+              </a:spcAft>
+              <a:defRPr sz="4400" b="1">
+                <a:solidFill>
+                  <a:schemeClr val="tx2"/>
+                </a:solidFill>
+                <a:latin typeface="Arial" charset="0"/>
+              </a:defRPr>
+            </a:lvl4pPr>
+            <a:lvl5pPr algn="ctr" rtl="0" eaLnBrk="0" fontAlgn="base" hangingPunct="0">
+              <a:spcBef>
+                <a:spcPct val="0"/>
+              </a:spcBef>
+              <a:spcAft>
+                <a:spcPct val="0"/>
+              </a:spcAft>
+              <a:defRPr sz="4400" b="1">
+                <a:solidFill>
+                  <a:schemeClr val="tx2"/>
+                </a:solidFill>
+                <a:latin typeface="Arial" charset="0"/>
+              </a:defRPr>
+            </a:lvl5pPr>
+            <a:lvl6pPr marL="457200" algn="ctr" rtl="0" eaLnBrk="0" fontAlgn="base" hangingPunct="0">
+              <a:spcBef>
+                <a:spcPct val="0"/>
+              </a:spcBef>
+              <a:spcAft>
+                <a:spcPct val="0"/>
+              </a:spcAft>
+              <a:defRPr sz="4400" b="1">
+                <a:solidFill>
+                  <a:schemeClr val="tx2"/>
+                </a:solidFill>
+                <a:latin typeface="Arial" charset="0"/>
+              </a:defRPr>
+            </a:lvl6pPr>
+            <a:lvl7pPr marL="914400" algn="ctr" rtl="0" eaLnBrk="0" fontAlgn="base" hangingPunct="0">
+              <a:spcBef>
+                <a:spcPct val="0"/>
+              </a:spcBef>
+              <a:spcAft>
+                <a:spcPct val="0"/>
+              </a:spcAft>
+              <a:defRPr sz="4400" b="1">
+                <a:solidFill>
+                  <a:schemeClr val="tx2"/>
+                </a:solidFill>
+                <a:latin typeface="Arial" charset="0"/>
+              </a:defRPr>
+            </a:lvl7pPr>
+            <a:lvl8pPr marL="1371600" algn="ctr" rtl="0" eaLnBrk="0" fontAlgn="base" hangingPunct="0">
+              <a:spcBef>
+                <a:spcPct val="0"/>
+              </a:spcBef>
+              <a:spcAft>
+                <a:spcPct val="0"/>
+              </a:spcAft>
+              <a:defRPr sz="4400" b="1">
+                <a:solidFill>
+                  <a:schemeClr val="tx2"/>
+                </a:solidFill>
+                <a:latin typeface="Arial" charset="0"/>
+              </a:defRPr>
+            </a:lvl8pPr>
+            <a:lvl9pPr marL="1828800" algn="ctr" rtl="0" eaLnBrk="0" fontAlgn="base" hangingPunct="0">
+              <a:spcBef>
+                <a:spcPct val="0"/>
+              </a:spcBef>
+              <a:spcAft>
+                <a:spcPct val="0"/>
+              </a:spcAft>
+              <a:defRPr sz="4400" b="1">
+                <a:solidFill>
+                  <a:schemeClr val="tx2"/>
+                </a:solidFill>
+                <a:latin typeface="Arial" charset="0"/>
+              </a:defRPr>
+            </a:lvl9pPr>
+          </a:lstStyle>
+          <a:p>
+            <a:r>
+              <a:rPr lang="en-US" kern="0" smtClean="0"/>
+              <a:t>Example IVPPSS</a:t>
+            </a:r>
+            <a:endParaRPr lang="en-US" kern="0" dirty="0"/>
+          </a:p>
+        </p:txBody>
+      </p:sp>
+      <p:sp>
+        <p:nvSpPr>
+          <p:cNvPr id="11" name="Rectangle 3"/>
+          <p:cNvSpPr txBox="1">
+            <a:spLocks noChangeArrowheads="1"/>
+          </p:cNvSpPr>
+          <p:nvPr/>
+        </p:nvSpPr>
+        <p:spPr bwMode="auto">
+          <a:xfrm>
+            <a:off x="76200" y="914400"/>
+            <a:ext cx="9067800" cy="3581400"/>
+          </a:xfrm>
+          <a:prstGeom prst="rect">
+            <a:avLst/>
+          </a:prstGeom>
+          <a:noFill/>
+          <a:ln w="9525">
+            <a:noFill/>
+            <a:miter lim="800000"/>
+            <a:headEnd/>
+            <a:tailEnd/>
+          </a:ln>
+          <a:effectLst/>
+        </p:spPr>
+        <p:txBody>
+          <a:bodyPr vert="horz" wrap="square" lIns="91440" tIns="45720" rIns="91440" bIns="45720" numCol="1" anchor="t" anchorCtr="0" compatLnSpc="1">
+            <a:prstTxWarp prst="textNoShape">
+              <a:avLst/>
+            </a:prstTxWarp>
+          </a:bodyPr>
+          <a:lstStyle>
+            <a:lvl1pPr marL="342900" indent="-342900" algn="l" rtl="0" eaLnBrk="0" fontAlgn="base" hangingPunct="0">
+              <a:spcBef>
+                <a:spcPct val="20000"/>
+              </a:spcBef>
+              <a:spcAft>
+                <a:spcPct val="0"/>
+              </a:spcAft>
+              <a:buChar char="•"/>
+              <a:defRPr sz="3200">
+                <a:solidFill>
+                  <a:schemeClr val="tx1"/>
+                </a:solidFill>
+                <a:latin typeface="+mn-lt"/>
+                <a:ea typeface="+mn-ea"/>
+                <a:cs typeface="+mn-cs"/>
+              </a:defRPr>
+            </a:lvl1pPr>
+            <a:lvl2pPr marL="742950" indent="-285750" algn="l" rtl="0" eaLnBrk="0" fontAlgn="base" hangingPunct="0">
+              <a:spcBef>
+                <a:spcPct val="20000"/>
+              </a:spcBef>
+              <a:spcAft>
+                <a:spcPct val="0"/>
+              </a:spcAft>
+              <a:buChar char="–"/>
+              <a:defRPr sz="2800">
+                <a:solidFill>
+                  <a:schemeClr val="tx1"/>
+                </a:solidFill>
+                <a:latin typeface="+mn-lt"/>
+              </a:defRPr>
+            </a:lvl2pPr>
+            <a:lvl3pPr marL="1143000" indent="-228600" algn="l" rtl="0" eaLnBrk="0" fontAlgn="base" hangingPunct="0">
+              <a:spcBef>
+                <a:spcPct val="20000"/>
+              </a:spcBef>
+              <a:spcAft>
+                <a:spcPct val="0"/>
+              </a:spcAft>
+              <a:buChar char="•"/>
+              <a:defRPr sz="2400">
+                <a:solidFill>
+                  <a:schemeClr val="tx1"/>
+                </a:solidFill>
+                <a:latin typeface="+mn-lt"/>
+              </a:defRPr>
+            </a:lvl3pPr>
+            <a:lvl4pPr marL="1600200" indent="-228600" algn="l" rtl="0" eaLnBrk="0" fontAlgn="base" hangingPunct="0">
+              <a:spcBef>
+                <a:spcPct val="20000"/>
+              </a:spcBef>
+              <a:spcAft>
+                <a:spcPct val="0"/>
+              </a:spcAft>
+              <a:buChar char="–"/>
+              <a:defRPr sz="2000">
+                <a:solidFill>
+                  <a:schemeClr val="tx1"/>
+                </a:solidFill>
+                <a:latin typeface="+mn-lt"/>
+              </a:defRPr>
+            </a:lvl4pPr>
+            <a:lvl5pPr marL="2057400" indent="-228600" algn="l" rtl="0" eaLnBrk="0" fontAlgn="base" hangingPunct="0">
+              <a:spcBef>
+                <a:spcPct val="20000"/>
+              </a:spcBef>
+              <a:spcAft>
+                <a:spcPct val="0"/>
+              </a:spcAft>
+              <a:buChar char="»"/>
+              <a:defRPr sz="2000">
+                <a:solidFill>
+                  <a:schemeClr val="tx1"/>
+                </a:solidFill>
+                <a:latin typeface="+mn-lt"/>
+              </a:defRPr>
+            </a:lvl5pPr>
+            <a:lvl6pPr marL="2514600" indent="-228600" algn="l" rtl="0" eaLnBrk="0" fontAlgn="base" hangingPunct="0">
+              <a:spcBef>
+                <a:spcPct val="20000"/>
+              </a:spcBef>
+              <a:spcAft>
+                <a:spcPct val="0"/>
+              </a:spcAft>
+              <a:buChar char="»"/>
+              <a:defRPr sz="2000">
+                <a:solidFill>
+                  <a:schemeClr val="tx1"/>
+                </a:solidFill>
+                <a:latin typeface="+mn-lt"/>
+              </a:defRPr>
+            </a:lvl6pPr>
+            <a:lvl7pPr marL="2971800" indent="-228600" algn="l" rtl="0" eaLnBrk="0" fontAlgn="base" hangingPunct="0">
+              <a:spcBef>
+                <a:spcPct val="20000"/>
+              </a:spcBef>
+              <a:spcAft>
+                <a:spcPct val="0"/>
+              </a:spcAft>
+              <a:buChar char="»"/>
+              <a:defRPr sz="2000">
+                <a:solidFill>
+                  <a:schemeClr val="tx1"/>
+                </a:solidFill>
+                <a:latin typeface="+mn-lt"/>
+              </a:defRPr>
+            </a:lvl7pPr>
+            <a:lvl8pPr marL="3429000" indent="-228600" algn="l" rtl="0" eaLnBrk="0" fontAlgn="base" hangingPunct="0">
+              <a:spcBef>
+                <a:spcPct val="20000"/>
+              </a:spcBef>
+              <a:spcAft>
+                <a:spcPct val="0"/>
+              </a:spcAft>
+              <a:buChar char="»"/>
+              <a:defRPr sz="2000">
+                <a:solidFill>
+                  <a:schemeClr val="tx1"/>
+                </a:solidFill>
+                <a:latin typeface="+mn-lt"/>
+              </a:defRPr>
+            </a:lvl8pPr>
+            <a:lvl9pPr marL="3886200" indent="-228600" algn="l" rtl="0" eaLnBrk="0" fontAlgn="base" hangingPunct="0">
+              <a:spcBef>
+                <a:spcPct val="20000"/>
+              </a:spcBef>
+              <a:spcAft>
+                <a:spcPct val="0"/>
+              </a:spcAft>
+              <a:buChar char="»"/>
+              <a:defRPr sz="2000">
+                <a:solidFill>
+                  <a:schemeClr val="tx1"/>
+                </a:solidFill>
+                <a:latin typeface="+mn-lt"/>
+              </a:defRPr>
+            </a:lvl9pPr>
+          </a:lstStyle>
+          <a:p>
+            <a:pPr marL="0" indent="0">
+              <a:buFontTx/>
+              <a:buNone/>
+            </a:pPr>
+            <a:r>
+              <a:rPr lang="en-US" kern="0" smtClean="0"/>
+              <a:t>215 rabbit (</a:t>
+            </a:r>
+            <a:r>
+              <a:rPr lang="en-US" i="1" kern="0" smtClean="0"/>
+              <a:t>Oryctolagus cuniculus</a:t>
+            </a:r>
+            <a:r>
+              <a:rPr lang="en-US" kern="0" smtClean="0"/>
+              <a:t> L.) carcasses were examined for signs of myxomatosis</a:t>
+            </a:r>
+            <a:r>
+              <a:rPr lang="en-US" kern="0" baseline="30000" smtClean="0">
+                <a:solidFill>
+                  <a:schemeClr val="accent2"/>
+                </a:solidFill>
+              </a:rPr>
+              <a:t>1</a:t>
+            </a:r>
+            <a:r>
+              <a:rPr lang="en-US" kern="0" smtClean="0"/>
+              <a:t> on Bridgets Farm (Hampshire, southern England) during a period when the density of fleas</a:t>
+            </a:r>
+            <a:r>
+              <a:rPr lang="en-US" kern="0" baseline="30000" smtClean="0">
+                <a:solidFill>
+                  <a:schemeClr val="accent2"/>
+                </a:solidFill>
+              </a:rPr>
+              <a:t>2</a:t>
+            </a:r>
+            <a:r>
+              <a:rPr lang="en-US" kern="0" smtClean="0"/>
+              <a:t> had been substantially reduced with an insecticide.  Primary interest was in the proportion of carcasses that exhibited signs of myxomatosis.</a:t>
+            </a:r>
+            <a:r>
+              <a:rPr lang="en-US" kern="0" baseline="30000" smtClean="0">
+                <a:solidFill>
+                  <a:schemeClr val="accent2"/>
+                </a:solidFill>
+              </a:rPr>
+              <a:t>3</a:t>
+            </a:r>
+            <a:endParaRPr lang="en-US" kern="0" baseline="30000" dirty="0">
+              <a:solidFill>
+                <a:schemeClr val="accent2"/>
+              </a:solidFill>
+            </a:endParaRPr>
+          </a:p>
+        </p:txBody>
+      </p:sp>
+    </p:spTree>
+    <p:extLst>
+      <p:ext uri="{BB962C8B-B14F-4D97-AF65-F5344CB8AC3E}">
+        <p14:creationId xmlns:p14="http://schemas.microsoft.com/office/powerpoint/2010/main" val="205104392"/>
+      </p:ext>
+    </p:extLst>
+  </p:cSld>
+  <p:clrMapOvr>
+    <a:masterClrMapping/>
+  </p:clrMapOvr>
+  <p:timing>
+    <p:tnLst>
+      <p:par>
+        <p:cTn id="1" dur="indefinite" restart="never" nodeType="tmRoot">
+          <p:childTnLst>
+            <p:seq concurrent="1" nextAc="seek">
+              <p:cTn id="2" dur="indefinite" nodeType="mainSeq">
+                <p:childTnLst>
+                  <p:par>
+                    <p:cTn id="3" fill="hold">
+                      <p:stCondLst>
+                        <p:cond delay="indefinite"/>
+                      </p:stCondLst>
+                      <p:childTnLst>
+                        <p:par>
+                          <p:cTn id="4" fill="hold">
+                            <p:stCondLst>
+                              <p:cond delay="0"/>
+                            </p:stCondLst>
+                            <p:childTnLst>
+                              <p:par>
+                                <p:cTn id="5" presetID="1" presetClass="entr" presetSubtype="0" fill="hold" grpId="0" nodeType="clickEffect">
+                                  <p:stCondLst>
+                                    <p:cond delay="0"/>
+                                  </p:stCondLst>
+                                  <p:childTnLst>
+                                    <p:set>
+                                      <p:cBhvr>
+                                        <p:cTn id="6" dur="1" fill="hold">
+                                          <p:stCondLst>
+                                            <p:cond delay="0"/>
+                                          </p:stCondLst>
+                                        </p:cTn>
+                                        <p:tgtEl>
+                                          <p:spTgt spid="64518"/>
+                                        </p:tgtEl>
+                                        <p:attrNameLst>
+                                          <p:attrName>style.visibility</p:attrName>
+                                        </p:attrNameLst>
+                                      </p:cBhvr>
+                                      <p:to>
+                                        <p:strVal val="visible"/>
+                                      </p:to>
+                                    </p:set>
+                                  </p:childTnLst>
+                                </p:cTn>
+                              </p:par>
+                            </p:childTnLst>
+                          </p:cTn>
+                        </p:par>
+                      </p:childTnLst>
+                    </p:cTn>
+                  </p:par>
+                  <p:par>
+                    <p:cTn id="7" fill="hold">
+                      <p:stCondLst>
+                        <p:cond delay="indefinite"/>
+                      </p:stCondLst>
+                      <p:childTnLst>
+                        <p:par>
+                          <p:cTn id="8" fill="hold">
+                            <p:stCondLst>
+                              <p:cond delay="0"/>
+                            </p:stCondLst>
+                            <p:childTnLst>
+                              <p:par>
+                                <p:cTn id="9" presetID="1" presetClass="entr" presetSubtype="0" fill="hold" grpId="0" nodeType="clickEffect">
+                                  <p:stCondLst>
+                                    <p:cond delay="0"/>
+                                  </p:stCondLst>
+                                  <p:childTnLst>
+                                    <p:set>
+                                      <p:cBhvr>
+                                        <p:cTn id="10" dur="1" fill="hold">
+                                          <p:stCondLst>
+                                            <p:cond delay="0"/>
+                                          </p:stCondLst>
+                                        </p:cTn>
+                                        <p:tgtEl>
+                                          <p:spTgt spid="64520"/>
+                                        </p:tgtEl>
+                                        <p:attrNameLst>
+                                          <p:attrName>style.visibility</p:attrName>
+                                        </p:attrNameLst>
+                                      </p:cBhvr>
+                                      <p:to>
+                                        <p:strVal val="visible"/>
+                                      </p:to>
+                                    </p:set>
+                                  </p:childTnLst>
+                                </p:cTn>
+                              </p:par>
+                            </p:childTnLst>
+                          </p:cTn>
+                        </p:par>
+                      </p:childTnLst>
+                    </p:cTn>
+                  </p:par>
+                </p:childTnLst>
+              </p:cTn>
+              <p:prevCondLst>
+                <p:cond evt="onPrev" delay="0">
+                  <p:tgtEl>
+                    <p:sldTgt/>
+                  </p:tgtEl>
+                </p:cond>
+              </p:prevCondLst>
+              <p:nextCondLst>
+                <p:cond evt="onNext" delay="0">
+                  <p:tgtEl>
+                    <p:sldTgt/>
+                  </p:tgtEl>
+                </p:cond>
+              </p:nextCondLst>
+            </p:seq>
+          </p:childTnLst>
+        </p:cTn>
+      </p:par>
+    </p:tnLst>
+    <p:bldLst>
+      <p:bldP spid="64518" grpId="0" autoUpdateAnimBg="0"/>
+      <p:bldP spid="64520" grpId="0" autoUpdateAnimBg="0"/>
+    </p:bldLst>
+  </p:timing>
+</p:sld>
+</file>
+
 <file path=ppt/slides/slide5.xml><?xml version="1.0" encoding="utf-8"?>
+<p:sld xmlns:a="http://schemas.openxmlformats.org/drawingml/2006/main" xmlns:r="http://schemas.openxmlformats.org/officeDocument/2006/relationships" xmlns:p="http://schemas.openxmlformats.org/presentationml/2006/main" showMasterPhAnim="0">
+  <p:cSld>
+    <p:spTree>
+      <p:nvGrpSpPr>
+        <p:cNvPr id="1" name=""/>
+        <p:cNvGrpSpPr/>
+        <p:nvPr/>
+      </p:nvGrpSpPr>
+      <p:grpSpPr>
+        <a:xfrm>
+          <a:off x="0" y="0"/>
+          <a:ext cx="0" cy="0"/>
+          <a:chOff x="0" y="0"/>
+          <a:chExt cx="0" cy="0"/>
+        </a:xfrm>
+      </p:grpSpPr>
+      <p:sp>
+        <p:nvSpPr>
+          <p:cNvPr id="8" name="Footer Placeholder 2"/>
+          <p:cNvSpPr>
+            <a:spLocks noGrp="1"/>
+          </p:cNvSpPr>
+          <p:nvPr>
+            <p:ph type="ftr" sz="quarter" idx="11"/>
+          </p:nvPr>
+        </p:nvSpPr>
+        <p:spPr/>
+        <p:txBody>
+          <a:bodyPr/>
+          <a:lstStyle/>
+          <a:p>
+            <a:r>
+              <a:rPr lang="en-US"/>
+              <a:t>IVPPSS</a:t>
+            </a:r>
+          </a:p>
+        </p:txBody>
+      </p:sp>
+      <p:sp>
+        <p:nvSpPr>
+          <p:cNvPr id="9" name="Slide Number Placeholder 3"/>
+          <p:cNvSpPr>
+            <a:spLocks noGrp="1"/>
+          </p:cNvSpPr>
+          <p:nvPr>
+            <p:ph type="sldNum" sz="quarter" idx="12"/>
+          </p:nvPr>
+        </p:nvSpPr>
+        <p:spPr/>
+        <p:txBody>
+          <a:bodyPr/>
+          <a:lstStyle/>
+          <a:p>
+            <a:r>
+              <a:rPr lang="en-US"/>
+              <a:t>Slide #</a:t>
+            </a:r>
+            <a:fld id="{F0CDBFFD-FE8E-47B5-9D31-96529D35A5E7}" type="slidenum">
+              <a:rPr lang="en-US"/>
+              <a:pPr/>
+              <a:t>5</a:t>
+            </a:fld>
+            <a:endParaRPr lang="en-US"/>
+          </a:p>
+        </p:txBody>
+      </p:sp>
+      <p:sp>
+        <p:nvSpPr>
+          <p:cNvPr id="65541" name="Rectangle 5"/>
+          <p:cNvSpPr>
+            <a:spLocks noChangeArrowheads="1"/>
+          </p:cNvSpPr>
+          <p:nvPr/>
+        </p:nvSpPr>
+        <p:spPr bwMode="auto">
+          <a:xfrm>
+            <a:off x="152400" y="4419600"/>
+            <a:ext cx="990600" cy="641350"/>
+          </a:xfrm>
+          <a:prstGeom prst="rect">
+            <a:avLst/>
+          </a:prstGeom>
+          <a:noFill/>
+          <a:ln w="9525">
+            <a:noFill/>
+            <a:miter lim="800000"/>
+            <a:headEnd/>
+            <a:tailEnd/>
+          </a:ln>
+          <a:effectLst/>
+        </p:spPr>
+        <p:txBody>
+          <a:bodyPr>
+            <a:spAutoFit/>
+          </a:bodyPr>
+          <a:lstStyle/>
+          <a:p>
+            <a:r>
+              <a:rPr lang="en-US" sz="3600" b="1" dirty="0">
+                <a:solidFill>
+                  <a:schemeClr val="accent2"/>
+                </a:solidFill>
+              </a:rPr>
+              <a:t>P</a:t>
+            </a:r>
+            <a:r>
+              <a:rPr lang="en-US" sz="3600" dirty="0"/>
+              <a:t> --</a:t>
+            </a:r>
+          </a:p>
+        </p:txBody>
+      </p:sp>
+      <p:sp>
+        <p:nvSpPr>
+          <p:cNvPr id="65542" name="Rectangle 6"/>
+          <p:cNvSpPr>
+            <a:spLocks noChangeArrowheads="1"/>
+          </p:cNvSpPr>
+          <p:nvPr/>
+        </p:nvSpPr>
+        <p:spPr bwMode="auto">
+          <a:xfrm>
+            <a:off x="990600" y="4445127"/>
+            <a:ext cx="7391400" cy="1190625"/>
+          </a:xfrm>
+          <a:prstGeom prst="rect">
+            <a:avLst/>
+          </a:prstGeom>
+          <a:noFill/>
+          <a:ln w="9525">
+            <a:noFill/>
+            <a:miter lim="800000"/>
+            <a:headEnd/>
+            <a:tailEnd/>
+          </a:ln>
+          <a:effectLst/>
+        </p:spPr>
+        <p:txBody>
+          <a:bodyPr>
+            <a:spAutoFit/>
+          </a:bodyPr>
+          <a:lstStyle/>
+          <a:p>
+            <a:r>
+              <a:rPr lang="en-US" sz="3600" dirty="0">
+                <a:solidFill>
+                  <a:schemeClr val="hlink"/>
+                </a:solidFill>
+              </a:rPr>
+              <a:t>all rabbit carcasses (on </a:t>
+            </a:r>
+            <a:r>
+              <a:rPr lang="en-US" sz="3600" dirty="0" err="1">
+                <a:solidFill>
+                  <a:schemeClr val="hlink"/>
+                </a:solidFill>
+              </a:rPr>
+              <a:t>Bridgets</a:t>
+            </a:r>
+            <a:r>
+              <a:rPr lang="en-US" sz="3600" dirty="0">
+                <a:solidFill>
+                  <a:schemeClr val="hlink"/>
+                </a:solidFill>
+              </a:rPr>
+              <a:t> Farm during the treatment period)</a:t>
+            </a:r>
+            <a:endParaRPr lang="en-US" sz="3600" dirty="0"/>
+          </a:p>
+        </p:txBody>
+      </p:sp>
+      <p:sp>
+        <p:nvSpPr>
+          <p:cNvPr id="65543" name="Rectangle 7"/>
+          <p:cNvSpPr>
+            <a:spLocks noChangeArrowheads="1"/>
+          </p:cNvSpPr>
+          <p:nvPr/>
+        </p:nvSpPr>
+        <p:spPr bwMode="auto">
+          <a:xfrm>
+            <a:off x="152400" y="5635752"/>
+            <a:ext cx="990600" cy="641350"/>
+          </a:xfrm>
+          <a:prstGeom prst="rect">
+            <a:avLst/>
+          </a:prstGeom>
+          <a:noFill/>
+          <a:ln w="9525">
+            <a:noFill/>
+            <a:miter lim="800000"/>
+            <a:headEnd/>
+            <a:tailEnd/>
+          </a:ln>
+          <a:effectLst/>
+        </p:spPr>
+        <p:txBody>
+          <a:bodyPr>
+            <a:spAutoFit/>
+          </a:bodyPr>
+          <a:lstStyle/>
+          <a:p>
+            <a:r>
+              <a:rPr lang="en-US" sz="3600" b="1" dirty="0">
+                <a:solidFill>
+                  <a:schemeClr val="accent2"/>
+                </a:solidFill>
+              </a:rPr>
+              <a:t>P</a:t>
+            </a:r>
+            <a:r>
+              <a:rPr lang="en-US" sz="3600" dirty="0"/>
+              <a:t> --</a:t>
+            </a:r>
+          </a:p>
+        </p:txBody>
+      </p:sp>
+      <p:sp>
+        <p:nvSpPr>
+          <p:cNvPr id="65544" name="Rectangle 8"/>
+          <p:cNvSpPr>
+            <a:spLocks noChangeArrowheads="1"/>
+          </p:cNvSpPr>
+          <p:nvPr/>
+        </p:nvSpPr>
+        <p:spPr bwMode="auto">
+          <a:xfrm>
+            <a:off x="990600" y="5639358"/>
+            <a:ext cx="7924800" cy="1190625"/>
+          </a:xfrm>
+          <a:prstGeom prst="rect">
+            <a:avLst/>
+          </a:prstGeom>
+          <a:noFill/>
+          <a:ln w="9525">
+            <a:noFill/>
+            <a:miter lim="800000"/>
+            <a:headEnd/>
+            <a:tailEnd/>
+          </a:ln>
+          <a:effectLst/>
+        </p:spPr>
+        <p:txBody>
+          <a:bodyPr wrap="square">
+            <a:spAutoFit/>
+          </a:bodyPr>
+          <a:lstStyle/>
+          <a:p>
+            <a:r>
+              <a:rPr lang="en-US" sz="3600" dirty="0">
+                <a:solidFill>
+                  <a:schemeClr val="hlink"/>
+                </a:solidFill>
+              </a:rPr>
+              <a:t>Proportion of all rabbit </a:t>
+            </a:r>
+            <a:r>
+              <a:rPr lang="en-US" sz="3600" dirty="0" smtClean="0">
+                <a:solidFill>
+                  <a:schemeClr val="hlink"/>
+                </a:solidFill>
+              </a:rPr>
+              <a:t>carcasses (on …) that showed </a:t>
+            </a:r>
+            <a:r>
+              <a:rPr lang="en-US" sz="3600" dirty="0">
+                <a:solidFill>
+                  <a:schemeClr val="hlink"/>
+                </a:solidFill>
+              </a:rPr>
+              <a:t>signs of </a:t>
+            </a:r>
+            <a:r>
+              <a:rPr lang="en-US" sz="3600" dirty="0" err="1">
+                <a:solidFill>
+                  <a:schemeClr val="hlink"/>
+                </a:solidFill>
+              </a:rPr>
+              <a:t>myxomatosis</a:t>
+            </a:r>
+            <a:endParaRPr lang="en-US" sz="3600" dirty="0"/>
+          </a:p>
+        </p:txBody>
+      </p:sp>
+      <p:sp>
+        <p:nvSpPr>
+          <p:cNvPr id="10" name="Rectangle 2"/>
+          <p:cNvSpPr txBox="1">
+            <a:spLocks noChangeArrowheads="1"/>
+          </p:cNvSpPr>
+          <p:nvPr/>
+        </p:nvSpPr>
+        <p:spPr bwMode="auto">
+          <a:xfrm>
+            <a:off x="0" y="0"/>
+            <a:ext cx="9144000" cy="946150"/>
+          </a:xfrm>
+          <a:prstGeom prst="rect">
+            <a:avLst/>
+          </a:prstGeom>
+          <a:noFill/>
+          <a:ln w="9525">
+            <a:noFill/>
+            <a:miter lim="800000"/>
+            <a:headEnd/>
+            <a:tailEnd/>
+          </a:ln>
+          <a:effectLst/>
+        </p:spPr>
+        <p:txBody>
+          <a:bodyPr vert="horz" wrap="square" lIns="91440" tIns="45720" rIns="91440" bIns="45720" numCol="1" anchor="ctr" anchorCtr="0" compatLnSpc="1">
+            <a:prstTxWarp prst="textNoShape">
+              <a:avLst/>
+            </a:prstTxWarp>
+          </a:bodyPr>
+          <a:lstStyle>
+            <a:lvl1pPr algn="ctr" rtl="0" eaLnBrk="0" fontAlgn="base" hangingPunct="0">
+              <a:spcBef>
+                <a:spcPct val="0"/>
+              </a:spcBef>
+              <a:spcAft>
+                <a:spcPct val="0"/>
+              </a:spcAft>
+              <a:defRPr sz="4400" b="1">
+                <a:solidFill>
+                  <a:schemeClr val="tx2"/>
+                </a:solidFill>
+                <a:latin typeface="+mj-lt"/>
+                <a:ea typeface="+mj-ea"/>
+                <a:cs typeface="+mj-cs"/>
+              </a:defRPr>
+            </a:lvl1pPr>
+            <a:lvl2pPr algn="ctr" rtl="0" eaLnBrk="0" fontAlgn="base" hangingPunct="0">
+              <a:spcBef>
+                <a:spcPct val="0"/>
+              </a:spcBef>
+              <a:spcAft>
+                <a:spcPct val="0"/>
+              </a:spcAft>
+              <a:defRPr sz="4400" b="1">
+                <a:solidFill>
+                  <a:schemeClr val="tx2"/>
+                </a:solidFill>
+                <a:latin typeface="Arial" charset="0"/>
+              </a:defRPr>
+            </a:lvl2pPr>
+            <a:lvl3pPr algn="ctr" rtl="0" eaLnBrk="0" fontAlgn="base" hangingPunct="0">
+              <a:spcBef>
+                <a:spcPct val="0"/>
+              </a:spcBef>
+              <a:spcAft>
+                <a:spcPct val="0"/>
+              </a:spcAft>
+              <a:defRPr sz="4400" b="1">
+                <a:solidFill>
+                  <a:schemeClr val="tx2"/>
+                </a:solidFill>
+                <a:latin typeface="Arial" charset="0"/>
+              </a:defRPr>
+            </a:lvl3pPr>
+            <a:lvl4pPr algn="ctr" rtl="0" eaLnBrk="0" fontAlgn="base" hangingPunct="0">
+              <a:spcBef>
+                <a:spcPct val="0"/>
+              </a:spcBef>
+              <a:spcAft>
+                <a:spcPct val="0"/>
+              </a:spcAft>
+              <a:defRPr sz="4400" b="1">
+                <a:solidFill>
+                  <a:schemeClr val="tx2"/>
+                </a:solidFill>
+                <a:latin typeface="Arial" charset="0"/>
+              </a:defRPr>
+            </a:lvl4pPr>
+            <a:lvl5pPr algn="ctr" rtl="0" eaLnBrk="0" fontAlgn="base" hangingPunct="0">
+              <a:spcBef>
+                <a:spcPct val="0"/>
+              </a:spcBef>
+              <a:spcAft>
+                <a:spcPct val="0"/>
+              </a:spcAft>
+              <a:defRPr sz="4400" b="1">
+                <a:solidFill>
+                  <a:schemeClr val="tx2"/>
+                </a:solidFill>
+                <a:latin typeface="Arial" charset="0"/>
+              </a:defRPr>
+            </a:lvl5pPr>
+            <a:lvl6pPr marL="457200" algn="ctr" rtl="0" eaLnBrk="0" fontAlgn="base" hangingPunct="0">
+              <a:spcBef>
+                <a:spcPct val="0"/>
+              </a:spcBef>
+              <a:spcAft>
+                <a:spcPct val="0"/>
+              </a:spcAft>
+              <a:defRPr sz="4400" b="1">
+                <a:solidFill>
+                  <a:schemeClr val="tx2"/>
+                </a:solidFill>
+                <a:latin typeface="Arial" charset="0"/>
+              </a:defRPr>
+            </a:lvl6pPr>
+            <a:lvl7pPr marL="914400" algn="ctr" rtl="0" eaLnBrk="0" fontAlgn="base" hangingPunct="0">
+              <a:spcBef>
+                <a:spcPct val="0"/>
+              </a:spcBef>
+              <a:spcAft>
+                <a:spcPct val="0"/>
+              </a:spcAft>
+              <a:defRPr sz="4400" b="1">
+                <a:solidFill>
+                  <a:schemeClr val="tx2"/>
+                </a:solidFill>
+                <a:latin typeface="Arial" charset="0"/>
+              </a:defRPr>
+            </a:lvl7pPr>
+            <a:lvl8pPr marL="1371600" algn="ctr" rtl="0" eaLnBrk="0" fontAlgn="base" hangingPunct="0">
+              <a:spcBef>
+                <a:spcPct val="0"/>
+              </a:spcBef>
+              <a:spcAft>
+                <a:spcPct val="0"/>
+              </a:spcAft>
+              <a:defRPr sz="4400" b="1">
+                <a:solidFill>
+                  <a:schemeClr val="tx2"/>
+                </a:solidFill>
+                <a:latin typeface="Arial" charset="0"/>
+              </a:defRPr>
+            </a:lvl8pPr>
+            <a:lvl9pPr marL="1828800" algn="ctr" rtl="0" eaLnBrk="0" fontAlgn="base" hangingPunct="0">
+              <a:spcBef>
+                <a:spcPct val="0"/>
+              </a:spcBef>
+              <a:spcAft>
+                <a:spcPct val="0"/>
+              </a:spcAft>
+              <a:defRPr sz="4400" b="1">
+                <a:solidFill>
+                  <a:schemeClr val="tx2"/>
+                </a:solidFill>
+                <a:latin typeface="Arial" charset="0"/>
+              </a:defRPr>
+            </a:lvl9pPr>
+          </a:lstStyle>
+          <a:p>
+            <a:r>
+              <a:rPr lang="en-US" kern="0" smtClean="0"/>
+              <a:t>Example IVPPSS</a:t>
+            </a:r>
+            <a:endParaRPr lang="en-US" kern="0" dirty="0"/>
+          </a:p>
+        </p:txBody>
+      </p:sp>
+      <p:sp>
+        <p:nvSpPr>
+          <p:cNvPr id="11" name="Rectangle 3"/>
+          <p:cNvSpPr txBox="1">
+            <a:spLocks noChangeArrowheads="1"/>
+          </p:cNvSpPr>
+          <p:nvPr/>
+        </p:nvSpPr>
+        <p:spPr bwMode="auto">
+          <a:xfrm>
+            <a:off x="76200" y="914400"/>
+            <a:ext cx="9067800" cy="3581400"/>
+          </a:xfrm>
+          <a:prstGeom prst="rect">
+            <a:avLst/>
+          </a:prstGeom>
+          <a:noFill/>
+          <a:ln w="9525">
+            <a:noFill/>
+            <a:miter lim="800000"/>
+            <a:headEnd/>
+            <a:tailEnd/>
+          </a:ln>
+          <a:effectLst/>
+        </p:spPr>
+        <p:txBody>
+          <a:bodyPr vert="horz" wrap="square" lIns="91440" tIns="45720" rIns="91440" bIns="45720" numCol="1" anchor="t" anchorCtr="0" compatLnSpc="1">
+            <a:prstTxWarp prst="textNoShape">
+              <a:avLst/>
+            </a:prstTxWarp>
+          </a:bodyPr>
+          <a:lstStyle>
+            <a:lvl1pPr marL="342900" indent="-342900" algn="l" rtl="0" eaLnBrk="0" fontAlgn="base" hangingPunct="0">
+              <a:spcBef>
+                <a:spcPct val="20000"/>
+              </a:spcBef>
+              <a:spcAft>
+                <a:spcPct val="0"/>
+              </a:spcAft>
+              <a:buChar char="•"/>
+              <a:defRPr sz="3200">
+                <a:solidFill>
+                  <a:schemeClr val="tx1"/>
+                </a:solidFill>
+                <a:latin typeface="+mn-lt"/>
+                <a:ea typeface="+mn-ea"/>
+                <a:cs typeface="+mn-cs"/>
+              </a:defRPr>
+            </a:lvl1pPr>
+            <a:lvl2pPr marL="742950" indent="-285750" algn="l" rtl="0" eaLnBrk="0" fontAlgn="base" hangingPunct="0">
+              <a:spcBef>
+                <a:spcPct val="20000"/>
+              </a:spcBef>
+              <a:spcAft>
+                <a:spcPct val="0"/>
+              </a:spcAft>
+              <a:buChar char="–"/>
+              <a:defRPr sz="2800">
+                <a:solidFill>
+                  <a:schemeClr val="tx1"/>
+                </a:solidFill>
+                <a:latin typeface="+mn-lt"/>
+              </a:defRPr>
+            </a:lvl2pPr>
+            <a:lvl3pPr marL="1143000" indent="-228600" algn="l" rtl="0" eaLnBrk="0" fontAlgn="base" hangingPunct="0">
+              <a:spcBef>
+                <a:spcPct val="20000"/>
+              </a:spcBef>
+              <a:spcAft>
+                <a:spcPct val="0"/>
+              </a:spcAft>
+              <a:buChar char="•"/>
+              <a:defRPr sz="2400">
+                <a:solidFill>
+                  <a:schemeClr val="tx1"/>
+                </a:solidFill>
+                <a:latin typeface="+mn-lt"/>
+              </a:defRPr>
+            </a:lvl3pPr>
+            <a:lvl4pPr marL="1600200" indent="-228600" algn="l" rtl="0" eaLnBrk="0" fontAlgn="base" hangingPunct="0">
+              <a:spcBef>
+                <a:spcPct val="20000"/>
+              </a:spcBef>
+              <a:spcAft>
+                <a:spcPct val="0"/>
+              </a:spcAft>
+              <a:buChar char="–"/>
+              <a:defRPr sz="2000">
+                <a:solidFill>
+                  <a:schemeClr val="tx1"/>
+                </a:solidFill>
+                <a:latin typeface="+mn-lt"/>
+              </a:defRPr>
+            </a:lvl4pPr>
+            <a:lvl5pPr marL="2057400" indent="-228600" algn="l" rtl="0" eaLnBrk="0" fontAlgn="base" hangingPunct="0">
+              <a:spcBef>
+                <a:spcPct val="20000"/>
+              </a:spcBef>
+              <a:spcAft>
+                <a:spcPct val="0"/>
+              </a:spcAft>
+              <a:buChar char="»"/>
+              <a:defRPr sz="2000">
+                <a:solidFill>
+                  <a:schemeClr val="tx1"/>
+                </a:solidFill>
+                <a:latin typeface="+mn-lt"/>
+              </a:defRPr>
+            </a:lvl5pPr>
+            <a:lvl6pPr marL="2514600" indent="-228600" algn="l" rtl="0" eaLnBrk="0" fontAlgn="base" hangingPunct="0">
+              <a:spcBef>
+                <a:spcPct val="20000"/>
+              </a:spcBef>
+              <a:spcAft>
+                <a:spcPct val="0"/>
+              </a:spcAft>
+              <a:buChar char="»"/>
+              <a:defRPr sz="2000">
+                <a:solidFill>
+                  <a:schemeClr val="tx1"/>
+                </a:solidFill>
+                <a:latin typeface="+mn-lt"/>
+              </a:defRPr>
+            </a:lvl6pPr>
+            <a:lvl7pPr marL="2971800" indent="-228600" algn="l" rtl="0" eaLnBrk="0" fontAlgn="base" hangingPunct="0">
+              <a:spcBef>
+                <a:spcPct val="20000"/>
+              </a:spcBef>
+              <a:spcAft>
+                <a:spcPct val="0"/>
+              </a:spcAft>
+              <a:buChar char="»"/>
+              <a:defRPr sz="2000">
+                <a:solidFill>
+                  <a:schemeClr val="tx1"/>
+                </a:solidFill>
+                <a:latin typeface="+mn-lt"/>
+              </a:defRPr>
+            </a:lvl7pPr>
+            <a:lvl8pPr marL="3429000" indent="-228600" algn="l" rtl="0" eaLnBrk="0" fontAlgn="base" hangingPunct="0">
+              <a:spcBef>
+                <a:spcPct val="20000"/>
+              </a:spcBef>
+              <a:spcAft>
+                <a:spcPct val="0"/>
+              </a:spcAft>
+              <a:buChar char="»"/>
+              <a:defRPr sz="2000">
+                <a:solidFill>
+                  <a:schemeClr val="tx1"/>
+                </a:solidFill>
+                <a:latin typeface="+mn-lt"/>
+              </a:defRPr>
+            </a:lvl8pPr>
+            <a:lvl9pPr marL="3886200" indent="-228600" algn="l" rtl="0" eaLnBrk="0" fontAlgn="base" hangingPunct="0">
+              <a:spcBef>
+                <a:spcPct val="20000"/>
+              </a:spcBef>
+              <a:spcAft>
+                <a:spcPct val="0"/>
+              </a:spcAft>
+              <a:buChar char="»"/>
+              <a:defRPr sz="2000">
+                <a:solidFill>
+                  <a:schemeClr val="tx1"/>
+                </a:solidFill>
+                <a:latin typeface="+mn-lt"/>
+              </a:defRPr>
+            </a:lvl9pPr>
+          </a:lstStyle>
+          <a:p>
+            <a:pPr marL="0" indent="0">
+              <a:buFontTx/>
+              <a:buNone/>
+            </a:pPr>
+            <a:r>
+              <a:rPr lang="en-US" kern="0" smtClean="0"/>
+              <a:t>215 rabbit (</a:t>
+            </a:r>
+            <a:r>
+              <a:rPr lang="en-US" i="1" kern="0" smtClean="0"/>
+              <a:t>Oryctolagus cuniculus</a:t>
+            </a:r>
+            <a:r>
+              <a:rPr lang="en-US" kern="0" smtClean="0"/>
+              <a:t> L.) carcasses were examined for signs of myxomatosis</a:t>
+            </a:r>
+            <a:r>
+              <a:rPr lang="en-US" kern="0" baseline="30000" smtClean="0">
+                <a:solidFill>
+                  <a:schemeClr val="accent2"/>
+                </a:solidFill>
+              </a:rPr>
+              <a:t>1</a:t>
+            </a:r>
+            <a:r>
+              <a:rPr lang="en-US" kern="0" smtClean="0"/>
+              <a:t> on Bridgets Farm (Hampshire, southern England) during a period when the density of fleas</a:t>
+            </a:r>
+            <a:r>
+              <a:rPr lang="en-US" kern="0" baseline="30000" smtClean="0">
+                <a:solidFill>
+                  <a:schemeClr val="accent2"/>
+                </a:solidFill>
+              </a:rPr>
+              <a:t>2</a:t>
+            </a:r>
+            <a:r>
+              <a:rPr lang="en-US" kern="0" smtClean="0"/>
+              <a:t> had been substantially reduced with an insecticide.  Primary interest was in the proportion of carcasses that exhibited signs of myxomatosis.</a:t>
+            </a:r>
+            <a:r>
+              <a:rPr lang="en-US" kern="0" baseline="30000" smtClean="0">
+                <a:solidFill>
+                  <a:schemeClr val="accent2"/>
+                </a:solidFill>
+              </a:rPr>
+              <a:t>3</a:t>
+            </a:r>
+            <a:endParaRPr lang="en-US" kern="0" baseline="30000" dirty="0">
+              <a:solidFill>
+                <a:schemeClr val="accent2"/>
+              </a:solidFill>
+            </a:endParaRPr>
+          </a:p>
+        </p:txBody>
+      </p:sp>
+    </p:spTree>
+    <p:extLst>
+      <p:ext uri="{BB962C8B-B14F-4D97-AF65-F5344CB8AC3E}">
+        <p14:creationId xmlns:p14="http://schemas.microsoft.com/office/powerpoint/2010/main" val="2852265784"/>
+      </p:ext>
+    </p:extLst>
+  </p:cSld>
+  <p:clrMapOvr>
+    <a:masterClrMapping/>
+  </p:clrMapOvr>
+  <p:timing>
+    <p:tnLst>
+      <p:par>
+        <p:cTn id="1" dur="indefinite" restart="never" nodeType="tmRoot">
+          <p:childTnLst>
+            <p:seq concurrent="1" nextAc="seek">
+              <p:cTn id="2" dur="indefinite" nodeType="mainSeq">
+                <p:childTnLst>
+                  <p:par>
+                    <p:cTn id="3" fill="hold">
+                      <p:stCondLst>
+                        <p:cond delay="indefinite"/>
+                      </p:stCondLst>
+                      <p:childTnLst>
+                        <p:par>
+                          <p:cTn id="4" fill="hold">
+                            <p:stCondLst>
+                              <p:cond delay="0"/>
+                            </p:stCondLst>
+                            <p:childTnLst>
+                              <p:par>
+                                <p:cTn id="5" presetID="1" presetClass="entr" presetSubtype="0" fill="hold" grpId="0" nodeType="clickEffect">
+                                  <p:stCondLst>
+                                    <p:cond delay="0"/>
+                                  </p:stCondLst>
+                                  <p:childTnLst>
+                                    <p:set>
+                                      <p:cBhvr>
+                                        <p:cTn id="6" dur="1" fill="hold">
+                                          <p:stCondLst>
+                                            <p:cond delay="0"/>
+                                          </p:stCondLst>
+                                        </p:cTn>
+                                        <p:tgtEl>
+                                          <p:spTgt spid="65542"/>
+                                        </p:tgtEl>
+                                        <p:attrNameLst>
+                                          <p:attrName>style.visibility</p:attrName>
+                                        </p:attrNameLst>
+                                      </p:cBhvr>
+                                      <p:to>
+                                        <p:strVal val="visible"/>
+                                      </p:to>
+                                    </p:set>
+                                  </p:childTnLst>
+                                </p:cTn>
+                              </p:par>
+                            </p:childTnLst>
+                          </p:cTn>
+                        </p:par>
+                      </p:childTnLst>
+                    </p:cTn>
+                  </p:par>
+                  <p:par>
+                    <p:cTn id="7" fill="hold">
+                      <p:stCondLst>
+                        <p:cond delay="indefinite"/>
+                      </p:stCondLst>
+                      <p:childTnLst>
+                        <p:par>
+                          <p:cTn id="8" fill="hold">
+                            <p:stCondLst>
+                              <p:cond delay="0"/>
+                            </p:stCondLst>
+                            <p:childTnLst>
+                              <p:par>
+                                <p:cTn id="9" presetID="1" presetClass="entr" presetSubtype="0" fill="hold" grpId="0" nodeType="clickEffect">
+                                  <p:stCondLst>
+                                    <p:cond delay="0"/>
+                                  </p:stCondLst>
+                                  <p:childTnLst>
+                                    <p:set>
+                                      <p:cBhvr>
+                                        <p:cTn id="10" dur="1" fill="hold">
+                                          <p:stCondLst>
+                                            <p:cond delay="0"/>
+                                          </p:stCondLst>
+                                        </p:cTn>
+                                        <p:tgtEl>
+                                          <p:spTgt spid="65544"/>
+                                        </p:tgtEl>
+                                        <p:attrNameLst>
+                                          <p:attrName>style.visibility</p:attrName>
+                                        </p:attrNameLst>
+                                      </p:cBhvr>
+                                      <p:to>
+                                        <p:strVal val="visible"/>
+                                      </p:to>
+                                    </p:set>
+                                  </p:childTnLst>
+                                </p:cTn>
+                              </p:par>
+                            </p:childTnLst>
+                          </p:cTn>
+                        </p:par>
+                      </p:childTnLst>
+                    </p:cTn>
+                  </p:par>
+                </p:childTnLst>
+              </p:cTn>
+              <p:prevCondLst>
+                <p:cond evt="onPrev" delay="0">
+                  <p:tgtEl>
+                    <p:sldTgt/>
+                  </p:tgtEl>
+                </p:cond>
+              </p:prevCondLst>
+              <p:nextCondLst>
+                <p:cond evt="onNext" delay="0">
+                  <p:tgtEl>
+                    <p:sldTgt/>
+                  </p:tgtEl>
+                </p:cond>
+              </p:nextCondLst>
+            </p:seq>
+          </p:childTnLst>
+        </p:cTn>
+      </p:par>
+    </p:tnLst>
+    <p:bldLst>
+      <p:bldP spid="65542" grpId="0" autoUpdateAnimBg="0"/>
+      <p:bldP spid="65544" grpId="0" autoUpdateAnimBg="0"/>
+    </p:bldLst>
+  </p:timing>
+</p:sld>
+</file>
+
+<file path=ppt/slides/slide6.xml><?xml version="1.0" encoding="utf-8"?>
+<p:sld xmlns:a="http://schemas.openxmlformats.org/drawingml/2006/main" xmlns:r="http://schemas.openxmlformats.org/officeDocument/2006/relationships" xmlns:p="http://schemas.openxmlformats.org/presentationml/2006/main" showMasterPhAnim="0">
+  <p:cSld>
+    <p:spTree>
+      <p:nvGrpSpPr>
+        <p:cNvPr id="1" name=""/>
+        <p:cNvGrpSpPr/>
+        <p:nvPr/>
+      </p:nvGrpSpPr>
+      <p:grpSpPr>
+        <a:xfrm>
+          <a:off x="0" y="0"/>
+          <a:ext cx="0" cy="0"/>
+          <a:chOff x="0" y="0"/>
+          <a:chExt cx="0" cy="0"/>
+        </a:xfrm>
+      </p:grpSpPr>
+      <p:sp>
+        <p:nvSpPr>
+          <p:cNvPr id="8" name="Footer Placeholder 2"/>
+          <p:cNvSpPr>
+            <a:spLocks noGrp="1"/>
+          </p:cNvSpPr>
+          <p:nvPr>
+            <p:ph type="ftr" sz="quarter" idx="11"/>
+          </p:nvPr>
+        </p:nvSpPr>
+        <p:spPr/>
+        <p:txBody>
+          <a:bodyPr/>
+          <a:lstStyle/>
+          <a:p>
+            <a:r>
+              <a:rPr lang="en-US"/>
+              <a:t>IVPPSS</a:t>
+            </a:r>
+          </a:p>
+        </p:txBody>
+      </p:sp>
+      <p:sp>
+        <p:nvSpPr>
+          <p:cNvPr id="9" name="Slide Number Placeholder 3"/>
+          <p:cNvSpPr>
+            <a:spLocks noGrp="1"/>
+          </p:cNvSpPr>
+          <p:nvPr>
+            <p:ph type="sldNum" sz="quarter" idx="12"/>
+          </p:nvPr>
+        </p:nvSpPr>
+        <p:spPr/>
+        <p:txBody>
+          <a:bodyPr/>
+          <a:lstStyle/>
+          <a:p>
+            <a:r>
+              <a:rPr lang="en-US"/>
+              <a:t>Slide #</a:t>
+            </a:r>
+            <a:fld id="{B3AC33BE-0D2A-4B37-8E77-4091A0CB69AD}" type="slidenum">
+              <a:rPr lang="en-US"/>
+              <a:pPr/>
+              <a:t>6</a:t>
+            </a:fld>
+            <a:endParaRPr lang="en-US"/>
+          </a:p>
+        </p:txBody>
+      </p:sp>
+      <p:sp>
+        <p:nvSpPr>
+          <p:cNvPr id="66564" name="Rectangle 4"/>
+          <p:cNvSpPr>
+            <a:spLocks noChangeArrowheads="1"/>
+          </p:cNvSpPr>
+          <p:nvPr/>
+        </p:nvSpPr>
+        <p:spPr bwMode="auto">
+          <a:xfrm>
+            <a:off x="155448" y="4419600"/>
+            <a:ext cx="990600" cy="641350"/>
+          </a:xfrm>
+          <a:prstGeom prst="rect">
+            <a:avLst/>
+          </a:prstGeom>
+          <a:noFill/>
+          <a:ln w="9525">
+            <a:noFill/>
+            <a:miter lim="800000"/>
+            <a:headEnd/>
+            <a:tailEnd/>
+          </a:ln>
+          <a:effectLst/>
+        </p:spPr>
+        <p:txBody>
+          <a:bodyPr>
+            <a:spAutoFit/>
+          </a:bodyPr>
+          <a:lstStyle/>
+          <a:p>
+            <a:r>
+              <a:rPr lang="en-US" sz="3600" b="1" dirty="0">
+                <a:solidFill>
+                  <a:schemeClr val="accent2"/>
+                </a:solidFill>
+              </a:rPr>
+              <a:t>S</a:t>
+            </a:r>
+            <a:r>
+              <a:rPr lang="en-US" sz="3600" dirty="0"/>
+              <a:t> --</a:t>
+            </a:r>
+          </a:p>
+        </p:txBody>
+      </p:sp>
+      <p:sp>
+        <p:nvSpPr>
+          <p:cNvPr id="66565" name="Rectangle 5"/>
+          <p:cNvSpPr>
+            <a:spLocks noChangeArrowheads="1"/>
+          </p:cNvSpPr>
+          <p:nvPr/>
+        </p:nvSpPr>
+        <p:spPr bwMode="auto">
+          <a:xfrm>
+            <a:off x="914400" y="4461002"/>
+            <a:ext cx="7391400" cy="641350"/>
+          </a:xfrm>
+          <a:prstGeom prst="rect">
+            <a:avLst/>
+          </a:prstGeom>
+          <a:noFill/>
+          <a:ln w="9525">
+            <a:noFill/>
+            <a:miter lim="800000"/>
+            <a:headEnd/>
+            <a:tailEnd/>
+          </a:ln>
+          <a:effectLst/>
+        </p:spPr>
+        <p:txBody>
+          <a:bodyPr>
+            <a:spAutoFit/>
+          </a:bodyPr>
+          <a:lstStyle/>
+          <a:p>
+            <a:r>
+              <a:rPr lang="en-US" sz="3600" dirty="0">
+                <a:solidFill>
+                  <a:schemeClr val="hlink"/>
+                </a:solidFill>
+              </a:rPr>
+              <a:t>215 rabbit carcasses actually examined</a:t>
+            </a:r>
+            <a:endParaRPr lang="en-US" sz="3600" dirty="0"/>
+          </a:p>
+        </p:txBody>
+      </p:sp>
+      <p:sp>
+        <p:nvSpPr>
+          <p:cNvPr id="66566" name="Rectangle 6"/>
+          <p:cNvSpPr>
+            <a:spLocks noChangeArrowheads="1"/>
+          </p:cNvSpPr>
+          <p:nvPr/>
+        </p:nvSpPr>
+        <p:spPr bwMode="auto">
+          <a:xfrm>
+            <a:off x="152400" y="5102352"/>
+            <a:ext cx="990600" cy="641350"/>
+          </a:xfrm>
+          <a:prstGeom prst="rect">
+            <a:avLst/>
+          </a:prstGeom>
+          <a:noFill/>
+          <a:ln w="9525">
+            <a:noFill/>
+            <a:miter lim="800000"/>
+            <a:headEnd/>
+            <a:tailEnd/>
+          </a:ln>
+          <a:effectLst/>
+        </p:spPr>
+        <p:txBody>
+          <a:bodyPr>
+            <a:spAutoFit/>
+          </a:bodyPr>
+          <a:lstStyle/>
+          <a:p>
+            <a:r>
+              <a:rPr lang="en-US" sz="3600" b="1" dirty="0">
+                <a:solidFill>
+                  <a:schemeClr val="accent2"/>
+                </a:solidFill>
+              </a:rPr>
+              <a:t>S</a:t>
+            </a:r>
+            <a:r>
+              <a:rPr lang="en-US" sz="3600" dirty="0"/>
+              <a:t> --</a:t>
+            </a:r>
+          </a:p>
+        </p:txBody>
+      </p:sp>
+      <p:sp>
+        <p:nvSpPr>
+          <p:cNvPr id="66567" name="Rectangle 7"/>
+          <p:cNvSpPr>
+            <a:spLocks noChangeArrowheads="1"/>
+          </p:cNvSpPr>
+          <p:nvPr/>
+        </p:nvSpPr>
+        <p:spPr bwMode="auto">
+          <a:xfrm>
+            <a:off x="914400" y="5102352"/>
+            <a:ext cx="8001000" cy="1754326"/>
+          </a:xfrm>
+          <a:prstGeom prst="rect">
+            <a:avLst/>
+          </a:prstGeom>
+          <a:noFill/>
+          <a:ln w="9525">
+            <a:noFill/>
+            <a:miter lim="800000"/>
+            <a:headEnd/>
+            <a:tailEnd/>
+          </a:ln>
+          <a:effectLst/>
+        </p:spPr>
+        <p:txBody>
+          <a:bodyPr>
+            <a:spAutoFit/>
+          </a:bodyPr>
+          <a:lstStyle/>
+          <a:p>
+            <a:r>
+              <a:rPr lang="en-US" sz="3600" dirty="0">
+                <a:solidFill>
+                  <a:schemeClr val="hlink"/>
+                </a:solidFill>
+              </a:rPr>
+              <a:t>Proportion of 215 rabbit carcasses </a:t>
+            </a:r>
+            <a:r>
+              <a:rPr lang="en-US" sz="3600" dirty="0" smtClean="0">
+                <a:solidFill>
+                  <a:schemeClr val="hlink"/>
+                </a:solidFill>
+              </a:rPr>
+              <a:t>(on …) examined  that showed </a:t>
+            </a:r>
+            <a:r>
+              <a:rPr lang="en-US" sz="3600" dirty="0">
+                <a:solidFill>
+                  <a:schemeClr val="hlink"/>
+                </a:solidFill>
+              </a:rPr>
+              <a:t>signs of </a:t>
+            </a:r>
+            <a:r>
+              <a:rPr lang="en-US" sz="3600" dirty="0" err="1">
+                <a:solidFill>
+                  <a:schemeClr val="hlink"/>
+                </a:solidFill>
+              </a:rPr>
+              <a:t>myxomatosis</a:t>
+            </a:r>
+            <a:endParaRPr lang="en-US" sz="3600" dirty="0"/>
+          </a:p>
+        </p:txBody>
+      </p:sp>
+      <p:sp>
+        <p:nvSpPr>
+          <p:cNvPr id="10" name="Rectangle 2"/>
+          <p:cNvSpPr txBox="1">
+            <a:spLocks noChangeArrowheads="1"/>
+          </p:cNvSpPr>
+          <p:nvPr/>
+        </p:nvSpPr>
+        <p:spPr bwMode="auto">
+          <a:xfrm>
+            <a:off x="0" y="0"/>
+            <a:ext cx="9144000" cy="946150"/>
+          </a:xfrm>
+          <a:prstGeom prst="rect">
+            <a:avLst/>
+          </a:prstGeom>
+          <a:noFill/>
+          <a:ln w="9525">
+            <a:noFill/>
+            <a:miter lim="800000"/>
+            <a:headEnd/>
+            <a:tailEnd/>
+          </a:ln>
+          <a:effectLst/>
+        </p:spPr>
+        <p:txBody>
+          <a:bodyPr vert="horz" wrap="square" lIns="91440" tIns="45720" rIns="91440" bIns="45720" numCol="1" anchor="ctr" anchorCtr="0" compatLnSpc="1">
+            <a:prstTxWarp prst="textNoShape">
+              <a:avLst/>
+            </a:prstTxWarp>
+          </a:bodyPr>
+          <a:lstStyle>
+            <a:lvl1pPr algn="ctr" rtl="0" eaLnBrk="0" fontAlgn="base" hangingPunct="0">
+              <a:spcBef>
+                <a:spcPct val="0"/>
+              </a:spcBef>
+              <a:spcAft>
+                <a:spcPct val="0"/>
+              </a:spcAft>
+              <a:defRPr sz="4400" b="1">
+                <a:solidFill>
+                  <a:schemeClr val="tx2"/>
+                </a:solidFill>
+                <a:latin typeface="+mj-lt"/>
+                <a:ea typeface="+mj-ea"/>
+                <a:cs typeface="+mj-cs"/>
+              </a:defRPr>
+            </a:lvl1pPr>
+            <a:lvl2pPr algn="ctr" rtl="0" eaLnBrk="0" fontAlgn="base" hangingPunct="0">
+              <a:spcBef>
+                <a:spcPct val="0"/>
+              </a:spcBef>
+              <a:spcAft>
+                <a:spcPct val="0"/>
+              </a:spcAft>
+              <a:defRPr sz="4400" b="1">
+                <a:solidFill>
+                  <a:schemeClr val="tx2"/>
+                </a:solidFill>
+                <a:latin typeface="Arial" charset="0"/>
+              </a:defRPr>
+            </a:lvl2pPr>
+            <a:lvl3pPr algn="ctr" rtl="0" eaLnBrk="0" fontAlgn="base" hangingPunct="0">
+              <a:spcBef>
+                <a:spcPct val="0"/>
+              </a:spcBef>
+              <a:spcAft>
+                <a:spcPct val="0"/>
+              </a:spcAft>
+              <a:defRPr sz="4400" b="1">
+                <a:solidFill>
+                  <a:schemeClr val="tx2"/>
+                </a:solidFill>
+                <a:latin typeface="Arial" charset="0"/>
+              </a:defRPr>
+            </a:lvl3pPr>
+            <a:lvl4pPr algn="ctr" rtl="0" eaLnBrk="0" fontAlgn="base" hangingPunct="0">
+              <a:spcBef>
+                <a:spcPct val="0"/>
+              </a:spcBef>
+              <a:spcAft>
+                <a:spcPct val="0"/>
+              </a:spcAft>
+              <a:defRPr sz="4400" b="1">
+                <a:solidFill>
+                  <a:schemeClr val="tx2"/>
+                </a:solidFill>
+                <a:latin typeface="Arial" charset="0"/>
+              </a:defRPr>
+            </a:lvl4pPr>
+            <a:lvl5pPr algn="ctr" rtl="0" eaLnBrk="0" fontAlgn="base" hangingPunct="0">
+              <a:spcBef>
+                <a:spcPct val="0"/>
+              </a:spcBef>
+              <a:spcAft>
+                <a:spcPct val="0"/>
+              </a:spcAft>
+              <a:defRPr sz="4400" b="1">
+                <a:solidFill>
+                  <a:schemeClr val="tx2"/>
+                </a:solidFill>
+                <a:latin typeface="Arial" charset="0"/>
+              </a:defRPr>
+            </a:lvl5pPr>
+            <a:lvl6pPr marL="457200" algn="ctr" rtl="0" eaLnBrk="0" fontAlgn="base" hangingPunct="0">
+              <a:spcBef>
+                <a:spcPct val="0"/>
+              </a:spcBef>
+              <a:spcAft>
+                <a:spcPct val="0"/>
+              </a:spcAft>
+              <a:defRPr sz="4400" b="1">
+                <a:solidFill>
+                  <a:schemeClr val="tx2"/>
+                </a:solidFill>
+                <a:latin typeface="Arial" charset="0"/>
+              </a:defRPr>
+            </a:lvl6pPr>
+            <a:lvl7pPr marL="914400" algn="ctr" rtl="0" eaLnBrk="0" fontAlgn="base" hangingPunct="0">
+              <a:spcBef>
+                <a:spcPct val="0"/>
+              </a:spcBef>
+              <a:spcAft>
+                <a:spcPct val="0"/>
+              </a:spcAft>
+              <a:defRPr sz="4400" b="1">
+                <a:solidFill>
+                  <a:schemeClr val="tx2"/>
+                </a:solidFill>
+                <a:latin typeface="Arial" charset="0"/>
+              </a:defRPr>
+            </a:lvl7pPr>
+            <a:lvl8pPr marL="1371600" algn="ctr" rtl="0" eaLnBrk="0" fontAlgn="base" hangingPunct="0">
+              <a:spcBef>
+                <a:spcPct val="0"/>
+              </a:spcBef>
+              <a:spcAft>
+                <a:spcPct val="0"/>
+              </a:spcAft>
+              <a:defRPr sz="4400" b="1">
+                <a:solidFill>
+                  <a:schemeClr val="tx2"/>
+                </a:solidFill>
+                <a:latin typeface="Arial" charset="0"/>
+              </a:defRPr>
+            </a:lvl8pPr>
+            <a:lvl9pPr marL="1828800" algn="ctr" rtl="0" eaLnBrk="0" fontAlgn="base" hangingPunct="0">
+              <a:spcBef>
+                <a:spcPct val="0"/>
+              </a:spcBef>
+              <a:spcAft>
+                <a:spcPct val="0"/>
+              </a:spcAft>
+              <a:defRPr sz="4400" b="1">
+                <a:solidFill>
+                  <a:schemeClr val="tx2"/>
+                </a:solidFill>
+                <a:latin typeface="Arial" charset="0"/>
+              </a:defRPr>
+            </a:lvl9pPr>
+          </a:lstStyle>
+          <a:p>
+            <a:r>
+              <a:rPr lang="en-US" kern="0" smtClean="0"/>
+              <a:t>Example IVPPSS</a:t>
+            </a:r>
+            <a:endParaRPr lang="en-US" kern="0" dirty="0"/>
+          </a:p>
+        </p:txBody>
+      </p:sp>
+      <p:sp>
+        <p:nvSpPr>
+          <p:cNvPr id="11" name="Rectangle 3"/>
+          <p:cNvSpPr txBox="1">
+            <a:spLocks noChangeArrowheads="1"/>
+          </p:cNvSpPr>
+          <p:nvPr/>
+        </p:nvSpPr>
+        <p:spPr bwMode="auto">
+          <a:xfrm>
+            <a:off x="76200" y="914400"/>
+            <a:ext cx="9067800" cy="3581400"/>
+          </a:xfrm>
+          <a:prstGeom prst="rect">
+            <a:avLst/>
+          </a:prstGeom>
+          <a:noFill/>
+          <a:ln w="9525">
+            <a:noFill/>
+            <a:miter lim="800000"/>
+            <a:headEnd/>
+            <a:tailEnd/>
+          </a:ln>
+          <a:effectLst/>
+        </p:spPr>
+        <p:txBody>
+          <a:bodyPr vert="horz" wrap="square" lIns="91440" tIns="45720" rIns="91440" bIns="45720" numCol="1" anchor="t" anchorCtr="0" compatLnSpc="1">
+            <a:prstTxWarp prst="textNoShape">
+              <a:avLst/>
+            </a:prstTxWarp>
+          </a:bodyPr>
+          <a:lstStyle>
+            <a:lvl1pPr marL="342900" indent="-342900" algn="l" rtl="0" eaLnBrk="0" fontAlgn="base" hangingPunct="0">
+              <a:spcBef>
+                <a:spcPct val="20000"/>
+              </a:spcBef>
+              <a:spcAft>
+                <a:spcPct val="0"/>
+              </a:spcAft>
+              <a:buChar char="•"/>
+              <a:defRPr sz="3200">
+                <a:solidFill>
+                  <a:schemeClr val="tx1"/>
+                </a:solidFill>
+                <a:latin typeface="+mn-lt"/>
+                <a:ea typeface="+mn-ea"/>
+                <a:cs typeface="+mn-cs"/>
+              </a:defRPr>
+            </a:lvl1pPr>
+            <a:lvl2pPr marL="742950" indent="-285750" algn="l" rtl="0" eaLnBrk="0" fontAlgn="base" hangingPunct="0">
+              <a:spcBef>
+                <a:spcPct val="20000"/>
+              </a:spcBef>
+              <a:spcAft>
+                <a:spcPct val="0"/>
+              </a:spcAft>
+              <a:buChar char="–"/>
+              <a:defRPr sz="2800">
+                <a:solidFill>
+                  <a:schemeClr val="tx1"/>
+                </a:solidFill>
+                <a:latin typeface="+mn-lt"/>
+              </a:defRPr>
+            </a:lvl2pPr>
+            <a:lvl3pPr marL="1143000" indent="-228600" algn="l" rtl="0" eaLnBrk="0" fontAlgn="base" hangingPunct="0">
+              <a:spcBef>
+                <a:spcPct val="20000"/>
+              </a:spcBef>
+              <a:spcAft>
+                <a:spcPct val="0"/>
+              </a:spcAft>
+              <a:buChar char="•"/>
+              <a:defRPr sz="2400">
+                <a:solidFill>
+                  <a:schemeClr val="tx1"/>
+                </a:solidFill>
+                <a:latin typeface="+mn-lt"/>
+              </a:defRPr>
+            </a:lvl3pPr>
+            <a:lvl4pPr marL="1600200" indent="-228600" algn="l" rtl="0" eaLnBrk="0" fontAlgn="base" hangingPunct="0">
+              <a:spcBef>
+                <a:spcPct val="20000"/>
+              </a:spcBef>
+              <a:spcAft>
+                <a:spcPct val="0"/>
+              </a:spcAft>
+              <a:buChar char="–"/>
+              <a:defRPr sz="2000">
+                <a:solidFill>
+                  <a:schemeClr val="tx1"/>
+                </a:solidFill>
+                <a:latin typeface="+mn-lt"/>
+              </a:defRPr>
+            </a:lvl4pPr>
+            <a:lvl5pPr marL="2057400" indent="-228600" algn="l" rtl="0" eaLnBrk="0" fontAlgn="base" hangingPunct="0">
+              <a:spcBef>
+                <a:spcPct val="20000"/>
+              </a:spcBef>
+              <a:spcAft>
+                <a:spcPct val="0"/>
+              </a:spcAft>
+              <a:buChar char="»"/>
+              <a:defRPr sz="2000">
+                <a:solidFill>
+                  <a:schemeClr val="tx1"/>
+                </a:solidFill>
+                <a:latin typeface="+mn-lt"/>
+              </a:defRPr>
+            </a:lvl5pPr>
+            <a:lvl6pPr marL="2514600" indent="-228600" algn="l" rtl="0" eaLnBrk="0" fontAlgn="base" hangingPunct="0">
+              <a:spcBef>
+                <a:spcPct val="20000"/>
+              </a:spcBef>
+              <a:spcAft>
+                <a:spcPct val="0"/>
+              </a:spcAft>
+              <a:buChar char="»"/>
+              <a:defRPr sz="2000">
+                <a:solidFill>
+                  <a:schemeClr val="tx1"/>
+                </a:solidFill>
+                <a:latin typeface="+mn-lt"/>
+              </a:defRPr>
+            </a:lvl6pPr>
+            <a:lvl7pPr marL="2971800" indent="-228600" algn="l" rtl="0" eaLnBrk="0" fontAlgn="base" hangingPunct="0">
+              <a:spcBef>
+                <a:spcPct val="20000"/>
+              </a:spcBef>
+              <a:spcAft>
+                <a:spcPct val="0"/>
+              </a:spcAft>
+              <a:buChar char="»"/>
+              <a:defRPr sz="2000">
+                <a:solidFill>
+                  <a:schemeClr val="tx1"/>
+                </a:solidFill>
+                <a:latin typeface="+mn-lt"/>
+              </a:defRPr>
+            </a:lvl7pPr>
+            <a:lvl8pPr marL="3429000" indent="-228600" algn="l" rtl="0" eaLnBrk="0" fontAlgn="base" hangingPunct="0">
+              <a:spcBef>
+                <a:spcPct val="20000"/>
+              </a:spcBef>
+              <a:spcAft>
+                <a:spcPct val="0"/>
+              </a:spcAft>
+              <a:buChar char="»"/>
+              <a:defRPr sz="2000">
+                <a:solidFill>
+                  <a:schemeClr val="tx1"/>
+                </a:solidFill>
+                <a:latin typeface="+mn-lt"/>
+              </a:defRPr>
+            </a:lvl8pPr>
+            <a:lvl9pPr marL="3886200" indent="-228600" algn="l" rtl="0" eaLnBrk="0" fontAlgn="base" hangingPunct="0">
+              <a:spcBef>
+                <a:spcPct val="20000"/>
+              </a:spcBef>
+              <a:spcAft>
+                <a:spcPct val="0"/>
+              </a:spcAft>
+              <a:buChar char="»"/>
+              <a:defRPr sz="2000">
+                <a:solidFill>
+                  <a:schemeClr val="tx1"/>
+                </a:solidFill>
+                <a:latin typeface="+mn-lt"/>
+              </a:defRPr>
+            </a:lvl9pPr>
+          </a:lstStyle>
+          <a:p>
+            <a:pPr marL="0" indent="0">
+              <a:buFontTx/>
+              <a:buNone/>
+            </a:pPr>
+            <a:r>
+              <a:rPr lang="en-US" kern="0" smtClean="0"/>
+              <a:t>215 rabbit (</a:t>
+            </a:r>
+            <a:r>
+              <a:rPr lang="en-US" i="1" kern="0" smtClean="0"/>
+              <a:t>Oryctolagus cuniculus</a:t>
+            </a:r>
+            <a:r>
+              <a:rPr lang="en-US" kern="0" smtClean="0"/>
+              <a:t> L.) carcasses were examined for signs of myxomatosis</a:t>
+            </a:r>
+            <a:r>
+              <a:rPr lang="en-US" kern="0" baseline="30000" smtClean="0">
+                <a:solidFill>
+                  <a:schemeClr val="accent2"/>
+                </a:solidFill>
+              </a:rPr>
+              <a:t>1</a:t>
+            </a:r>
+            <a:r>
+              <a:rPr lang="en-US" kern="0" smtClean="0"/>
+              <a:t> on Bridgets Farm (Hampshire, southern England) during a period when the density of fleas</a:t>
+            </a:r>
+            <a:r>
+              <a:rPr lang="en-US" kern="0" baseline="30000" smtClean="0">
+                <a:solidFill>
+                  <a:schemeClr val="accent2"/>
+                </a:solidFill>
+              </a:rPr>
+              <a:t>2</a:t>
+            </a:r>
+            <a:r>
+              <a:rPr lang="en-US" kern="0" smtClean="0"/>
+              <a:t> had been substantially reduced with an insecticide.  Primary interest was in the proportion of carcasses that exhibited signs of myxomatosis.</a:t>
+            </a:r>
+            <a:r>
+              <a:rPr lang="en-US" kern="0" baseline="30000" smtClean="0">
+                <a:solidFill>
+                  <a:schemeClr val="accent2"/>
+                </a:solidFill>
+              </a:rPr>
+              <a:t>3</a:t>
+            </a:r>
+            <a:endParaRPr lang="en-US" kern="0" baseline="30000" dirty="0">
+              <a:solidFill>
+                <a:schemeClr val="accent2"/>
+              </a:solidFill>
+            </a:endParaRPr>
+          </a:p>
+        </p:txBody>
+      </p:sp>
+    </p:spTree>
+    <p:extLst>
+      <p:ext uri="{BB962C8B-B14F-4D97-AF65-F5344CB8AC3E}">
+        <p14:creationId xmlns:p14="http://schemas.microsoft.com/office/powerpoint/2010/main" val="2507713401"/>
+      </p:ext>
+    </p:extLst>
+  </p:cSld>
+  <p:clrMapOvr>
+    <a:masterClrMapping/>
+  </p:clrMapOvr>
+  <p:timing>
+    <p:tnLst>
+      <p:par>
+        <p:cTn id="1" dur="indefinite" restart="never" nodeType="tmRoot">
+          <p:childTnLst>
+            <p:seq concurrent="1" nextAc="seek">
+              <p:cTn id="2" dur="indefinite" nodeType="mainSeq">
+                <p:childTnLst>
+                  <p:par>
+                    <p:cTn id="3" fill="hold">
+                      <p:stCondLst>
+                        <p:cond delay="indefinite"/>
+                      </p:stCondLst>
+                      <p:childTnLst>
+                        <p:par>
+                          <p:cTn id="4" fill="hold">
+                            <p:stCondLst>
+                              <p:cond delay="0"/>
+                            </p:stCondLst>
+                            <p:childTnLst>
+                              <p:par>
+                                <p:cTn id="5" presetID="1" presetClass="entr" presetSubtype="0" fill="hold" grpId="0" nodeType="clickEffect">
+                                  <p:stCondLst>
+                                    <p:cond delay="0"/>
+                                  </p:stCondLst>
+                                  <p:childTnLst>
+                                    <p:set>
+                                      <p:cBhvr>
+                                        <p:cTn id="6" dur="1" fill="hold">
+                                          <p:stCondLst>
+                                            <p:cond delay="0"/>
+                                          </p:stCondLst>
+                                        </p:cTn>
+                                        <p:tgtEl>
+                                          <p:spTgt spid="66565"/>
+                                        </p:tgtEl>
+                                        <p:attrNameLst>
+                                          <p:attrName>style.visibility</p:attrName>
+                                        </p:attrNameLst>
+                                      </p:cBhvr>
+                                      <p:to>
+                                        <p:strVal val="visible"/>
+                                      </p:to>
+                                    </p:set>
+                                  </p:childTnLst>
+                                </p:cTn>
+                              </p:par>
+                            </p:childTnLst>
+                          </p:cTn>
+                        </p:par>
+                      </p:childTnLst>
+                    </p:cTn>
+                  </p:par>
+                  <p:par>
+                    <p:cTn id="7" fill="hold">
+                      <p:stCondLst>
+                        <p:cond delay="indefinite"/>
+                      </p:stCondLst>
+                      <p:childTnLst>
+                        <p:par>
+                          <p:cTn id="8" fill="hold">
+                            <p:stCondLst>
+                              <p:cond delay="0"/>
+                            </p:stCondLst>
+                            <p:childTnLst>
+                              <p:par>
+                                <p:cTn id="9" presetID="1" presetClass="entr" presetSubtype="0" fill="hold" grpId="0" nodeType="clickEffect">
+                                  <p:stCondLst>
+                                    <p:cond delay="0"/>
+                                  </p:stCondLst>
+                                  <p:childTnLst>
+                                    <p:set>
+                                      <p:cBhvr>
+                                        <p:cTn id="10" dur="1" fill="hold">
+                                          <p:stCondLst>
+                                            <p:cond delay="0"/>
+                                          </p:stCondLst>
+                                        </p:cTn>
+                                        <p:tgtEl>
+                                          <p:spTgt spid="66567"/>
+                                        </p:tgtEl>
+                                        <p:attrNameLst>
+                                          <p:attrName>style.visibility</p:attrName>
+                                        </p:attrNameLst>
+                                      </p:cBhvr>
+                                      <p:to>
+                                        <p:strVal val="visible"/>
+                                      </p:to>
+                                    </p:set>
+                                  </p:childTnLst>
+                                </p:cTn>
+                              </p:par>
+                            </p:childTnLst>
+                          </p:cTn>
+                        </p:par>
+                      </p:childTnLst>
+                    </p:cTn>
+                  </p:par>
+                </p:childTnLst>
+              </p:cTn>
+              <p:prevCondLst>
+                <p:cond evt="onPrev" delay="0">
+                  <p:tgtEl>
+                    <p:sldTgt/>
+                  </p:tgtEl>
+                </p:cond>
+              </p:prevCondLst>
+              <p:nextCondLst>
+                <p:cond evt="onNext" delay="0">
+                  <p:tgtEl>
+                    <p:sldTgt/>
+                  </p:tgtEl>
+                </p:cond>
+              </p:nextCondLst>
+            </p:seq>
+          </p:childTnLst>
+        </p:cTn>
+      </p:par>
+    </p:tnLst>
+    <p:bldLst>
+      <p:bldP spid="66565" grpId="0" autoUpdateAnimBg="0"/>
+      <p:bldP spid="66567" grpId="0" autoUpdateAnimBg="0"/>
+    </p:bldLst>
+  </p:timing>
+</p:sld>
+</file>
+
+<file path=ppt/slides/slide7.xml><?xml version="1.0" encoding="utf-8"?>
 <p:sld xmlns:a="http://schemas.openxmlformats.org/drawingml/2006/main" xmlns:r="http://schemas.openxmlformats.org/officeDocument/2006/relationships" xmlns:p="http://schemas.openxmlformats.org/presentationml/2006/main">
   <p:cSld>
     <p:spTree>
@@ -5779,7 +9397,7 @@
             <a:fld id="{8E996356-BD88-4E05-85D9-213CFC9BEF2B}" type="slidenum">
               <a:rPr lang="en-US"/>
               <a:pPr/>
-              <a:t>5</a:t>
+              <a:t>7</a:t>
             </a:fld>
             <a:endParaRPr lang="en-US"/>
           </a:p>
@@ -6997,7 +10615,91 @@
 </p:sld>
 </file>
 
-<file path=ppt/slides/slide6.xml><?xml version="1.0" encoding="utf-8"?>
+<file path=ppt/slides/slide8.xml><?xml version="1.0" encoding="utf-8"?>
+<p:sld xmlns:a="http://schemas.openxmlformats.org/drawingml/2006/main" xmlns:r="http://schemas.openxmlformats.org/officeDocument/2006/relationships" xmlns:p="http://schemas.openxmlformats.org/presentationml/2006/main">
+  <p:cSld>
+    <p:spTree>
+      <p:nvGrpSpPr>
+        <p:cNvPr id="1" name=""/>
+        <p:cNvGrpSpPr/>
+        <p:nvPr/>
+      </p:nvGrpSpPr>
+      <p:grpSpPr>
+        <a:xfrm>
+          <a:off x="0" y="0"/>
+          <a:ext cx="0" cy="0"/>
+          <a:chOff x="0" y="0"/>
+          <a:chExt cx="0" cy="0"/>
+        </a:xfrm>
+      </p:grpSpPr>
+      <p:sp>
+        <p:nvSpPr>
+          <p:cNvPr id="21506" name="Rectangle 2050"/>
+          <p:cNvSpPr>
+            <a:spLocks noGrp="1" noChangeArrowheads="1"/>
+          </p:cNvSpPr>
+          <p:nvPr>
+            <p:ph type="ctrTitle"/>
+          </p:nvPr>
+        </p:nvSpPr>
+        <p:spPr/>
+        <p:txBody>
+          <a:bodyPr/>
+          <a:lstStyle/>
+          <a:p>
+            <a:r>
+              <a:rPr lang="en-US" dirty="0" smtClean="0"/>
+              <a:t>Foundations I</a:t>
+            </a:r>
+            <a:endParaRPr lang="en-US" dirty="0"/>
+          </a:p>
+        </p:txBody>
+      </p:sp>
+      <p:sp>
+        <p:nvSpPr>
+          <p:cNvPr id="3" name="Subtitle 2"/>
+          <p:cNvSpPr>
+            <a:spLocks noGrp="1"/>
+          </p:cNvSpPr>
+          <p:nvPr>
+            <p:ph type="subTitle" idx="1"/>
+          </p:nvPr>
+        </p:nvSpPr>
+        <p:spPr/>
+        <p:txBody>
+          <a:bodyPr/>
+          <a:lstStyle/>
+          <a:p>
+            <a:r>
+              <a:rPr lang="en-US" dirty="0" smtClean="0"/>
+              <a:t>Foundational Definitions</a:t>
+            </a:r>
+            <a:endParaRPr lang="en-US" dirty="0"/>
+          </a:p>
+        </p:txBody>
+      </p:sp>
+    </p:spTree>
+    <p:extLst>
+      <p:ext uri="{BB962C8B-B14F-4D97-AF65-F5344CB8AC3E}">
+        <p14:creationId xmlns:p14="http://schemas.microsoft.com/office/powerpoint/2010/main" val="1030587985"/>
+      </p:ext>
+    </p:extLst>
+  </p:cSld>
+  <p:clrMapOvr>
+    <a:masterClrMapping/>
+  </p:clrMapOvr>
+  <p:transition/>
+  <p:timing>
+    <p:tnLst>
+      <p:par>
+        <p:cTn id="1" dur="indefinite" restart="never" nodeType="tmRoot"/>
+      </p:par>
+    </p:tnLst>
+  </p:timing>
+</p:sld>
+</file>
+
+<file path=ppt/slides/slide9.xml><?xml version="1.0" encoding="utf-8"?>
 <p:sld xmlns:a="http://schemas.openxmlformats.org/drawingml/2006/main" xmlns:r="http://schemas.openxmlformats.org/officeDocument/2006/relationships" xmlns:p="http://schemas.openxmlformats.org/presentationml/2006/main" showMasterPhAnim="0">
   <p:cSld>
     <p:spTree>
@@ -7058,7 +10760,7 @@
             <a:fld id="{D1D48E10-8F06-4E69-86DC-E81E3E6D434E}" type="slidenum">
               <a:rPr lang="en-US"/>
               <a:pPr/>
-              <a:t>6</a:t>
+              <a:t>9</a:t>
             </a:fld>
             <a:endParaRPr lang="en-US"/>
           </a:p>
@@ -7104,8 +10806,8 @@
         </p:nvSpPr>
         <p:spPr>
           <a:xfrm>
-            <a:off x="152400" y="1676400"/>
-            <a:ext cx="8839200" cy="4038600"/>
+            <a:off x="152400" y="838200"/>
+            <a:ext cx="8839200" cy="5638800"/>
           </a:xfrm>
         </p:spPr>
         <p:txBody>
@@ -7127,78 +10829,17 @@
             </a:r>
             <a:r>
               <a:rPr lang="en-US" sz="2800" dirty="0"/>
-              <a:t> (</a:t>
+              <a:t> </a:t>
             </a:r>
             <a:r>
               <a:rPr lang="en-US" sz="2800" dirty="0" smtClean="0"/>
-              <a:t>Measurement / Counts / Numbers)</a:t>
+              <a:t>… m</a:t>
+            </a:r>
+            <a:r>
+              <a:rPr lang="en-US" sz="2800" dirty="0" smtClean="0"/>
+              <a:t>easurements or counts</a:t>
             </a:r>
             <a:endParaRPr lang="en-US" sz="2800" dirty="0"/>
-          </a:p>
-          <a:p>
-            <a:pPr lvl="1">
-              <a:lnSpc>
-                <a:spcPct val="90000"/>
-              </a:lnSpc>
-            </a:pPr>
-            <a:r>
-              <a:rPr lang="en-US" sz="2400" b="1" dirty="0" smtClean="0">
-                <a:solidFill>
-                  <a:schemeClr val="accent1"/>
-                </a:solidFill>
-              </a:rPr>
-              <a:t>Continuous</a:t>
-            </a:r>
-            <a:endParaRPr lang="en-US" sz="2400" dirty="0"/>
-          </a:p>
-          <a:p>
-            <a:pPr lvl="2">
-              <a:lnSpc>
-                <a:spcPct val="90000"/>
-              </a:lnSpc>
-            </a:pPr>
-            <a:r>
-              <a:rPr lang="en-US" dirty="0"/>
-              <a:t>a potential value exists between all pairs of values</a:t>
-            </a:r>
-          </a:p>
-          <a:p>
-            <a:pPr lvl="1">
-              <a:lnSpc>
-                <a:spcPct val="90000"/>
-              </a:lnSpc>
-            </a:pPr>
-            <a:r>
-              <a:rPr lang="en-US" sz="2400" b="1" dirty="0" smtClean="0">
-                <a:solidFill>
-                  <a:schemeClr val="accent1"/>
-                </a:solidFill>
-              </a:rPr>
-              <a:t>Discrete</a:t>
-            </a:r>
-            <a:endParaRPr lang="en-US" sz="2400" dirty="0"/>
-          </a:p>
-          <a:p>
-            <a:pPr lvl="2">
-              <a:lnSpc>
-                <a:spcPct val="90000"/>
-              </a:lnSpc>
-            </a:pPr>
-            <a:r>
-              <a:rPr lang="en-US" dirty="0"/>
-              <a:t>a potential value does not exist between all pairs of values</a:t>
-            </a:r>
-          </a:p>
-          <a:p>
-            <a:pPr lvl="2">
-              <a:lnSpc>
-                <a:spcPct val="90000"/>
-              </a:lnSpc>
-            </a:pPr>
-            <a:r>
-              <a:rPr lang="en-US" dirty="0"/>
-              <a:t>typically (but not always) counts of things</a:t>
-            </a:r>
           </a:p>
           <a:p>
             <a:pPr lvl="2">
@@ -7230,7 +10871,11 @@
             </a:r>
             <a:r>
               <a:rPr lang="en-US" sz="2800" dirty="0" smtClean="0"/>
-              <a:t>) .. </a:t>
+              <a:t>) </a:t>
+            </a:r>
+            <a:r>
+              <a:rPr lang="en-US" sz="2800" dirty="0" smtClean="0"/>
+              <a:t>… </a:t>
             </a:r>
             <a:r>
               <a:rPr lang="en-US" sz="2800" dirty="0"/>
@@ -7238,630 +10883,20 @@
             </a:r>
             <a:r>
               <a:rPr lang="en-US" sz="2800" dirty="0" smtClean="0"/>
-              <a:t>roup membership</a:t>
+              <a:t>roup </a:t>
+            </a:r>
+            <a:r>
+              <a:rPr lang="en-US" sz="2800" dirty="0" smtClean="0"/>
+              <a:t>membership</a:t>
             </a:r>
             <a:endParaRPr lang="en-US" sz="2800" dirty="0"/>
-          </a:p>
-          <a:p>
-            <a:pPr lvl="1">
-              <a:lnSpc>
-                <a:spcPct val="90000"/>
-              </a:lnSpc>
-            </a:pPr>
-            <a:r>
-              <a:rPr lang="en-US" sz="2400" b="1" dirty="0" smtClean="0">
-                <a:solidFill>
-                  <a:schemeClr val="accent1"/>
-                </a:solidFill>
-              </a:rPr>
-              <a:t>Ordinal</a:t>
-            </a:r>
-            <a:endParaRPr lang="en-US" sz="2400" dirty="0"/>
-          </a:p>
-          <a:p>
-            <a:pPr lvl="2">
-              <a:lnSpc>
-                <a:spcPct val="90000"/>
-              </a:lnSpc>
-            </a:pPr>
-            <a:r>
-              <a:rPr lang="en-US" dirty="0"/>
-              <a:t>a natural order exists among the categories</a:t>
-            </a:r>
-          </a:p>
-          <a:p>
-            <a:pPr lvl="1">
-              <a:lnSpc>
-                <a:spcPct val="90000"/>
-              </a:lnSpc>
-            </a:pPr>
-            <a:r>
-              <a:rPr lang="en-US" sz="2400" b="1" dirty="0" smtClean="0">
-                <a:solidFill>
-                  <a:schemeClr val="accent1"/>
-                </a:solidFill>
-              </a:rPr>
-              <a:t>Nominal</a:t>
-            </a:r>
-            <a:endParaRPr lang="en-US" sz="2400" dirty="0"/>
-          </a:p>
-          <a:p>
-            <a:pPr lvl="2">
-              <a:lnSpc>
-                <a:spcPct val="90000"/>
-              </a:lnSpc>
-            </a:pPr>
-            <a:r>
-              <a:rPr lang="en-US" dirty="0"/>
-              <a:t>no natural order exists among the </a:t>
-            </a:r>
-            <a:r>
-              <a:rPr lang="en-US" dirty="0" smtClean="0"/>
-              <a:t>categories</a:t>
-            </a:r>
-            <a:endParaRPr lang="en-US" dirty="0"/>
-          </a:p>
-        </p:txBody>
-      </p:sp>
-      <p:sp>
-        <p:nvSpPr>
-          <p:cNvPr id="6" name="Rectangle 3"/>
-          <p:cNvSpPr txBox="1">
-            <a:spLocks noChangeArrowheads="1"/>
-          </p:cNvSpPr>
-          <p:nvPr/>
-        </p:nvSpPr>
-        <p:spPr bwMode="auto">
-          <a:xfrm>
-            <a:off x="304800" y="685800"/>
-            <a:ext cx="8839200" cy="914400"/>
-          </a:xfrm>
-          <a:prstGeom prst="rect">
-            <a:avLst/>
-          </a:prstGeom>
-          <a:noFill/>
-          <a:ln w="9525">
-            <a:noFill/>
-            <a:miter lim="800000"/>
-            <a:headEnd/>
-            <a:tailEnd/>
-          </a:ln>
-          <a:effectLst/>
-        </p:spPr>
-        <p:txBody>
-          <a:bodyPr vert="horz" wrap="square" lIns="91440" tIns="45720" rIns="91440" bIns="45720" numCol="1" anchor="t" anchorCtr="0" compatLnSpc="1">
-            <a:prstTxWarp prst="textNoShape">
-              <a:avLst/>
-            </a:prstTxWarp>
-          </a:bodyPr>
-          <a:lstStyle>
-            <a:lvl1pPr marL="342900" indent="-342900" algn="l" rtl="0" eaLnBrk="0" fontAlgn="base" hangingPunct="0">
-              <a:spcBef>
-                <a:spcPct val="20000"/>
-              </a:spcBef>
-              <a:spcAft>
-                <a:spcPct val="0"/>
-              </a:spcAft>
-              <a:buChar char="•"/>
-              <a:defRPr sz="3200">
-                <a:solidFill>
-                  <a:schemeClr val="tx1"/>
-                </a:solidFill>
-                <a:latin typeface="+mn-lt"/>
-                <a:ea typeface="+mn-ea"/>
-                <a:cs typeface="+mn-cs"/>
-              </a:defRPr>
-            </a:lvl1pPr>
-            <a:lvl2pPr marL="742950" indent="-285750" algn="l" rtl="0" eaLnBrk="0" fontAlgn="base" hangingPunct="0">
-              <a:spcBef>
-                <a:spcPct val="20000"/>
-              </a:spcBef>
-              <a:spcAft>
-                <a:spcPct val="0"/>
-              </a:spcAft>
-              <a:buChar char="–"/>
-              <a:defRPr sz="2800">
-                <a:solidFill>
-                  <a:schemeClr val="tx1"/>
-                </a:solidFill>
-                <a:latin typeface="+mn-lt"/>
-              </a:defRPr>
-            </a:lvl2pPr>
-            <a:lvl3pPr marL="1143000" indent="-228600" algn="l" rtl="0" eaLnBrk="0" fontAlgn="base" hangingPunct="0">
-              <a:spcBef>
-                <a:spcPct val="20000"/>
-              </a:spcBef>
-              <a:spcAft>
-                <a:spcPct val="0"/>
-              </a:spcAft>
-              <a:buChar char="•"/>
-              <a:defRPr sz="2400">
-                <a:solidFill>
-                  <a:schemeClr val="tx1"/>
-                </a:solidFill>
-                <a:latin typeface="+mn-lt"/>
-              </a:defRPr>
-            </a:lvl3pPr>
-            <a:lvl4pPr marL="1600200" indent="-228600" algn="l" rtl="0" eaLnBrk="0" fontAlgn="base" hangingPunct="0">
-              <a:spcBef>
-                <a:spcPct val="20000"/>
-              </a:spcBef>
-              <a:spcAft>
-                <a:spcPct val="0"/>
-              </a:spcAft>
-              <a:buChar char="–"/>
-              <a:defRPr sz="2000">
-                <a:solidFill>
-                  <a:schemeClr val="tx1"/>
-                </a:solidFill>
-                <a:latin typeface="+mn-lt"/>
-              </a:defRPr>
-            </a:lvl4pPr>
-            <a:lvl5pPr marL="2057400" indent="-228600" algn="l" rtl="0" eaLnBrk="0" fontAlgn="base" hangingPunct="0">
-              <a:spcBef>
-                <a:spcPct val="20000"/>
-              </a:spcBef>
-              <a:spcAft>
-                <a:spcPct val="0"/>
-              </a:spcAft>
-              <a:buChar char="»"/>
-              <a:defRPr sz="2000">
-                <a:solidFill>
-                  <a:schemeClr val="tx1"/>
-                </a:solidFill>
-                <a:latin typeface="+mn-lt"/>
-              </a:defRPr>
-            </a:lvl5pPr>
-            <a:lvl6pPr marL="2514600" indent="-228600" algn="l" rtl="0" eaLnBrk="0" fontAlgn="base" hangingPunct="0">
-              <a:spcBef>
-                <a:spcPct val="20000"/>
-              </a:spcBef>
-              <a:spcAft>
-                <a:spcPct val="0"/>
-              </a:spcAft>
-              <a:buChar char="»"/>
-              <a:defRPr sz="2000">
-                <a:solidFill>
-                  <a:schemeClr val="tx1"/>
-                </a:solidFill>
-                <a:latin typeface="+mn-lt"/>
-              </a:defRPr>
-            </a:lvl6pPr>
-            <a:lvl7pPr marL="2971800" indent="-228600" algn="l" rtl="0" eaLnBrk="0" fontAlgn="base" hangingPunct="0">
-              <a:spcBef>
-                <a:spcPct val="20000"/>
-              </a:spcBef>
-              <a:spcAft>
-                <a:spcPct val="0"/>
-              </a:spcAft>
-              <a:buChar char="»"/>
-              <a:defRPr sz="2000">
-                <a:solidFill>
-                  <a:schemeClr val="tx1"/>
-                </a:solidFill>
-                <a:latin typeface="+mn-lt"/>
-              </a:defRPr>
-            </a:lvl7pPr>
-            <a:lvl8pPr marL="3429000" indent="-228600" algn="l" rtl="0" eaLnBrk="0" fontAlgn="base" hangingPunct="0">
-              <a:spcBef>
-                <a:spcPct val="20000"/>
-              </a:spcBef>
-              <a:spcAft>
-                <a:spcPct val="0"/>
-              </a:spcAft>
-              <a:buChar char="»"/>
-              <a:defRPr sz="2000">
-                <a:solidFill>
-                  <a:schemeClr val="tx1"/>
-                </a:solidFill>
-                <a:latin typeface="+mn-lt"/>
-              </a:defRPr>
-            </a:lvl8pPr>
-            <a:lvl9pPr marL="3886200" indent="-228600" algn="l" rtl="0" eaLnBrk="0" fontAlgn="base" hangingPunct="0">
-              <a:spcBef>
-                <a:spcPct val="20000"/>
-              </a:spcBef>
-              <a:spcAft>
-                <a:spcPct val="0"/>
-              </a:spcAft>
-              <a:buChar char="»"/>
-              <a:defRPr sz="2000">
-                <a:solidFill>
-                  <a:schemeClr val="tx1"/>
-                </a:solidFill>
-                <a:latin typeface="+mn-lt"/>
-              </a:defRPr>
-            </a:lvl9pPr>
-          </a:lstStyle>
-          <a:p>
-            <a:pPr marL="0" indent="0">
-              <a:lnSpc>
-                <a:spcPct val="90000"/>
-              </a:lnSpc>
-              <a:buNone/>
-            </a:pPr>
-            <a:r>
-              <a:rPr lang="en-US" i="1" kern="0" dirty="0" smtClean="0"/>
-              <a:t>What are the two main types of variables (i.e., first level of splitting)?  How do they differ?</a:t>
-            </a:r>
-            <a:endParaRPr lang="en-US" i="1" kern="0" dirty="0"/>
-          </a:p>
-        </p:txBody>
-      </p:sp>
-      <p:sp>
-        <p:nvSpPr>
-          <p:cNvPr id="7" name="Rectangle 3"/>
-          <p:cNvSpPr txBox="1">
-            <a:spLocks noChangeArrowheads="1"/>
-          </p:cNvSpPr>
-          <p:nvPr/>
-        </p:nvSpPr>
-        <p:spPr bwMode="auto">
-          <a:xfrm>
-            <a:off x="304800" y="685800"/>
-            <a:ext cx="8839200" cy="914400"/>
-          </a:xfrm>
-          <a:prstGeom prst="rect">
-            <a:avLst/>
-          </a:prstGeom>
-          <a:noFill/>
-          <a:ln w="9525">
-            <a:noFill/>
-            <a:miter lim="800000"/>
-            <a:headEnd/>
-            <a:tailEnd/>
-          </a:ln>
-          <a:effectLst/>
-        </p:spPr>
-        <p:txBody>
-          <a:bodyPr vert="horz" wrap="square" lIns="91440" tIns="45720" rIns="91440" bIns="45720" numCol="1" anchor="t" anchorCtr="0" compatLnSpc="1">
-            <a:prstTxWarp prst="textNoShape">
-              <a:avLst/>
-            </a:prstTxWarp>
-          </a:bodyPr>
-          <a:lstStyle>
-            <a:lvl1pPr marL="342900" indent="-342900" algn="l" rtl="0" eaLnBrk="0" fontAlgn="base" hangingPunct="0">
-              <a:spcBef>
-                <a:spcPct val="20000"/>
-              </a:spcBef>
-              <a:spcAft>
-                <a:spcPct val="0"/>
-              </a:spcAft>
-              <a:buChar char="•"/>
-              <a:defRPr sz="3200">
-                <a:solidFill>
-                  <a:schemeClr val="tx1"/>
-                </a:solidFill>
-                <a:latin typeface="+mn-lt"/>
-                <a:ea typeface="+mn-ea"/>
-                <a:cs typeface="+mn-cs"/>
-              </a:defRPr>
-            </a:lvl1pPr>
-            <a:lvl2pPr marL="742950" indent="-285750" algn="l" rtl="0" eaLnBrk="0" fontAlgn="base" hangingPunct="0">
-              <a:spcBef>
-                <a:spcPct val="20000"/>
-              </a:spcBef>
-              <a:spcAft>
-                <a:spcPct val="0"/>
-              </a:spcAft>
-              <a:buChar char="–"/>
-              <a:defRPr sz="2800">
-                <a:solidFill>
-                  <a:schemeClr val="tx1"/>
-                </a:solidFill>
-                <a:latin typeface="+mn-lt"/>
-              </a:defRPr>
-            </a:lvl2pPr>
-            <a:lvl3pPr marL="1143000" indent="-228600" algn="l" rtl="0" eaLnBrk="0" fontAlgn="base" hangingPunct="0">
-              <a:spcBef>
-                <a:spcPct val="20000"/>
-              </a:spcBef>
-              <a:spcAft>
-                <a:spcPct val="0"/>
-              </a:spcAft>
-              <a:buChar char="•"/>
-              <a:defRPr sz="2400">
-                <a:solidFill>
-                  <a:schemeClr val="tx1"/>
-                </a:solidFill>
-                <a:latin typeface="+mn-lt"/>
-              </a:defRPr>
-            </a:lvl3pPr>
-            <a:lvl4pPr marL="1600200" indent="-228600" algn="l" rtl="0" eaLnBrk="0" fontAlgn="base" hangingPunct="0">
-              <a:spcBef>
-                <a:spcPct val="20000"/>
-              </a:spcBef>
-              <a:spcAft>
-                <a:spcPct val="0"/>
-              </a:spcAft>
-              <a:buChar char="–"/>
-              <a:defRPr sz="2000">
-                <a:solidFill>
-                  <a:schemeClr val="tx1"/>
-                </a:solidFill>
-                <a:latin typeface="+mn-lt"/>
-              </a:defRPr>
-            </a:lvl4pPr>
-            <a:lvl5pPr marL="2057400" indent="-228600" algn="l" rtl="0" eaLnBrk="0" fontAlgn="base" hangingPunct="0">
-              <a:spcBef>
-                <a:spcPct val="20000"/>
-              </a:spcBef>
-              <a:spcAft>
-                <a:spcPct val="0"/>
-              </a:spcAft>
-              <a:buChar char="»"/>
-              <a:defRPr sz="2000">
-                <a:solidFill>
-                  <a:schemeClr val="tx1"/>
-                </a:solidFill>
-                <a:latin typeface="+mn-lt"/>
-              </a:defRPr>
-            </a:lvl5pPr>
-            <a:lvl6pPr marL="2514600" indent="-228600" algn="l" rtl="0" eaLnBrk="0" fontAlgn="base" hangingPunct="0">
-              <a:spcBef>
-                <a:spcPct val="20000"/>
-              </a:spcBef>
-              <a:spcAft>
-                <a:spcPct val="0"/>
-              </a:spcAft>
-              <a:buChar char="»"/>
-              <a:defRPr sz="2000">
-                <a:solidFill>
-                  <a:schemeClr val="tx1"/>
-                </a:solidFill>
-                <a:latin typeface="+mn-lt"/>
-              </a:defRPr>
-            </a:lvl6pPr>
-            <a:lvl7pPr marL="2971800" indent="-228600" algn="l" rtl="0" eaLnBrk="0" fontAlgn="base" hangingPunct="0">
-              <a:spcBef>
-                <a:spcPct val="20000"/>
-              </a:spcBef>
-              <a:spcAft>
-                <a:spcPct val="0"/>
-              </a:spcAft>
-              <a:buChar char="»"/>
-              <a:defRPr sz="2000">
-                <a:solidFill>
-                  <a:schemeClr val="tx1"/>
-                </a:solidFill>
-                <a:latin typeface="+mn-lt"/>
-              </a:defRPr>
-            </a:lvl7pPr>
-            <a:lvl8pPr marL="3429000" indent="-228600" algn="l" rtl="0" eaLnBrk="0" fontAlgn="base" hangingPunct="0">
-              <a:spcBef>
-                <a:spcPct val="20000"/>
-              </a:spcBef>
-              <a:spcAft>
-                <a:spcPct val="0"/>
-              </a:spcAft>
-              <a:buChar char="»"/>
-              <a:defRPr sz="2000">
-                <a:solidFill>
-                  <a:schemeClr val="tx1"/>
-                </a:solidFill>
-                <a:latin typeface="+mn-lt"/>
-              </a:defRPr>
-            </a:lvl8pPr>
-            <a:lvl9pPr marL="3886200" indent="-228600" algn="l" rtl="0" eaLnBrk="0" fontAlgn="base" hangingPunct="0">
-              <a:spcBef>
-                <a:spcPct val="20000"/>
-              </a:spcBef>
-              <a:spcAft>
-                <a:spcPct val="0"/>
-              </a:spcAft>
-              <a:buChar char="»"/>
-              <a:defRPr sz="2000">
-                <a:solidFill>
-                  <a:schemeClr val="tx1"/>
-                </a:solidFill>
-                <a:latin typeface="+mn-lt"/>
-              </a:defRPr>
-            </a:lvl9pPr>
-          </a:lstStyle>
-          <a:p>
-            <a:pPr marL="0" indent="0">
-              <a:lnSpc>
-                <a:spcPct val="90000"/>
-              </a:lnSpc>
-              <a:buNone/>
-            </a:pPr>
-            <a:r>
-              <a:rPr lang="en-US" i="1" kern="0" dirty="0" smtClean="0"/>
-              <a:t>What are the two main types of quantitative variables?  How do they differ?</a:t>
-            </a:r>
-            <a:endParaRPr lang="en-US" i="1" kern="0" dirty="0"/>
-          </a:p>
-        </p:txBody>
-      </p:sp>
-      <p:sp>
-        <p:nvSpPr>
-          <p:cNvPr id="8" name="Rectangle 3"/>
-          <p:cNvSpPr txBox="1">
-            <a:spLocks noChangeArrowheads="1"/>
-          </p:cNvSpPr>
-          <p:nvPr/>
-        </p:nvSpPr>
-        <p:spPr bwMode="auto">
-          <a:xfrm>
-            <a:off x="304800" y="685800"/>
-            <a:ext cx="8839200" cy="914400"/>
-          </a:xfrm>
-          <a:prstGeom prst="rect">
-            <a:avLst/>
-          </a:prstGeom>
-          <a:noFill/>
-          <a:ln w="9525">
-            <a:noFill/>
-            <a:miter lim="800000"/>
-            <a:headEnd/>
-            <a:tailEnd/>
-          </a:ln>
-          <a:effectLst/>
-        </p:spPr>
-        <p:txBody>
-          <a:bodyPr vert="horz" wrap="square" lIns="91440" tIns="45720" rIns="91440" bIns="45720" numCol="1" anchor="t" anchorCtr="0" compatLnSpc="1">
-            <a:prstTxWarp prst="textNoShape">
-              <a:avLst/>
-            </a:prstTxWarp>
-          </a:bodyPr>
-          <a:lstStyle>
-            <a:lvl1pPr marL="342900" indent="-342900" algn="l" rtl="0" eaLnBrk="0" fontAlgn="base" hangingPunct="0">
-              <a:spcBef>
-                <a:spcPct val="20000"/>
-              </a:spcBef>
-              <a:spcAft>
-                <a:spcPct val="0"/>
-              </a:spcAft>
-              <a:buChar char="•"/>
-              <a:defRPr sz="3200">
-                <a:solidFill>
-                  <a:schemeClr val="tx1"/>
-                </a:solidFill>
-                <a:latin typeface="+mn-lt"/>
-                <a:ea typeface="+mn-ea"/>
-                <a:cs typeface="+mn-cs"/>
-              </a:defRPr>
-            </a:lvl1pPr>
-            <a:lvl2pPr marL="742950" indent="-285750" algn="l" rtl="0" eaLnBrk="0" fontAlgn="base" hangingPunct="0">
-              <a:spcBef>
-                <a:spcPct val="20000"/>
-              </a:spcBef>
-              <a:spcAft>
-                <a:spcPct val="0"/>
-              </a:spcAft>
-              <a:buChar char="–"/>
-              <a:defRPr sz="2800">
-                <a:solidFill>
-                  <a:schemeClr val="tx1"/>
-                </a:solidFill>
-                <a:latin typeface="+mn-lt"/>
-              </a:defRPr>
-            </a:lvl2pPr>
-            <a:lvl3pPr marL="1143000" indent="-228600" algn="l" rtl="0" eaLnBrk="0" fontAlgn="base" hangingPunct="0">
-              <a:spcBef>
-                <a:spcPct val="20000"/>
-              </a:spcBef>
-              <a:spcAft>
-                <a:spcPct val="0"/>
-              </a:spcAft>
-              <a:buChar char="•"/>
-              <a:defRPr sz="2400">
-                <a:solidFill>
-                  <a:schemeClr val="tx1"/>
-                </a:solidFill>
-                <a:latin typeface="+mn-lt"/>
-              </a:defRPr>
-            </a:lvl3pPr>
-            <a:lvl4pPr marL="1600200" indent="-228600" algn="l" rtl="0" eaLnBrk="0" fontAlgn="base" hangingPunct="0">
-              <a:spcBef>
-                <a:spcPct val="20000"/>
-              </a:spcBef>
-              <a:spcAft>
-                <a:spcPct val="0"/>
-              </a:spcAft>
-              <a:buChar char="–"/>
-              <a:defRPr sz="2000">
-                <a:solidFill>
-                  <a:schemeClr val="tx1"/>
-                </a:solidFill>
-                <a:latin typeface="+mn-lt"/>
-              </a:defRPr>
-            </a:lvl4pPr>
-            <a:lvl5pPr marL="2057400" indent="-228600" algn="l" rtl="0" eaLnBrk="0" fontAlgn="base" hangingPunct="0">
-              <a:spcBef>
-                <a:spcPct val="20000"/>
-              </a:spcBef>
-              <a:spcAft>
-                <a:spcPct val="0"/>
-              </a:spcAft>
-              <a:buChar char="»"/>
-              <a:defRPr sz="2000">
-                <a:solidFill>
-                  <a:schemeClr val="tx1"/>
-                </a:solidFill>
-                <a:latin typeface="+mn-lt"/>
-              </a:defRPr>
-            </a:lvl5pPr>
-            <a:lvl6pPr marL="2514600" indent="-228600" algn="l" rtl="0" eaLnBrk="0" fontAlgn="base" hangingPunct="0">
-              <a:spcBef>
-                <a:spcPct val="20000"/>
-              </a:spcBef>
-              <a:spcAft>
-                <a:spcPct val="0"/>
-              </a:spcAft>
-              <a:buChar char="»"/>
-              <a:defRPr sz="2000">
-                <a:solidFill>
-                  <a:schemeClr val="tx1"/>
-                </a:solidFill>
-                <a:latin typeface="+mn-lt"/>
-              </a:defRPr>
-            </a:lvl6pPr>
-            <a:lvl7pPr marL="2971800" indent="-228600" algn="l" rtl="0" eaLnBrk="0" fontAlgn="base" hangingPunct="0">
-              <a:spcBef>
-                <a:spcPct val="20000"/>
-              </a:spcBef>
-              <a:spcAft>
-                <a:spcPct val="0"/>
-              </a:spcAft>
-              <a:buChar char="»"/>
-              <a:defRPr sz="2000">
-                <a:solidFill>
-                  <a:schemeClr val="tx1"/>
-                </a:solidFill>
-                <a:latin typeface="+mn-lt"/>
-              </a:defRPr>
-            </a:lvl7pPr>
-            <a:lvl8pPr marL="3429000" indent="-228600" algn="l" rtl="0" eaLnBrk="0" fontAlgn="base" hangingPunct="0">
-              <a:spcBef>
-                <a:spcPct val="20000"/>
-              </a:spcBef>
-              <a:spcAft>
-                <a:spcPct val="0"/>
-              </a:spcAft>
-              <a:buChar char="»"/>
-              <a:defRPr sz="2000">
-                <a:solidFill>
-                  <a:schemeClr val="tx1"/>
-                </a:solidFill>
-                <a:latin typeface="+mn-lt"/>
-              </a:defRPr>
-            </a:lvl8pPr>
-            <a:lvl9pPr marL="3886200" indent="-228600" algn="l" rtl="0" eaLnBrk="0" fontAlgn="base" hangingPunct="0">
-              <a:spcBef>
-                <a:spcPct val="20000"/>
-              </a:spcBef>
-              <a:spcAft>
-                <a:spcPct val="0"/>
-              </a:spcAft>
-              <a:buChar char="»"/>
-              <a:defRPr sz="2000">
-                <a:solidFill>
-                  <a:schemeClr val="tx1"/>
-                </a:solidFill>
-                <a:latin typeface="+mn-lt"/>
-              </a:defRPr>
-            </a:lvl9pPr>
-          </a:lstStyle>
-          <a:p>
-            <a:pPr marL="0" indent="0">
-              <a:lnSpc>
-                <a:spcPct val="90000"/>
-              </a:lnSpc>
-              <a:buNone/>
-            </a:pPr>
-            <a:r>
-              <a:rPr lang="en-US" i="1" kern="0" dirty="0" smtClean="0"/>
-              <a:t>What are the two main types of categorical variables?  How do they differ?</a:t>
-            </a:r>
-            <a:endParaRPr lang="en-US" i="1" kern="0" dirty="0"/>
           </a:p>
         </p:txBody>
       </p:sp>
     </p:spTree>
     <p:extLst>
       <p:ext uri="{BB962C8B-B14F-4D97-AF65-F5344CB8AC3E}">
-        <p14:creationId xmlns:p14="http://schemas.microsoft.com/office/powerpoint/2010/main" val="4097060047"/>
+        <p14:creationId xmlns:p14="http://schemas.microsoft.com/office/powerpoint/2010/main" val="288268084"/>
       </p:ext>
     </p:extLst>
   </p:cSld>
@@ -7944,548 +10979,7 @@
                                         <p:tgtEl>
                                           <p:spTgt spid="36867">
                                             <p:txEl>
-                                              <p:pRg st="7" end="7"/>
-                                            </p:txEl>
-                                          </p:spTgt>
-                                        </p:tgtEl>
-                                        <p:attrNameLst>
-                                          <p:attrName>style.visibility</p:attrName>
-                                        </p:attrNameLst>
-                                      </p:cBhvr>
-                                      <p:to>
-                                        <p:strVal val="visible"/>
-                                      </p:to>
-                                    </p:set>
-                                  </p:childTnLst>
-                                </p:cTn>
-                              </p:par>
-                            </p:childTnLst>
-                          </p:cTn>
-                        </p:par>
-                      </p:childTnLst>
-                    </p:cTn>
-                  </p:par>
-                  <p:par>
-                    <p:cTn id="10" fill="hold">
-                      <p:stCondLst>
-                        <p:cond delay="indefinite"/>
-                      </p:stCondLst>
-                      <p:childTnLst>
-                        <p:par>
-                          <p:cTn id="11" fill="hold">
-                            <p:stCondLst>
-                              <p:cond delay="0"/>
-                            </p:stCondLst>
-                            <p:childTnLst>
-                              <p:par>
-                                <p:cTn id="12" presetID="10" presetClass="exit" presetSubtype="0" fill="hold" grpId="1" nodeType="clickEffect">
-                                  <p:stCondLst>
-                                    <p:cond delay="0"/>
-                                  </p:stCondLst>
-                                  <p:childTnLst>
-                                    <p:animEffect transition="out" filter="fade">
-                                      <p:cBhvr>
-                                        <p:cTn id="13" dur="500"/>
-                                        <p:tgtEl>
-                                          <p:spTgt spid="6">
-                                            <p:txEl>
-                                              <p:pRg st="0" end="0"/>
-                                            </p:txEl>
-                                          </p:spTgt>
-                                        </p:tgtEl>
-                                      </p:cBhvr>
-                                    </p:animEffect>
-                                    <p:set>
-                                      <p:cBhvr>
-                                        <p:cTn id="14" dur="1" fill="hold">
-                                          <p:stCondLst>
-                                            <p:cond delay="499"/>
-                                          </p:stCondLst>
-                                        </p:cTn>
-                                        <p:tgtEl>
-                                          <p:spTgt spid="6">
-                                            <p:txEl>
-                                              <p:pRg st="0" end="0"/>
-                                            </p:txEl>
-                                          </p:spTgt>
-                                        </p:tgtEl>
-                                        <p:attrNameLst>
-                                          <p:attrName>style.visibility</p:attrName>
-                                        </p:attrNameLst>
-                                      </p:cBhvr>
-                                      <p:to>
-                                        <p:strVal val="hidden"/>
-                                      </p:to>
-                                    </p:set>
-                                  </p:childTnLst>
-                                </p:cTn>
-                              </p:par>
-                              <p:par>
-                                <p:cTn id="15" presetID="10" presetClass="entr" presetSubtype="0" fill="hold" grpId="0" nodeType="withEffect">
-                                  <p:stCondLst>
-                                    <p:cond delay="0"/>
-                                  </p:stCondLst>
-                                  <p:childTnLst>
-                                    <p:set>
-                                      <p:cBhvr>
-                                        <p:cTn id="16" dur="1" fill="hold">
-                                          <p:stCondLst>
-                                            <p:cond delay="0"/>
-                                          </p:stCondLst>
-                                        </p:cTn>
-                                        <p:tgtEl>
-                                          <p:spTgt spid="7">
-                                            <p:txEl>
-                                              <p:pRg st="0" end="0"/>
-                                            </p:txEl>
-                                          </p:spTgt>
-                                        </p:tgtEl>
-                                        <p:attrNameLst>
-                                          <p:attrName>style.visibility</p:attrName>
-                                        </p:attrNameLst>
-                                      </p:cBhvr>
-                                      <p:to>
-                                        <p:strVal val="visible"/>
-                                      </p:to>
-                                    </p:set>
-                                    <p:animEffect transition="in" filter="fade">
-                                      <p:cBhvr>
-                                        <p:cTn id="17" dur="500"/>
-                                        <p:tgtEl>
-                                          <p:spTgt spid="7">
-                                            <p:txEl>
-                                              <p:pRg st="0" end="0"/>
-                                            </p:txEl>
-                                          </p:spTgt>
-                                        </p:tgtEl>
-                                      </p:cBhvr>
-                                    </p:animEffect>
-                                  </p:childTnLst>
-                                </p:cTn>
-                              </p:par>
-                            </p:childTnLst>
-                          </p:cTn>
-                        </p:par>
-                      </p:childTnLst>
-                    </p:cTn>
-                  </p:par>
-                  <p:par>
-                    <p:cTn id="18" fill="hold">
-                      <p:stCondLst>
-                        <p:cond delay="indefinite"/>
-                      </p:stCondLst>
-                      <p:childTnLst>
-                        <p:par>
-                          <p:cTn id="19" fill="hold">
-                            <p:stCondLst>
-                              <p:cond delay="0"/>
-                            </p:stCondLst>
-                            <p:childTnLst>
-                              <p:par>
-                                <p:cTn id="20" presetID="1" presetClass="entr" presetSubtype="0" fill="hold" grpId="0" nodeType="clickEffect">
-                                  <p:stCondLst>
-                                    <p:cond delay="0"/>
-                                  </p:stCondLst>
-                                  <p:childTnLst>
-                                    <p:set>
-                                      <p:cBhvr>
-                                        <p:cTn id="21" dur="1" fill="hold">
-                                          <p:stCondLst>
-                                            <p:cond delay="0"/>
-                                          </p:stCondLst>
-                                        </p:cTn>
-                                        <p:tgtEl>
-                                          <p:spTgt spid="36867">
-                                            <p:txEl>
-                                              <p:pRg st="1" end="1"/>
-                                            </p:txEl>
-                                          </p:spTgt>
-                                        </p:tgtEl>
-                                        <p:attrNameLst>
-                                          <p:attrName>style.visibility</p:attrName>
-                                        </p:attrNameLst>
-                                      </p:cBhvr>
-                                      <p:to>
-                                        <p:strVal val="visible"/>
-                                      </p:to>
-                                    </p:set>
-                                  </p:childTnLst>
-                                </p:cTn>
-                              </p:par>
-                              <p:par>
-                                <p:cTn id="22" presetID="1" presetClass="entr" presetSubtype="0" fill="hold" grpId="0" nodeType="withEffect">
-                                  <p:stCondLst>
-                                    <p:cond delay="0"/>
-                                  </p:stCondLst>
-                                  <p:childTnLst>
-                                    <p:set>
-                                      <p:cBhvr>
-                                        <p:cTn id="23" dur="1" fill="hold">
-                                          <p:stCondLst>
-                                            <p:cond delay="0"/>
-                                          </p:stCondLst>
-                                        </p:cTn>
-                                        <p:tgtEl>
-                                          <p:spTgt spid="36867">
-                                            <p:txEl>
                                               <p:pRg st="2" end="2"/>
-                                            </p:txEl>
-                                          </p:spTgt>
-                                        </p:tgtEl>
-                                        <p:attrNameLst>
-                                          <p:attrName>style.visibility</p:attrName>
-                                        </p:attrNameLst>
-                                      </p:cBhvr>
-                                      <p:to>
-                                        <p:strVal val="visible"/>
-                                      </p:to>
-                                    </p:set>
-                                  </p:childTnLst>
-                                </p:cTn>
-                              </p:par>
-                            </p:childTnLst>
-                          </p:cTn>
-                        </p:par>
-                        <p:par>
-                          <p:cTn id="24" fill="hold">
-                            <p:stCondLst>
-                              <p:cond delay="0"/>
-                            </p:stCondLst>
-                            <p:childTnLst>
-                              <p:par>
-                                <p:cTn id="25" presetID="1" presetClass="entr" presetSubtype="0" fill="hold" grpId="0" nodeType="afterEffect">
-                                  <p:stCondLst>
-                                    <p:cond delay="0"/>
-                                  </p:stCondLst>
-                                  <p:childTnLst>
-                                    <p:set>
-                                      <p:cBhvr>
-                                        <p:cTn id="26" dur="1" fill="hold">
-                                          <p:stCondLst>
-                                            <p:cond delay="0"/>
-                                          </p:stCondLst>
-                                        </p:cTn>
-                                        <p:tgtEl>
-                                          <p:spTgt spid="36867">
-                                            <p:txEl>
-                                              <p:pRg st="3" end="3"/>
-                                            </p:txEl>
-                                          </p:spTgt>
-                                        </p:tgtEl>
-                                        <p:attrNameLst>
-                                          <p:attrName>style.visibility</p:attrName>
-                                        </p:attrNameLst>
-                                      </p:cBhvr>
-                                      <p:to>
-                                        <p:strVal val="visible"/>
-                                      </p:to>
-                                    </p:set>
-                                  </p:childTnLst>
-                                </p:cTn>
-                              </p:par>
-                              <p:par>
-                                <p:cTn id="27" presetID="1" presetClass="entr" presetSubtype="0" fill="hold" grpId="0" nodeType="withEffect">
-                                  <p:stCondLst>
-                                    <p:cond delay="0"/>
-                                  </p:stCondLst>
-                                  <p:childTnLst>
-                                    <p:set>
-                                      <p:cBhvr>
-                                        <p:cTn id="28" dur="1" fill="hold">
-                                          <p:stCondLst>
-                                            <p:cond delay="0"/>
-                                          </p:stCondLst>
-                                        </p:cTn>
-                                        <p:tgtEl>
-                                          <p:spTgt spid="36867">
-                                            <p:txEl>
-                                              <p:pRg st="4" end="4"/>
-                                            </p:txEl>
-                                          </p:spTgt>
-                                        </p:tgtEl>
-                                        <p:attrNameLst>
-                                          <p:attrName>style.visibility</p:attrName>
-                                        </p:attrNameLst>
-                                      </p:cBhvr>
-                                      <p:to>
-                                        <p:strVal val="visible"/>
-                                      </p:to>
-                                    </p:set>
-                                  </p:childTnLst>
-                                </p:cTn>
-                              </p:par>
-                              <p:par>
-                                <p:cTn id="29" presetID="1" presetClass="entr" presetSubtype="0" fill="hold" grpId="0" nodeType="withEffect">
-                                  <p:stCondLst>
-                                    <p:cond delay="0"/>
-                                  </p:stCondLst>
-                                  <p:childTnLst>
-                                    <p:set>
-                                      <p:cBhvr>
-                                        <p:cTn id="30" dur="1" fill="hold">
-                                          <p:stCondLst>
-                                            <p:cond delay="0"/>
-                                          </p:stCondLst>
-                                        </p:cTn>
-                                        <p:tgtEl>
-                                          <p:spTgt spid="36867">
-                                            <p:txEl>
-                                              <p:pRg st="5" end="5"/>
-                                            </p:txEl>
-                                          </p:spTgt>
-                                        </p:tgtEl>
-                                        <p:attrNameLst>
-                                          <p:attrName>style.visibility</p:attrName>
-                                        </p:attrNameLst>
-                                      </p:cBhvr>
-                                      <p:to>
-                                        <p:strVal val="visible"/>
-                                      </p:to>
-                                    </p:set>
-                                  </p:childTnLst>
-                                </p:cTn>
-                              </p:par>
-                            </p:childTnLst>
-                          </p:cTn>
-                        </p:par>
-                      </p:childTnLst>
-                    </p:cTn>
-                  </p:par>
-                  <p:par>
-                    <p:cTn id="31" fill="hold">
-                      <p:stCondLst>
-                        <p:cond delay="indefinite"/>
-                      </p:stCondLst>
-                      <p:childTnLst>
-                        <p:par>
-                          <p:cTn id="32" fill="hold">
-                            <p:stCondLst>
-                              <p:cond delay="0"/>
-                            </p:stCondLst>
-                            <p:childTnLst>
-                              <p:par>
-                                <p:cTn id="33" presetID="10" presetClass="exit" presetSubtype="0" fill="hold" grpId="1" nodeType="clickEffect">
-                                  <p:stCondLst>
-                                    <p:cond delay="0"/>
-                                  </p:stCondLst>
-                                  <p:childTnLst>
-                                    <p:animEffect transition="out" filter="fade">
-                                      <p:cBhvr>
-                                        <p:cTn id="34" dur="500"/>
-                                        <p:tgtEl>
-                                          <p:spTgt spid="7">
-                                            <p:txEl>
-                                              <p:pRg st="0" end="0"/>
-                                            </p:txEl>
-                                          </p:spTgt>
-                                        </p:tgtEl>
-                                      </p:cBhvr>
-                                    </p:animEffect>
-                                    <p:set>
-                                      <p:cBhvr>
-                                        <p:cTn id="35" dur="1" fill="hold">
-                                          <p:stCondLst>
-                                            <p:cond delay="499"/>
-                                          </p:stCondLst>
-                                        </p:cTn>
-                                        <p:tgtEl>
-                                          <p:spTgt spid="7">
-                                            <p:txEl>
-                                              <p:pRg st="0" end="0"/>
-                                            </p:txEl>
-                                          </p:spTgt>
-                                        </p:tgtEl>
-                                        <p:attrNameLst>
-                                          <p:attrName>style.visibility</p:attrName>
-                                        </p:attrNameLst>
-                                      </p:cBhvr>
-                                      <p:to>
-                                        <p:strVal val="hidden"/>
-                                      </p:to>
-                                    </p:set>
-                                  </p:childTnLst>
-                                </p:cTn>
-                              </p:par>
-                              <p:par>
-                                <p:cTn id="36" presetID="10" presetClass="entr" presetSubtype="0" fill="hold" grpId="0" nodeType="withEffect">
-                                  <p:stCondLst>
-                                    <p:cond delay="0"/>
-                                  </p:stCondLst>
-                                  <p:childTnLst>
-                                    <p:set>
-                                      <p:cBhvr>
-                                        <p:cTn id="37" dur="1" fill="hold">
-                                          <p:stCondLst>
-                                            <p:cond delay="0"/>
-                                          </p:stCondLst>
-                                        </p:cTn>
-                                        <p:tgtEl>
-                                          <p:spTgt spid="8">
-                                            <p:txEl>
-                                              <p:pRg st="0" end="0"/>
-                                            </p:txEl>
-                                          </p:spTgt>
-                                        </p:tgtEl>
-                                        <p:attrNameLst>
-                                          <p:attrName>style.visibility</p:attrName>
-                                        </p:attrNameLst>
-                                      </p:cBhvr>
-                                      <p:to>
-                                        <p:strVal val="visible"/>
-                                      </p:to>
-                                    </p:set>
-                                    <p:animEffect transition="in" filter="fade">
-                                      <p:cBhvr>
-                                        <p:cTn id="38" dur="500"/>
-                                        <p:tgtEl>
-                                          <p:spTgt spid="8">
-                                            <p:txEl>
-                                              <p:pRg st="0" end="0"/>
-                                            </p:txEl>
-                                          </p:spTgt>
-                                        </p:tgtEl>
-                                      </p:cBhvr>
-                                    </p:animEffect>
-                                  </p:childTnLst>
-                                </p:cTn>
-                              </p:par>
-                            </p:childTnLst>
-                          </p:cTn>
-                        </p:par>
-                      </p:childTnLst>
-                    </p:cTn>
-                  </p:par>
-                  <p:par>
-                    <p:cTn id="39" fill="hold">
-                      <p:stCondLst>
-                        <p:cond delay="indefinite"/>
-                      </p:stCondLst>
-                      <p:childTnLst>
-                        <p:par>
-                          <p:cTn id="40" fill="hold">
-                            <p:stCondLst>
-                              <p:cond delay="0"/>
-                            </p:stCondLst>
-                            <p:childTnLst>
-                              <p:par>
-                                <p:cTn id="41" presetID="1" presetClass="entr" presetSubtype="0" fill="hold" grpId="0" nodeType="clickEffect">
-                                  <p:stCondLst>
-                                    <p:cond delay="0"/>
-                                  </p:stCondLst>
-                                  <p:childTnLst>
-                                    <p:set>
-                                      <p:cBhvr>
-                                        <p:cTn id="42" dur="1" fill="hold">
-                                          <p:stCondLst>
-                                            <p:cond delay="0"/>
-                                          </p:stCondLst>
-                                        </p:cTn>
-                                        <p:tgtEl>
-                                          <p:spTgt spid="36867">
-                                            <p:txEl>
-                                              <p:pRg st="8" end="8"/>
-                                            </p:txEl>
-                                          </p:spTgt>
-                                        </p:tgtEl>
-                                        <p:attrNameLst>
-                                          <p:attrName>style.visibility</p:attrName>
-                                        </p:attrNameLst>
-                                      </p:cBhvr>
-                                      <p:to>
-                                        <p:strVal val="visible"/>
-                                      </p:to>
-                                    </p:set>
-                                  </p:childTnLst>
-                                </p:cTn>
-                              </p:par>
-                              <p:par>
-                                <p:cTn id="43" presetID="1" presetClass="entr" presetSubtype="0" fill="hold" grpId="0" nodeType="withEffect">
-                                  <p:stCondLst>
-                                    <p:cond delay="0"/>
-                                  </p:stCondLst>
-                                  <p:childTnLst>
-                                    <p:set>
-                                      <p:cBhvr>
-                                        <p:cTn id="44" dur="1" fill="hold">
-                                          <p:stCondLst>
-                                            <p:cond delay="0"/>
-                                          </p:stCondLst>
-                                        </p:cTn>
-                                        <p:tgtEl>
-                                          <p:spTgt spid="36867">
-                                            <p:txEl>
-                                              <p:pRg st="9" end="9"/>
-                                            </p:txEl>
-                                          </p:spTgt>
-                                        </p:tgtEl>
-                                        <p:attrNameLst>
-                                          <p:attrName>style.visibility</p:attrName>
-                                        </p:attrNameLst>
-                                      </p:cBhvr>
-                                      <p:to>
-                                        <p:strVal val="visible"/>
-                                      </p:to>
-                                    </p:set>
-                                  </p:childTnLst>
-                                </p:cTn>
-                              </p:par>
-                            </p:childTnLst>
-                          </p:cTn>
-                        </p:par>
-                        <p:par>
-                          <p:cTn id="45" fill="hold">
-                            <p:stCondLst>
-                              <p:cond delay="0"/>
-                            </p:stCondLst>
-                            <p:childTnLst>
-                              <p:par>
-                                <p:cTn id="46" presetID="1" presetClass="entr" presetSubtype="0" fill="hold" grpId="0" nodeType="afterEffect">
-                                  <p:stCondLst>
-                                    <p:cond delay="0"/>
-                                  </p:stCondLst>
-                                  <p:childTnLst>
-                                    <p:set>
-                                      <p:cBhvr>
-                                        <p:cTn id="47" dur="1" fill="hold">
-                                          <p:stCondLst>
-                                            <p:cond delay="0"/>
-                                          </p:stCondLst>
-                                        </p:cTn>
-                                        <p:tgtEl>
-                                          <p:spTgt spid="36867">
-                                            <p:txEl>
-                                              <p:pRg st="10" end="10"/>
-                                            </p:txEl>
-                                          </p:spTgt>
-                                        </p:tgtEl>
-                                        <p:attrNameLst>
-                                          <p:attrName>style.visibility</p:attrName>
-                                        </p:attrNameLst>
-                                      </p:cBhvr>
-                                      <p:to>
-                                        <p:strVal val="visible"/>
-                                      </p:to>
-                                    </p:set>
-                                  </p:childTnLst>
-                                </p:cTn>
-                              </p:par>
-                              <p:par>
-                                <p:cTn id="48" presetID="1" presetClass="entr" presetSubtype="0" fill="hold" grpId="0" nodeType="withEffect">
-                                  <p:stCondLst>
-                                    <p:cond delay="0"/>
-                                  </p:stCondLst>
-                                  <p:childTnLst>
-                                    <p:set>
-                                      <p:cBhvr>
-                                        <p:cTn id="49" dur="1" fill="hold">
-                                          <p:stCondLst>
-                                            <p:cond delay="0"/>
-                                          </p:stCondLst>
-                                        </p:cTn>
-                                        <p:tgtEl>
-                                          <p:spTgt spid="36867">
-                                            <p:txEl>
-                                              <p:pRg st="11" end="11"/>
                                             </p:txEl>
                                           </p:spTgt>
                                         </p:tgtEl>
@@ -8529,1315 +11023,6 @@
     </p:tnLst>
     <p:bldLst>
       <p:bldP spid="36867" grpId="0" uiExpand="1" build="p" bldLvl="2" autoUpdateAnimBg="0"/>
-      <p:bldP spid="6" grpId="1" build="allAtOnce"/>
-      <p:bldP spid="7" grpId="0" build="p" bldLvl="2" autoUpdateAnimBg="0"/>
-      <p:bldP spid="7" grpId="1" build="allAtOnce"/>
-      <p:bldP spid="8" grpId="0" build="p" bldLvl="2" autoUpdateAnimBg="0"/>
-    </p:bldLst>
-  </p:timing>
-</p:sld>
-</file>
-
-<file path=ppt/slides/slide7.xml><?xml version="1.0" encoding="utf-8"?>
-<p:sld xmlns:a="http://schemas.openxmlformats.org/drawingml/2006/main" xmlns:r="http://schemas.openxmlformats.org/officeDocument/2006/relationships" xmlns:p="http://schemas.openxmlformats.org/presentationml/2006/main" showMasterPhAnim="0">
-  <p:cSld>
-    <p:spTree>
-      <p:nvGrpSpPr>
-        <p:cNvPr id="1" name=""/>
-        <p:cNvGrpSpPr/>
-        <p:nvPr/>
-      </p:nvGrpSpPr>
-      <p:grpSpPr>
-        <a:xfrm>
-          <a:off x="0" y="0"/>
-          <a:ext cx="0" cy="0"/>
-          <a:chOff x="0" y="0"/>
-          <a:chExt cx="0" cy="0"/>
-        </a:xfrm>
-      </p:grpSpPr>
-      <p:sp>
-        <p:nvSpPr>
-          <p:cNvPr id="4" name="Footer Placeholder 4"/>
-          <p:cNvSpPr>
-            <a:spLocks noGrp="1"/>
-          </p:cNvSpPr>
-          <p:nvPr>
-            <p:ph type="ftr" sz="quarter" idx="11"/>
-          </p:nvPr>
-        </p:nvSpPr>
-        <p:spPr/>
-        <p:txBody>
-          <a:bodyPr/>
-          <a:lstStyle/>
-          <a:p>
-            <a:r>
-              <a:rPr lang="en-US"/>
-              <a:t>Variable Types</a:t>
-            </a:r>
-          </a:p>
-        </p:txBody>
-      </p:sp>
-      <p:sp>
-        <p:nvSpPr>
-          <p:cNvPr id="5" name="Slide Number Placeholder 5"/>
-          <p:cNvSpPr>
-            <a:spLocks noGrp="1"/>
-          </p:cNvSpPr>
-          <p:nvPr>
-            <p:ph type="sldNum" sz="quarter" idx="12"/>
-          </p:nvPr>
-        </p:nvSpPr>
-        <p:spPr/>
-        <p:txBody>
-          <a:bodyPr/>
-          <a:lstStyle/>
-          <a:p>
-            <a:r>
-              <a:rPr lang="en-US"/>
-              <a:t>Slide #</a:t>
-            </a:r>
-            <a:fld id="{CE211541-6778-484A-8558-E774555FB132}" type="slidenum">
-              <a:rPr lang="en-US"/>
-              <a:pPr/>
-              <a:t>7</a:t>
-            </a:fld>
-            <a:endParaRPr lang="en-US"/>
-          </a:p>
-        </p:txBody>
-      </p:sp>
-      <p:sp>
-        <p:nvSpPr>
-          <p:cNvPr id="41987" name="Rectangle 3"/>
-          <p:cNvSpPr>
-            <a:spLocks noGrp="1" noChangeArrowheads="1"/>
-          </p:cNvSpPr>
-          <p:nvPr>
-            <p:ph type="body" idx="1"/>
-          </p:nvPr>
-        </p:nvSpPr>
-        <p:spPr>
-          <a:xfrm>
-            <a:off x="152400" y="1524000"/>
-            <a:ext cx="8991600" cy="3657600"/>
-          </a:xfrm>
-        </p:spPr>
-        <p:txBody>
-          <a:bodyPr/>
-          <a:lstStyle/>
-          <a:p>
-            <a:pPr marL="285750" indent="-285750"/>
-            <a:r>
-              <a:rPr lang="en-US" sz="2800" dirty="0"/>
-              <a:t>… “miles driven per week</a:t>
-            </a:r>
-            <a:r>
-              <a:rPr lang="en-US" sz="2800" dirty="0" smtClean="0"/>
-              <a:t>”?</a:t>
-            </a:r>
-          </a:p>
-          <a:p>
-            <a:pPr marL="285750" indent="-285750"/>
-            <a:r>
-              <a:rPr lang="en-US" sz="2800" dirty="0"/>
-              <a:t>… “type of vehicle (e.g., SUV, </a:t>
-            </a:r>
-            <a:r>
-              <a:rPr lang="en-US" sz="2800" dirty="0" smtClean="0"/>
-              <a:t>…)”?</a:t>
-            </a:r>
-            <a:endParaRPr lang="en-US" sz="2800" dirty="0"/>
-          </a:p>
-          <a:p>
-            <a:pPr marL="285750" indent="-285750"/>
-            <a:r>
-              <a:rPr lang="en-US" sz="2800" dirty="0" smtClean="0"/>
-              <a:t>… “</a:t>
-            </a:r>
-            <a:r>
-              <a:rPr lang="en-US" sz="2800" dirty="0" smtClean="0"/>
-              <a:t>signs </a:t>
-            </a:r>
-            <a:r>
-              <a:rPr lang="en-US" sz="2800" dirty="0"/>
-              <a:t>of </a:t>
-            </a:r>
-            <a:r>
-              <a:rPr lang="en-US" sz="2800" dirty="0" err="1"/>
-              <a:t>myxomatosis</a:t>
-            </a:r>
-            <a:r>
-              <a:rPr lang="en-US" sz="2800" dirty="0"/>
-              <a:t> or not (Y/N</a:t>
-            </a:r>
-            <a:r>
-              <a:rPr lang="en-US" sz="2800" dirty="0" smtClean="0"/>
-              <a:t>)”?</a:t>
-            </a:r>
-          </a:p>
-          <a:p>
-            <a:pPr marL="285750" indent="-285750"/>
-            <a:r>
-              <a:rPr lang="en-US" sz="2800" dirty="0" smtClean="0"/>
-              <a:t>… </a:t>
-            </a:r>
-            <a:r>
-              <a:rPr lang="en-US" sz="2800" dirty="0"/>
-              <a:t>“number of fleas found per rabbit</a:t>
-            </a:r>
-            <a:r>
-              <a:rPr lang="en-US" sz="2800" dirty="0" smtClean="0"/>
-              <a:t>”?</a:t>
-            </a:r>
-          </a:p>
-          <a:p>
-            <a:pPr marL="285750" indent="-285750"/>
-            <a:r>
-              <a:rPr lang="en-US" sz="2800" dirty="0" smtClean="0"/>
-              <a:t>… “relative health of the rabbit (poor, good, excellent)”?</a:t>
-            </a:r>
-            <a:endParaRPr lang="en-US" sz="2800" dirty="0" smtClean="0"/>
-          </a:p>
-          <a:p>
-            <a:pPr marL="285750" indent="-285750"/>
-            <a:r>
-              <a:rPr lang="en-US" sz="2800" dirty="0"/>
-              <a:t>…</a:t>
-            </a:r>
-            <a:r>
-              <a:rPr lang="en-US" sz="2800" dirty="0" smtClean="0"/>
-              <a:t> “species of rabbit”?</a:t>
-            </a:r>
-          </a:p>
-          <a:p>
-            <a:pPr marL="285750" indent="-285750"/>
-            <a:r>
-              <a:rPr lang="en-US" sz="2800" dirty="0" smtClean="0"/>
-              <a:t>… “number of correct answers”?</a:t>
-            </a:r>
-          </a:p>
-          <a:p>
-            <a:pPr marL="285750" indent="-285750"/>
-            <a:endParaRPr lang="en-US" sz="2800" dirty="0"/>
-          </a:p>
-        </p:txBody>
-      </p:sp>
-      <p:sp>
-        <p:nvSpPr>
-          <p:cNvPr id="7" name="Rectangle 2"/>
-          <p:cNvSpPr txBox="1">
-            <a:spLocks noChangeArrowheads="1"/>
-          </p:cNvSpPr>
-          <p:nvPr/>
-        </p:nvSpPr>
-        <p:spPr bwMode="auto">
-          <a:xfrm>
-            <a:off x="0" y="0"/>
-            <a:ext cx="9144000" cy="838200"/>
-          </a:xfrm>
-          <a:prstGeom prst="rect">
-            <a:avLst/>
-          </a:prstGeom>
-          <a:noFill/>
-          <a:ln w="9525">
-            <a:noFill/>
-            <a:miter lim="800000"/>
-            <a:headEnd/>
-            <a:tailEnd/>
-          </a:ln>
-          <a:effectLst/>
-        </p:spPr>
-        <p:txBody>
-          <a:bodyPr vert="horz" wrap="square" lIns="91440" tIns="45720" rIns="91440" bIns="45720" numCol="1" anchor="ctr" anchorCtr="0" compatLnSpc="1">
-            <a:prstTxWarp prst="textNoShape">
-              <a:avLst/>
-            </a:prstTxWarp>
-          </a:bodyPr>
-          <a:lstStyle>
-            <a:lvl1pPr algn="ctr" rtl="0" eaLnBrk="0" fontAlgn="base" hangingPunct="0">
-              <a:spcBef>
-                <a:spcPct val="0"/>
-              </a:spcBef>
-              <a:spcAft>
-                <a:spcPct val="0"/>
-              </a:spcAft>
-              <a:defRPr sz="4400" b="1">
-                <a:solidFill>
-                  <a:schemeClr val="tx2"/>
-                </a:solidFill>
-                <a:latin typeface="+mj-lt"/>
-                <a:ea typeface="+mj-ea"/>
-                <a:cs typeface="+mj-cs"/>
-              </a:defRPr>
-            </a:lvl1pPr>
-            <a:lvl2pPr algn="ctr" rtl="0" eaLnBrk="0" fontAlgn="base" hangingPunct="0">
-              <a:spcBef>
-                <a:spcPct val="0"/>
-              </a:spcBef>
-              <a:spcAft>
-                <a:spcPct val="0"/>
-              </a:spcAft>
-              <a:defRPr sz="4400" b="1">
-                <a:solidFill>
-                  <a:schemeClr val="tx2"/>
-                </a:solidFill>
-                <a:latin typeface="Arial" charset="0"/>
-              </a:defRPr>
-            </a:lvl2pPr>
-            <a:lvl3pPr algn="ctr" rtl="0" eaLnBrk="0" fontAlgn="base" hangingPunct="0">
-              <a:spcBef>
-                <a:spcPct val="0"/>
-              </a:spcBef>
-              <a:spcAft>
-                <a:spcPct val="0"/>
-              </a:spcAft>
-              <a:defRPr sz="4400" b="1">
-                <a:solidFill>
-                  <a:schemeClr val="tx2"/>
-                </a:solidFill>
-                <a:latin typeface="Arial" charset="0"/>
-              </a:defRPr>
-            </a:lvl3pPr>
-            <a:lvl4pPr algn="ctr" rtl="0" eaLnBrk="0" fontAlgn="base" hangingPunct="0">
-              <a:spcBef>
-                <a:spcPct val="0"/>
-              </a:spcBef>
-              <a:spcAft>
-                <a:spcPct val="0"/>
-              </a:spcAft>
-              <a:defRPr sz="4400" b="1">
-                <a:solidFill>
-                  <a:schemeClr val="tx2"/>
-                </a:solidFill>
-                <a:latin typeface="Arial" charset="0"/>
-              </a:defRPr>
-            </a:lvl4pPr>
-            <a:lvl5pPr algn="ctr" rtl="0" eaLnBrk="0" fontAlgn="base" hangingPunct="0">
-              <a:spcBef>
-                <a:spcPct val="0"/>
-              </a:spcBef>
-              <a:spcAft>
-                <a:spcPct val="0"/>
-              </a:spcAft>
-              <a:defRPr sz="4400" b="1">
-                <a:solidFill>
-                  <a:schemeClr val="tx2"/>
-                </a:solidFill>
-                <a:latin typeface="Arial" charset="0"/>
-              </a:defRPr>
-            </a:lvl5pPr>
-            <a:lvl6pPr marL="457200" algn="ctr" rtl="0" eaLnBrk="0" fontAlgn="base" hangingPunct="0">
-              <a:spcBef>
-                <a:spcPct val="0"/>
-              </a:spcBef>
-              <a:spcAft>
-                <a:spcPct val="0"/>
-              </a:spcAft>
-              <a:defRPr sz="4400" b="1">
-                <a:solidFill>
-                  <a:schemeClr val="tx2"/>
-                </a:solidFill>
-                <a:latin typeface="Arial" charset="0"/>
-              </a:defRPr>
-            </a:lvl6pPr>
-            <a:lvl7pPr marL="914400" algn="ctr" rtl="0" eaLnBrk="0" fontAlgn="base" hangingPunct="0">
-              <a:spcBef>
-                <a:spcPct val="0"/>
-              </a:spcBef>
-              <a:spcAft>
-                <a:spcPct val="0"/>
-              </a:spcAft>
-              <a:defRPr sz="4400" b="1">
-                <a:solidFill>
-                  <a:schemeClr val="tx2"/>
-                </a:solidFill>
-                <a:latin typeface="Arial" charset="0"/>
-              </a:defRPr>
-            </a:lvl7pPr>
-            <a:lvl8pPr marL="1371600" algn="ctr" rtl="0" eaLnBrk="0" fontAlgn="base" hangingPunct="0">
-              <a:spcBef>
-                <a:spcPct val="0"/>
-              </a:spcBef>
-              <a:spcAft>
-                <a:spcPct val="0"/>
-              </a:spcAft>
-              <a:defRPr sz="4400" b="1">
-                <a:solidFill>
-                  <a:schemeClr val="tx2"/>
-                </a:solidFill>
-                <a:latin typeface="Arial" charset="0"/>
-              </a:defRPr>
-            </a:lvl8pPr>
-            <a:lvl9pPr marL="1828800" algn="ctr" rtl="0" eaLnBrk="0" fontAlgn="base" hangingPunct="0">
-              <a:spcBef>
-                <a:spcPct val="0"/>
-              </a:spcBef>
-              <a:spcAft>
-                <a:spcPct val="0"/>
-              </a:spcAft>
-              <a:defRPr sz="4400" b="1">
-                <a:solidFill>
-                  <a:schemeClr val="tx2"/>
-                </a:solidFill>
-                <a:latin typeface="Arial" charset="0"/>
-              </a:defRPr>
-            </a:lvl9pPr>
-          </a:lstStyle>
-          <a:p>
-            <a:r>
-              <a:rPr lang="en-US" kern="0" dirty="0" smtClean="0"/>
-              <a:t>Example Variable Types</a:t>
-            </a:r>
-            <a:endParaRPr lang="en-US" kern="0" dirty="0"/>
-          </a:p>
-        </p:txBody>
-      </p:sp>
-      <p:sp>
-        <p:nvSpPr>
-          <p:cNvPr id="8" name="Rectangle 3"/>
-          <p:cNvSpPr txBox="1">
-            <a:spLocks noChangeArrowheads="1"/>
-          </p:cNvSpPr>
-          <p:nvPr/>
-        </p:nvSpPr>
-        <p:spPr bwMode="auto">
-          <a:xfrm>
-            <a:off x="152400" y="914400"/>
-            <a:ext cx="9144000" cy="609600"/>
-          </a:xfrm>
-          <a:prstGeom prst="rect">
-            <a:avLst/>
-          </a:prstGeom>
-          <a:noFill/>
-          <a:ln w="9525">
-            <a:noFill/>
-            <a:miter lim="800000"/>
-            <a:headEnd/>
-            <a:tailEnd/>
-          </a:ln>
-          <a:effectLst/>
-        </p:spPr>
-        <p:txBody>
-          <a:bodyPr vert="horz" wrap="square" lIns="91440" tIns="45720" rIns="91440" bIns="45720" numCol="1" anchor="t" anchorCtr="0" compatLnSpc="1">
-            <a:prstTxWarp prst="textNoShape">
-              <a:avLst/>
-            </a:prstTxWarp>
-          </a:bodyPr>
-          <a:lstStyle>
-            <a:lvl1pPr marL="342900" indent="-342900" algn="l" rtl="0" eaLnBrk="0" fontAlgn="base" hangingPunct="0">
-              <a:spcBef>
-                <a:spcPct val="20000"/>
-              </a:spcBef>
-              <a:spcAft>
-                <a:spcPct val="0"/>
-              </a:spcAft>
-              <a:buChar char="•"/>
-              <a:defRPr sz="3200">
-                <a:solidFill>
-                  <a:schemeClr val="tx1"/>
-                </a:solidFill>
-                <a:latin typeface="+mn-lt"/>
-                <a:ea typeface="+mn-ea"/>
-                <a:cs typeface="+mn-cs"/>
-              </a:defRPr>
-            </a:lvl1pPr>
-            <a:lvl2pPr marL="742950" indent="-285750" algn="l" rtl="0" eaLnBrk="0" fontAlgn="base" hangingPunct="0">
-              <a:spcBef>
-                <a:spcPct val="20000"/>
-              </a:spcBef>
-              <a:spcAft>
-                <a:spcPct val="0"/>
-              </a:spcAft>
-              <a:buChar char="–"/>
-              <a:defRPr sz="2800">
-                <a:solidFill>
-                  <a:schemeClr val="tx1"/>
-                </a:solidFill>
-                <a:latin typeface="+mn-lt"/>
-              </a:defRPr>
-            </a:lvl2pPr>
-            <a:lvl3pPr marL="1143000" indent="-228600" algn="l" rtl="0" eaLnBrk="0" fontAlgn="base" hangingPunct="0">
-              <a:spcBef>
-                <a:spcPct val="20000"/>
-              </a:spcBef>
-              <a:spcAft>
-                <a:spcPct val="0"/>
-              </a:spcAft>
-              <a:buChar char="•"/>
-              <a:defRPr sz="2400">
-                <a:solidFill>
-                  <a:schemeClr val="tx1"/>
-                </a:solidFill>
-                <a:latin typeface="+mn-lt"/>
-              </a:defRPr>
-            </a:lvl3pPr>
-            <a:lvl4pPr marL="1600200" indent="-228600" algn="l" rtl="0" eaLnBrk="0" fontAlgn="base" hangingPunct="0">
-              <a:spcBef>
-                <a:spcPct val="20000"/>
-              </a:spcBef>
-              <a:spcAft>
-                <a:spcPct val="0"/>
-              </a:spcAft>
-              <a:buChar char="–"/>
-              <a:defRPr sz="2000">
-                <a:solidFill>
-                  <a:schemeClr val="tx1"/>
-                </a:solidFill>
-                <a:latin typeface="+mn-lt"/>
-              </a:defRPr>
-            </a:lvl4pPr>
-            <a:lvl5pPr marL="2057400" indent="-228600" algn="l" rtl="0" eaLnBrk="0" fontAlgn="base" hangingPunct="0">
-              <a:spcBef>
-                <a:spcPct val="20000"/>
-              </a:spcBef>
-              <a:spcAft>
-                <a:spcPct val="0"/>
-              </a:spcAft>
-              <a:buChar char="»"/>
-              <a:defRPr sz="2000">
-                <a:solidFill>
-                  <a:schemeClr val="tx1"/>
-                </a:solidFill>
-                <a:latin typeface="+mn-lt"/>
-              </a:defRPr>
-            </a:lvl5pPr>
-            <a:lvl6pPr marL="2514600" indent="-228600" algn="l" rtl="0" eaLnBrk="0" fontAlgn="base" hangingPunct="0">
-              <a:spcBef>
-                <a:spcPct val="20000"/>
-              </a:spcBef>
-              <a:spcAft>
-                <a:spcPct val="0"/>
-              </a:spcAft>
-              <a:buChar char="»"/>
-              <a:defRPr sz="2000">
-                <a:solidFill>
-                  <a:schemeClr val="tx1"/>
-                </a:solidFill>
-                <a:latin typeface="+mn-lt"/>
-              </a:defRPr>
-            </a:lvl6pPr>
-            <a:lvl7pPr marL="2971800" indent="-228600" algn="l" rtl="0" eaLnBrk="0" fontAlgn="base" hangingPunct="0">
-              <a:spcBef>
-                <a:spcPct val="20000"/>
-              </a:spcBef>
-              <a:spcAft>
-                <a:spcPct val="0"/>
-              </a:spcAft>
-              <a:buChar char="»"/>
-              <a:defRPr sz="2000">
-                <a:solidFill>
-                  <a:schemeClr val="tx1"/>
-                </a:solidFill>
-                <a:latin typeface="+mn-lt"/>
-              </a:defRPr>
-            </a:lvl7pPr>
-            <a:lvl8pPr marL="3429000" indent="-228600" algn="l" rtl="0" eaLnBrk="0" fontAlgn="base" hangingPunct="0">
-              <a:spcBef>
-                <a:spcPct val="20000"/>
-              </a:spcBef>
-              <a:spcAft>
-                <a:spcPct val="0"/>
-              </a:spcAft>
-              <a:buChar char="»"/>
-              <a:defRPr sz="2000">
-                <a:solidFill>
-                  <a:schemeClr val="tx1"/>
-                </a:solidFill>
-                <a:latin typeface="+mn-lt"/>
-              </a:defRPr>
-            </a:lvl8pPr>
-            <a:lvl9pPr marL="3886200" indent="-228600" algn="l" rtl="0" eaLnBrk="0" fontAlgn="base" hangingPunct="0">
-              <a:spcBef>
-                <a:spcPct val="20000"/>
-              </a:spcBef>
-              <a:spcAft>
-                <a:spcPct val="0"/>
-              </a:spcAft>
-              <a:buChar char="»"/>
-              <a:defRPr sz="2000">
-                <a:solidFill>
-                  <a:schemeClr val="tx1"/>
-                </a:solidFill>
-                <a:latin typeface="+mn-lt"/>
-              </a:defRPr>
-            </a:lvl9pPr>
-          </a:lstStyle>
-          <a:p>
-            <a:pPr marL="0" indent="0">
-              <a:buNone/>
-            </a:pPr>
-            <a:r>
-              <a:rPr lang="en-US" i="1" kern="0" dirty="0" smtClean="0"/>
-              <a:t>What type of variable is </a:t>
-            </a:r>
-            <a:r>
-              <a:rPr lang="en-US" i="1" kern="0" dirty="0" smtClean="0"/>
-              <a:t>…</a:t>
-            </a:r>
-            <a:endParaRPr lang="en-US" i="1" kern="0" dirty="0" smtClean="0"/>
-          </a:p>
-        </p:txBody>
-      </p:sp>
-      <p:sp>
-        <p:nvSpPr>
-          <p:cNvPr id="9" name="Rectangle 3"/>
-          <p:cNvSpPr txBox="1">
-            <a:spLocks noChangeArrowheads="1"/>
-          </p:cNvSpPr>
-          <p:nvPr/>
-        </p:nvSpPr>
-        <p:spPr bwMode="auto">
-          <a:xfrm>
-            <a:off x="152400" y="5410200"/>
-            <a:ext cx="8915400" cy="1066800"/>
-          </a:xfrm>
-          <a:prstGeom prst="rect">
-            <a:avLst/>
-          </a:prstGeom>
-          <a:noFill/>
-          <a:ln w="9525">
-            <a:noFill/>
-            <a:miter lim="800000"/>
-            <a:headEnd/>
-            <a:tailEnd/>
-          </a:ln>
-          <a:effectLst/>
-        </p:spPr>
-        <p:txBody>
-          <a:bodyPr vert="horz" wrap="square" lIns="91440" tIns="45720" rIns="91440" bIns="45720" numCol="1" anchor="t" anchorCtr="0" compatLnSpc="1">
-            <a:prstTxWarp prst="textNoShape">
-              <a:avLst/>
-            </a:prstTxWarp>
-          </a:bodyPr>
-          <a:lstStyle>
-            <a:lvl1pPr marL="342900" indent="-342900" algn="l" rtl="0" eaLnBrk="0" fontAlgn="base" hangingPunct="0">
-              <a:spcBef>
-                <a:spcPct val="20000"/>
-              </a:spcBef>
-              <a:spcAft>
-                <a:spcPct val="0"/>
-              </a:spcAft>
-              <a:buChar char="•"/>
-              <a:defRPr sz="3200">
-                <a:solidFill>
-                  <a:schemeClr val="tx1"/>
-                </a:solidFill>
-                <a:latin typeface="+mn-lt"/>
-                <a:ea typeface="+mn-ea"/>
-                <a:cs typeface="+mn-cs"/>
-              </a:defRPr>
-            </a:lvl1pPr>
-            <a:lvl2pPr marL="742950" indent="-285750" algn="l" rtl="0" eaLnBrk="0" fontAlgn="base" hangingPunct="0">
-              <a:spcBef>
-                <a:spcPct val="20000"/>
-              </a:spcBef>
-              <a:spcAft>
-                <a:spcPct val="0"/>
-              </a:spcAft>
-              <a:buChar char="–"/>
-              <a:defRPr sz="2800">
-                <a:solidFill>
-                  <a:schemeClr val="tx1"/>
-                </a:solidFill>
-                <a:latin typeface="+mn-lt"/>
-              </a:defRPr>
-            </a:lvl2pPr>
-            <a:lvl3pPr marL="1143000" indent="-228600" algn="l" rtl="0" eaLnBrk="0" fontAlgn="base" hangingPunct="0">
-              <a:spcBef>
-                <a:spcPct val="20000"/>
-              </a:spcBef>
-              <a:spcAft>
-                <a:spcPct val="0"/>
-              </a:spcAft>
-              <a:buChar char="•"/>
-              <a:defRPr sz="2400">
-                <a:solidFill>
-                  <a:schemeClr val="tx1"/>
-                </a:solidFill>
-                <a:latin typeface="+mn-lt"/>
-              </a:defRPr>
-            </a:lvl3pPr>
-            <a:lvl4pPr marL="1600200" indent="-228600" algn="l" rtl="0" eaLnBrk="0" fontAlgn="base" hangingPunct="0">
-              <a:spcBef>
-                <a:spcPct val="20000"/>
-              </a:spcBef>
-              <a:spcAft>
-                <a:spcPct val="0"/>
-              </a:spcAft>
-              <a:buChar char="–"/>
-              <a:defRPr sz="2000">
-                <a:solidFill>
-                  <a:schemeClr val="tx1"/>
-                </a:solidFill>
-                <a:latin typeface="+mn-lt"/>
-              </a:defRPr>
-            </a:lvl4pPr>
-            <a:lvl5pPr marL="2057400" indent="-228600" algn="l" rtl="0" eaLnBrk="0" fontAlgn="base" hangingPunct="0">
-              <a:spcBef>
-                <a:spcPct val="20000"/>
-              </a:spcBef>
-              <a:spcAft>
-                <a:spcPct val="0"/>
-              </a:spcAft>
-              <a:buChar char="»"/>
-              <a:defRPr sz="2000">
-                <a:solidFill>
-                  <a:schemeClr val="tx1"/>
-                </a:solidFill>
-                <a:latin typeface="+mn-lt"/>
-              </a:defRPr>
-            </a:lvl5pPr>
-            <a:lvl6pPr marL="2514600" indent="-228600" algn="l" rtl="0" eaLnBrk="0" fontAlgn="base" hangingPunct="0">
-              <a:spcBef>
-                <a:spcPct val="20000"/>
-              </a:spcBef>
-              <a:spcAft>
-                <a:spcPct val="0"/>
-              </a:spcAft>
-              <a:buChar char="»"/>
-              <a:defRPr sz="2000">
-                <a:solidFill>
-                  <a:schemeClr val="tx1"/>
-                </a:solidFill>
-                <a:latin typeface="+mn-lt"/>
-              </a:defRPr>
-            </a:lvl6pPr>
-            <a:lvl7pPr marL="2971800" indent="-228600" algn="l" rtl="0" eaLnBrk="0" fontAlgn="base" hangingPunct="0">
-              <a:spcBef>
-                <a:spcPct val="20000"/>
-              </a:spcBef>
-              <a:spcAft>
-                <a:spcPct val="0"/>
-              </a:spcAft>
-              <a:buChar char="»"/>
-              <a:defRPr sz="2000">
-                <a:solidFill>
-                  <a:schemeClr val="tx1"/>
-                </a:solidFill>
-                <a:latin typeface="+mn-lt"/>
-              </a:defRPr>
-            </a:lvl7pPr>
-            <a:lvl8pPr marL="3429000" indent="-228600" algn="l" rtl="0" eaLnBrk="0" fontAlgn="base" hangingPunct="0">
-              <a:spcBef>
-                <a:spcPct val="20000"/>
-              </a:spcBef>
-              <a:spcAft>
-                <a:spcPct val="0"/>
-              </a:spcAft>
-              <a:buChar char="»"/>
-              <a:defRPr sz="2000">
-                <a:solidFill>
-                  <a:schemeClr val="tx1"/>
-                </a:solidFill>
-                <a:latin typeface="+mn-lt"/>
-              </a:defRPr>
-            </a:lvl8pPr>
-            <a:lvl9pPr marL="3886200" indent="-228600" algn="l" rtl="0" eaLnBrk="0" fontAlgn="base" hangingPunct="0">
-              <a:spcBef>
-                <a:spcPct val="20000"/>
-              </a:spcBef>
-              <a:spcAft>
-                <a:spcPct val="0"/>
-              </a:spcAft>
-              <a:buChar char="»"/>
-              <a:defRPr sz="2000">
-                <a:solidFill>
-                  <a:schemeClr val="tx1"/>
-                </a:solidFill>
-                <a:latin typeface="+mn-lt"/>
-              </a:defRPr>
-            </a:lvl9pPr>
-          </a:lstStyle>
-          <a:p>
-            <a:pPr marL="0" indent="0">
-              <a:buNone/>
-            </a:pPr>
-            <a:r>
-              <a:rPr lang="en-US" i="1" kern="0" dirty="0" smtClean="0"/>
-              <a:t>Name a variable, from your own example, for each variable type.</a:t>
-            </a:r>
-            <a:endParaRPr lang="en-US" i="1" kern="0" dirty="0" smtClean="0"/>
-          </a:p>
-        </p:txBody>
-      </p:sp>
-    </p:spTree>
-    <p:extLst>
-      <p:ext uri="{BB962C8B-B14F-4D97-AF65-F5344CB8AC3E}">
-        <p14:creationId xmlns:p14="http://schemas.microsoft.com/office/powerpoint/2010/main" val="3490349845"/>
-      </p:ext>
-    </p:extLst>
-  </p:cSld>
-  <p:clrMapOvr>
-    <a:masterClrMapping/>
-  </p:clrMapOvr>
-  <p:timing>
-    <p:tnLst>
-      <p:par>
-        <p:cTn id="1" dur="indefinite" restart="never" nodeType="tmRoot"/>
-      </p:par>
-    </p:tnLst>
-  </p:timing>
-</p:sld>
-</file>
-
-<file path=ppt/slides/slide8.xml><?xml version="1.0" encoding="utf-8"?>
-<p:sld xmlns:a="http://schemas.openxmlformats.org/drawingml/2006/main" xmlns:r="http://schemas.openxmlformats.org/officeDocument/2006/relationships" xmlns:p="http://schemas.openxmlformats.org/presentationml/2006/main">
-  <p:cSld>
-    <p:spTree>
-      <p:nvGrpSpPr>
-        <p:cNvPr id="1" name=""/>
-        <p:cNvGrpSpPr/>
-        <p:nvPr/>
-      </p:nvGrpSpPr>
-      <p:grpSpPr>
-        <a:xfrm>
-          <a:off x="0" y="0"/>
-          <a:ext cx="0" cy="0"/>
-          <a:chOff x="0" y="0"/>
-          <a:chExt cx="0" cy="0"/>
-        </a:xfrm>
-      </p:grpSpPr>
-      <p:sp>
-        <p:nvSpPr>
-          <p:cNvPr id="7" name="Oval 6"/>
-          <p:cNvSpPr/>
-          <p:nvPr/>
-        </p:nvSpPr>
-        <p:spPr bwMode="auto">
-          <a:xfrm>
-            <a:off x="2743200" y="4097215"/>
-            <a:ext cx="1828800" cy="609600"/>
-          </a:xfrm>
-          <a:prstGeom prst="ellipse">
-            <a:avLst/>
-          </a:prstGeom>
-          <a:solidFill>
-            <a:srgbClr val="FF0000">
-              <a:alpha val="49020"/>
-            </a:srgbClr>
-          </a:solidFill>
-          <a:ln w="9525" cap="flat" cmpd="sng" algn="ctr">
-            <a:solidFill>
-              <a:schemeClr val="tx1"/>
-            </a:solidFill>
-            <a:prstDash val="solid"/>
-            <a:round/>
-            <a:headEnd type="none" w="med" len="med"/>
-            <a:tailEnd type="none" w="med" len="med"/>
-          </a:ln>
-          <a:effectLst/>
-        </p:spPr>
-        <p:txBody>
-          <a:bodyPr vert="horz" wrap="square" lIns="91440" tIns="45720" rIns="91440" bIns="45720" numCol="1" rtlCol="0" anchor="t" anchorCtr="0" compatLnSpc="1">
-            <a:prstTxWarp prst="textNoShape">
-              <a:avLst/>
-            </a:prstTxWarp>
-          </a:bodyPr>
-          <a:lstStyle/>
-          <a:p>
-            <a:pPr marL="0" marR="0" indent="0" algn="l" defTabSz="914400" rtl="0" eaLnBrk="0" fontAlgn="base" latinLnBrk="0" hangingPunct="0">
-              <a:lnSpc>
-                <a:spcPct val="100000"/>
-              </a:lnSpc>
-              <a:spcBef>
-                <a:spcPct val="0"/>
-              </a:spcBef>
-              <a:spcAft>
-                <a:spcPct val="0"/>
-              </a:spcAft>
-              <a:buClrTx/>
-              <a:buSzTx/>
-              <a:buFontTx/>
-              <a:buNone/>
-              <a:tabLst/>
-            </a:pPr>
-            <a:endParaRPr kumimoji="0" lang="en-US" sz="2400" b="0" i="0" u="none" strike="noStrike" cap="none" normalizeH="0" baseline="0" smtClean="0">
-              <a:ln>
-                <a:noFill/>
-              </a:ln>
-              <a:solidFill>
-                <a:schemeClr val="tx1"/>
-              </a:solidFill>
-              <a:effectLst/>
-              <a:latin typeface="Times New Roman" pitchFamily="18" charset="0"/>
-            </a:endParaRPr>
-          </a:p>
-        </p:txBody>
-      </p:sp>
-      <p:sp>
-        <p:nvSpPr>
-          <p:cNvPr id="6" name="Oval 5"/>
-          <p:cNvSpPr/>
-          <p:nvPr/>
-        </p:nvSpPr>
-        <p:spPr bwMode="auto">
-          <a:xfrm>
-            <a:off x="2743200" y="2895600"/>
-            <a:ext cx="1447800" cy="609600"/>
-          </a:xfrm>
-          <a:prstGeom prst="ellipse">
-            <a:avLst/>
-          </a:prstGeom>
-          <a:solidFill>
-            <a:srgbClr val="FF0000">
-              <a:alpha val="49020"/>
-            </a:srgbClr>
-          </a:solidFill>
-          <a:ln w="9525" cap="flat" cmpd="sng" algn="ctr">
-            <a:solidFill>
-              <a:schemeClr val="tx1"/>
-            </a:solidFill>
-            <a:prstDash val="solid"/>
-            <a:round/>
-            <a:headEnd type="none" w="med" len="med"/>
-            <a:tailEnd type="none" w="med" len="med"/>
-          </a:ln>
-          <a:effectLst/>
-        </p:spPr>
-        <p:txBody>
-          <a:bodyPr vert="horz" wrap="square" lIns="91440" tIns="45720" rIns="91440" bIns="45720" numCol="1" rtlCol="0" anchor="t" anchorCtr="0" compatLnSpc="1">
-            <a:prstTxWarp prst="textNoShape">
-              <a:avLst/>
-            </a:prstTxWarp>
-          </a:bodyPr>
-          <a:lstStyle/>
-          <a:p>
-            <a:pPr marL="0" marR="0" indent="0" algn="l" defTabSz="914400" rtl="0" eaLnBrk="0" fontAlgn="base" latinLnBrk="0" hangingPunct="0">
-              <a:lnSpc>
-                <a:spcPct val="100000"/>
-              </a:lnSpc>
-              <a:spcBef>
-                <a:spcPct val="0"/>
-              </a:spcBef>
-              <a:spcAft>
-                <a:spcPct val="0"/>
-              </a:spcAft>
-              <a:buClrTx/>
-              <a:buSzTx/>
-              <a:buFontTx/>
-              <a:buNone/>
-              <a:tabLst/>
-            </a:pPr>
-            <a:endParaRPr kumimoji="0" lang="en-US" sz="2400" b="0" i="0" u="none" strike="noStrike" cap="none" normalizeH="0" baseline="0" smtClean="0">
-              <a:ln>
-                <a:noFill/>
-              </a:ln>
-              <a:solidFill>
-                <a:schemeClr val="tx1"/>
-              </a:solidFill>
-              <a:effectLst/>
-              <a:latin typeface="Times New Roman" pitchFamily="18" charset="0"/>
-            </a:endParaRPr>
-          </a:p>
-        </p:txBody>
-      </p:sp>
-      <p:sp>
-        <p:nvSpPr>
-          <p:cNvPr id="2" name="Title 1"/>
-          <p:cNvSpPr>
-            <a:spLocks noGrp="1"/>
-          </p:cNvSpPr>
-          <p:nvPr>
-            <p:ph type="title"/>
-          </p:nvPr>
-        </p:nvSpPr>
-        <p:spPr>
-          <a:xfrm>
-            <a:off x="685800" y="0"/>
-            <a:ext cx="7772400" cy="1143000"/>
-          </a:xfrm>
-        </p:spPr>
-        <p:txBody>
-          <a:bodyPr/>
-          <a:lstStyle/>
-          <a:p>
-            <a:r>
-              <a:rPr lang="en-US" dirty="0" smtClean="0"/>
-              <a:t>Important Distinction</a:t>
-            </a:r>
-            <a:endParaRPr lang="en-US" dirty="0"/>
-          </a:p>
-        </p:txBody>
-      </p:sp>
-      <p:sp>
-        <p:nvSpPr>
-          <p:cNvPr id="3" name="Content Placeholder 2"/>
-          <p:cNvSpPr>
-            <a:spLocks noGrp="1"/>
-          </p:cNvSpPr>
-          <p:nvPr>
-            <p:ph idx="1"/>
-          </p:nvPr>
-        </p:nvSpPr>
-        <p:spPr>
-          <a:xfrm>
-            <a:off x="152400" y="1219200"/>
-            <a:ext cx="8915400" cy="5029200"/>
-          </a:xfrm>
-        </p:spPr>
-        <p:txBody>
-          <a:bodyPr/>
-          <a:lstStyle/>
-          <a:p>
-            <a:pPr marL="0" indent="0">
-              <a:buNone/>
-            </a:pPr>
-            <a:r>
-              <a:rPr lang="en-US" i="1" dirty="0" smtClean="0"/>
-              <a:t>What are the possible answers for the following two question types?</a:t>
-            </a:r>
-          </a:p>
-          <a:p>
-            <a:endParaRPr lang="en-US" dirty="0"/>
-          </a:p>
-          <a:p>
-            <a:r>
-              <a:rPr lang="en-US" dirty="0" smtClean="0"/>
-              <a:t>What type of variable is blah-blah-blah?</a:t>
-            </a:r>
-          </a:p>
-          <a:p>
-            <a:endParaRPr lang="en-US" dirty="0"/>
-          </a:p>
-          <a:p>
-            <a:r>
-              <a:rPr lang="en-US" dirty="0" smtClean="0"/>
-              <a:t>What type of variability explains the fact that </a:t>
-            </a:r>
-            <a:r>
-              <a:rPr lang="en-US" dirty="0" err="1" smtClean="0"/>
-              <a:t>yada-yada-yada</a:t>
-            </a:r>
-            <a:r>
-              <a:rPr lang="en-US" dirty="0" smtClean="0"/>
-              <a:t>?</a:t>
-            </a:r>
-            <a:endParaRPr lang="en-US" dirty="0"/>
-          </a:p>
-        </p:txBody>
-      </p:sp>
-      <p:sp>
-        <p:nvSpPr>
-          <p:cNvPr id="4" name="Footer Placeholder 3"/>
-          <p:cNvSpPr>
-            <a:spLocks noGrp="1"/>
-          </p:cNvSpPr>
-          <p:nvPr>
-            <p:ph type="ftr" sz="quarter" idx="11"/>
-          </p:nvPr>
-        </p:nvSpPr>
-        <p:spPr/>
-        <p:txBody>
-          <a:bodyPr/>
-          <a:lstStyle/>
-          <a:p>
-            <a:r>
-              <a:rPr lang="en-US" smtClean="0"/>
-              <a:t>Foundations I</a:t>
-            </a:r>
-            <a:endParaRPr lang="en-US"/>
-          </a:p>
-        </p:txBody>
-      </p:sp>
-      <p:sp>
-        <p:nvSpPr>
-          <p:cNvPr id="5" name="Slide Number Placeholder 4"/>
-          <p:cNvSpPr>
-            <a:spLocks noGrp="1"/>
-          </p:cNvSpPr>
-          <p:nvPr>
-            <p:ph type="sldNum" sz="quarter" idx="12"/>
-          </p:nvPr>
-        </p:nvSpPr>
-        <p:spPr/>
-        <p:txBody>
-          <a:bodyPr/>
-          <a:lstStyle/>
-          <a:p>
-            <a:r>
-              <a:rPr lang="en-US" smtClean="0"/>
-              <a:t>Slide #</a:t>
-            </a:r>
-            <a:fld id="{D642A5D2-8297-4C2E-A455-795C6C5351AF}" type="slidenum">
-              <a:rPr lang="en-US" smtClean="0"/>
-              <a:pPr/>
-              <a:t>8</a:t>
-            </a:fld>
-            <a:endParaRPr lang="en-US"/>
-          </a:p>
-        </p:txBody>
-      </p:sp>
-    </p:spTree>
-    <p:extLst>
-      <p:ext uri="{BB962C8B-B14F-4D97-AF65-F5344CB8AC3E}">
-        <p14:creationId xmlns:p14="http://schemas.microsoft.com/office/powerpoint/2010/main" val="1000770872"/>
-      </p:ext>
-    </p:extLst>
-  </p:cSld>
-  <p:clrMapOvr>
-    <a:masterClrMapping/>
-  </p:clrMapOvr>
-  <p:timing>
-    <p:tnLst>
-      <p:par>
-        <p:cTn id="1" dur="indefinite" restart="never" nodeType="tmRoot">
-          <p:childTnLst>
-            <p:seq concurrent="1" nextAc="seek">
-              <p:cTn id="2" dur="indefinite" nodeType="mainSeq">
-                <p:childTnLst>
-                  <p:par>
-                    <p:cTn id="3" fill="hold">
-                      <p:stCondLst>
-                        <p:cond delay="indefinite"/>
-                      </p:stCondLst>
-                      <p:childTnLst>
-                        <p:par>
-                          <p:cTn id="4" fill="hold">
-                            <p:stCondLst>
-                              <p:cond delay="0"/>
-                            </p:stCondLst>
-                            <p:childTnLst>
-                              <p:par>
-                                <p:cTn id="5" presetID="1" presetClass="entr" presetSubtype="0" fill="hold" grpId="0" nodeType="clickEffect">
-                                  <p:stCondLst>
-                                    <p:cond delay="0"/>
-                                  </p:stCondLst>
-                                  <p:childTnLst>
-                                    <p:set>
-                                      <p:cBhvr>
-                                        <p:cTn id="6" dur="1" fill="hold">
-                                          <p:stCondLst>
-                                            <p:cond delay="0"/>
-                                          </p:stCondLst>
-                                        </p:cTn>
-                                        <p:tgtEl>
-                                          <p:spTgt spid="3">
-                                            <p:txEl>
-                                              <p:pRg st="4" end="4"/>
-                                            </p:txEl>
-                                          </p:spTgt>
-                                        </p:tgtEl>
-                                        <p:attrNameLst>
-                                          <p:attrName>style.visibility</p:attrName>
-                                        </p:attrNameLst>
-                                      </p:cBhvr>
-                                      <p:to>
-                                        <p:strVal val="visible"/>
-                                      </p:to>
-                                    </p:set>
-                                  </p:childTnLst>
-                                </p:cTn>
-                              </p:par>
-                            </p:childTnLst>
-                          </p:cTn>
-                        </p:par>
-                      </p:childTnLst>
-                    </p:cTn>
-                  </p:par>
-                  <p:par>
-                    <p:cTn id="7" fill="hold">
-                      <p:stCondLst>
-                        <p:cond delay="indefinite"/>
-                      </p:stCondLst>
-                      <p:childTnLst>
-                        <p:par>
-                          <p:cTn id="8" fill="hold">
-                            <p:stCondLst>
-                              <p:cond delay="0"/>
-                            </p:stCondLst>
-                            <p:childTnLst>
-                              <p:par>
-                                <p:cTn id="9" presetID="45" presetClass="entr" presetSubtype="0" fill="hold" grpId="0" nodeType="clickEffect">
-                                  <p:stCondLst>
-                                    <p:cond delay="0"/>
-                                  </p:stCondLst>
-                                  <p:childTnLst>
-                                    <p:set>
-                                      <p:cBhvr>
-                                        <p:cTn id="10" dur="1" fill="hold">
-                                          <p:stCondLst>
-                                            <p:cond delay="0"/>
-                                          </p:stCondLst>
-                                        </p:cTn>
-                                        <p:tgtEl>
-                                          <p:spTgt spid="7"/>
-                                        </p:tgtEl>
-                                        <p:attrNameLst>
-                                          <p:attrName>style.visibility</p:attrName>
-                                        </p:attrNameLst>
-                                      </p:cBhvr>
-                                      <p:to>
-                                        <p:strVal val="visible"/>
-                                      </p:to>
-                                    </p:set>
-                                    <p:animEffect transition="in" filter="fade">
-                                      <p:cBhvr>
-                                        <p:cTn id="11" dur="2000"/>
-                                        <p:tgtEl>
-                                          <p:spTgt spid="7"/>
-                                        </p:tgtEl>
-                                      </p:cBhvr>
-                                    </p:animEffect>
-                                    <p:anim calcmode="lin" valueType="num">
-                                      <p:cBhvr>
-                                        <p:cTn id="12" dur="2000" fill="hold"/>
-                                        <p:tgtEl>
-                                          <p:spTgt spid="7"/>
-                                        </p:tgtEl>
-                                        <p:attrNameLst>
-                                          <p:attrName>ppt_w</p:attrName>
-                                        </p:attrNameLst>
-                                      </p:cBhvr>
-                                      <p:tavLst>
-                                        <p:tav tm="0" fmla="#ppt_w*sin(2.5*pi*$)">
-                                          <p:val>
-                                            <p:fltVal val="0"/>
-                                          </p:val>
-                                        </p:tav>
-                                        <p:tav tm="100000">
-                                          <p:val>
-                                            <p:fltVal val="1"/>
-                                          </p:val>
-                                        </p:tav>
-                                      </p:tavLst>
-                                    </p:anim>
-                                    <p:anim calcmode="lin" valueType="num">
-                                      <p:cBhvr>
-                                        <p:cTn id="13" dur="2000" fill="hold"/>
-                                        <p:tgtEl>
-                                          <p:spTgt spid="7"/>
-                                        </p:tgtEl>
-                                        <p:attrNameLst>
-                                          <p:attrName>ppt_h</p:attrName>
-                                        </p:attrNameLst>
-                                      </p:cBhvr>
-                                      <p:tavLst>
-                                        <p:tav tm="0">
-                                          <p:val>
-                                            <p:strVal val="#ppt_h"/>
-                                          </p:val>
-                                        </p:tav>
-                                        <p:tav tm="100000">
-                                          <p:val>
-                                            <p:strVal val="#ppt_h"/>
-                                          </p:val>
-                                        </p:tav>
-                                      </p:tavLst>
-                                    </p:anim>
-                                  </p:childTnLst>
-                                </p:cTn>
-                              </p:par>
-                              <p:par>
-                                <p:cTn id="14" presetID="45" presetClass="entr" presetSubtype="0" fill="hold" grpId="0" nodeType="withEffect">
-                                  <p:stCondLst>
-                                    <p:cond delay="0"/>
-                                  </p:stCondLst>
-                                  <p:childTnLst>
-                                    <p:set>
-                                      <p:cBhvr>
-                                        <p:cTn id="15" dur="1" fill="hold">
-                                          <p:stCondLst>
-                                            <p:cond delay="0"/>
-                                          </p:stCondLst>
-                                        </p:cTn>
-                                        <p:tgtEl>
-                                          <p:spTgt spid="6"/>
-                                        </p:tgtEl>
-                                        <p:attrNameLst>
-                                          <p:attrName>style.visibility</p:attrName>
-                                        </p:attrNameLst>
-                                      </p:cBhvr>
-                                      <p:to>
-                                        <p:strVal val="visible"/>
-                                      </p:to>
-                                    </p:set>
-                                    <p:animEffect transition="in" filter="fade">
-                                      <p:cBhvr>
-                                        <p:cTn id="16" dur="2000"/>
-                                        <p:tgtEl>
-                                          <p:spTgt spid="6"/>
-                                        </p:tgtEl>
-                                      </p:cBhvr>
-                                    </p:animEffect>
-                                    <p:anim calcmode="lin" valueType="num">
-                                      <p:cBhvr>
-                                        <p:cTn id="17" dur="2000" fill="hold"/>
-                                        <p:tgtEl>
-                                          <p:spTgt spid="6"/>
-                                        </p:tgtEl>
-                                        <p:attrNameLst>
-                                          <p:attrName>ppt_w</p:attrName>
-                                        </p:attrNameLst>
-                                      </p:cBhvr>
-                                      <p:tavLst>
-                                        <p:tav tm="0" fmla="#ppt_w*sin(2.5*pi*$)">
-                                          <p:val>
-                                            <p:fltVal val="0"/>
-                                          </p:val>
-                                        </p:tav>
-                                        <p:tav tm="100000">
-                                          <p:val>
-                                            <p:fltVal val="1"/>
-                                          </p:val>
-                                        </p:tav>
-                                      </p:tavLst>
-                                    </p:anim>
-                                    <p:anim calcmode="lin" valueType="num">
-                                      <p:cBhvr>
-                                        <p:cTn id="18" dur="2000" fill="hold"/>
-                                        <p:tgtEl>
-                                          <p:spTgt spid="6"/>
-                                        </p:tgtEl>
-                                        <p:attrNameLst>
-                                          <p:attrName>ppt_h</p:attrName>
-                                        </p:attrNameLst>
-                                      </p:cBhvr>
-                                      <p:tavLst>
-                                        <p:tav tm="0">
-                                          <p:val>
-                                            <p:strVal val="#ppt_h"/>
-                                          </p:val>
-                                        </p:tav>
-                                        <p:tav tm="100000">
-                                          <p:val>
-                                            <p:strVal val="#ppt_h"/>
-                                          </p:val>
-                                        </p:tav>
-                                      </p:tavLst>
-                                    </p:anim>
-                                  </p:childTnLst>
-                                </p:cTn>
-                              </p:par>
-                            </p:childTnLst>
-                          </p:cTn>
-                        </p:par>
-                      </p:childTnLst>
-                    </p:cTn>
-                  </p:par>
-                </p:childTnLst>
-              </p:cTn>
-              <p:prevCondLst>
-                <p:cond evt="onPrev" delay="0">
-                  <p:tgtEl>
-                    <p:sldTgt/>
-                  </p:tgtEl>
-                </p:cond>
-              </p:prevCondLst>
-              <p:nextCondLst>
-                <p:cond evt="onNext" delay="0">
-                  <p:tgtEl>
-                    <p:sldTgt/>
-                  </p:tgtEl>
-                </p:cond>
-              </p:nextCondLst>
-            </p:seq>
-          </p:childTnLst>
-        </p:cTn>
-      </p:par>
-    </p:tnLst>
-    <p:bldLst>
-      <p:bldP spid="7" grpId="0" animBg="1"/>
-      <p:bldP spid="6" grpId="0" animBg="1"/>
-      <p:bldP spid="3" grpId="0" uiExpand="1" build="p"/>
     </p:bldLst>
   </p:timing>
 </p:sld>
